--- a/poster.pptx
+++ b/poster.pptx
@@ -3520,7 +3520,7 @@
         <p:spPr bwMode="auto">
           <a:xfrm>
             <a:off x="9984605" y="5940421"/>
-            <a:ext cx="19504795" cy="1921257"/>
+            <a:ext cx="19504795" cy="2157179"/>
           </a:xfrm>
           <a:prstGeom prst="rect">
             <a:avLst/>
@@ -4190,10 +4190,62 @@
               <a:buFont typeface="+mj-lt"/>
               <a:buAutoNum type="arabicPeriod"/>
             </a:pPr>
-            <a:endParaRPr lang="en-US" altLang="ko-KR" sz="2000" dirty="0">
-              <a:latin typeface="Times New Roman" pitchFamily="18" charset="0"/>
-              <a:cs typeface="Times New Roman" pitchFamily="18" charset="0"/>
-            </a:endParaRPr>
+            <a:r>
+              <a:rPr lang="en-US" altLang="ko-KR" sz="2000" dirty="0" smtClean="0">
+                <a:latin typeface="Times New Roman" pitchFamily="18" charset="0"/>
+                <a:cs typeface="Times New Roman" pitchFamily="18" charset="0"/>
+              </a:rPr>
+              <a:t>T</a:t>
+            </a:r>
+            <a:r>
+              <a:rPr lang="en-US" altLang="ko-KR" sz="2000" dirty="0">
+                <a:latin typeface="Times New Roman" pitchFamily="18" charset="0"/>
+                <a:cs typeface="Times New Roman" pitchFamily="18" charset="0"/>
+              </a:rPr>
+              <a:t>. </a:t>
+            </a:r>
+            <a:r>
+              <a:rPr lang="en-US" altLang="ko-KR" sz="2000" dirty="0" err="1">
+                <a:latin typeface="Times New Roman" pitchFamily="18" charset="0"/>
+                <a:cs typeface="Times New Roman" pitchFamily="18" charset="0"/>
+              </a:rPr>
+              <a:t>Faetti</a:t>
+            </a:r>
+            <a:r>
+              <a:rPr lang="en-US" altLang="ko-KR" sz="2000" dirty="0">
+                <a:latin typeface="Times New Roman" pitchFamily="18" charset="0"/>
+                <a:cs typeface="Times New Roman" pitchFamily="18" charset="0"/>
+              </a:rPr>
+              <a:t> and R. </a:t>
+            </a:r>
+            <a:r>
+              <a:rPr lang="en-US" altLang="ko-KR" sz="2000" dirty="0" err="1">
+                <a:latin typeface="Times New Roman" pitchFamily="18" charset="0"/>
+                <a:cs typeface="Times New Roman" pitchFamily="18" charset="0"/>
+              </a:rPr>
+              <a:t>Paradiso</a:t>
+            </a:r>
+            <a:r>
+              <a:rPr lang="en-US" altLang="ko-KR" sz="2000" dirty="0">
+                <a:latin typeface="Times New Roman" pitchFamily="18" charset="0"/>
+                <a:cs typeface="Times New Roman" pitchFamily="18" charset="0"/>
+              </a:rPr>
+              <a:t>, "</a:t>
+            </a:r>
+            <a:r>
+              <a:rPr lang="en-US" altLang="ko-KR" sz="2000" i="1" dirty="0">
+                <a:latin typeface="Times New Roman" pitchFamily="18" charset="0"/>
+                <a:cs typeface="Times New Roman" pitchFamily="18" charset="0"/>
+              </a:rPr>
+              <a:t>A Novel Wearable System for Elderly Monitoring</a:t>
+            </a:r>
+            <a:r>
+              <a:rPr lang="en-US" altLang="ko-KR" sz="2000" dirty="0">
+                <a:latin typeface="Times New Roman" pitchFamily="18" charset="0"/>
+                <a:cs typeface="Times New Roman" pitchFamily="18" charset="0"/>
+              </a:rPr>
+              <a:t>," Advances in Science and Technology, vol. 85, pp. 17-22, 2013. </a:t>
+            </a:r>
           </a:p>
           <a:p>
             <a:pPr marL="457200" indent="-457200" algn="just">
@@ -4201,11 +4253,18 @@
               <a:buAutoNum type="arabicPeriod"/>
             </a:pPr>
             <a:r>
+              <a:rPr lang="en-US" altLang="ko-KR" sz="2000" dirty="0" smtClean="0">
+                <a:latin typeface="Times New Roman" pitchFamily="18" charset="0"/>
+                <a:cs typeface="Times New Roman" pitchFamily="18" charset="0"/>
+              </a:rPr>
+              <a:t>P</a:t>
+            </a:r>
+            <a:r>
               <a:rPr lang="en-US" altLang="ko-KR" sz="2000" dirty="0">
                 <a:latin typeface="Times New Roman" pitchFamily="18" charset="0"/>
                 <a:cs typeface="Times New Roman" pitchFamily="18" charset="0"/>
               </a:rPr>
-              <a:t>P. </a:t>
+              <a:t>. </a:t>
             </a:r>
             <a:r>
               <a:rPr lang="en-US" altLang="ko-KR" sz="2000" dirty="0" err="1">
@@ -4233,42 +4292,21 @@
                 <a:latin typeface="Times New Roman" pitchFamily="18" charset="0"/>
                 <a:cs typeface="Times New Roman" pitchFamily="18" charset="0"/>
               </a:rPr>
-              <a:t>, A. Belli, and L. Palma, “</a:t>
+              <a:t>, A. Belli and L. Palma, "</a:t>
             </a:r>
             <a:r>
               <a:rPr lang="en-US" altLang="ko-KR" sz="2000" i="1" dirty="0">
                 <a:latin typeface="Times New Roman" pitchFamily="18" charset="0"/>
                 <a:cs typeface="Times New Roman" pitchFamily="18" charset="0"/>
               </a:rPr>
-              <a:t>An android-based heart monitoring system for the elderly and for patients with heart </a:t>
-            </a:r>
-            <a:r>
-              <a:rPr lang="en-US" altLang="ko-KR" sz="2000" i="1" dirty="0" smtClean="0">
-                <a:latin typeface="Times New Roman" pitchFamily="18" charset="0"/>
-                <a:cs typeface="Times New Roman" pitchFamily="18" charset="0"/>
-              </a:rPr>
-              <a:t>disease</a:t>
-            </a:r>
-            <a:r>
-              <a:rPr lang="en-US" altLang="ko-KR" sz="2000" dirty="0" smtClean="0">
-                <a:latin typeface="Times New Roman" pitchFamily="18" charset="0"/>
-                <a:cs typeface="Times New Roman" pitchFamily="18" charset="0"/>
-              </a:rPr>
-              <a:t>” </a:t>
+              <a:t>An Android-Based Heart Monitoring System for the Elderly and for Patients with Heart Disease</a:t>
             </a:r>
             <a:r>
               <a:rPr lang="en-US" altLang="ko-KR" sz="2000" dirty="0">
                 <a:latin typeface="Times New Roman" pitchFamily="18" charset="0"/>
                 <a:cs typeface="Times New Roman" pitchFamily="18" charset="0"/>
               </a:rPr>
-              <a:t>International Journal of Telemedicine and Applications, vol. 2014,p. 11, </a:t>
-            </a:r>
-            <a:r>
-              <a:rPr lang="en-US" altLang="ko-KR" sz="2000" dirty="0" smtClean="0">
-                <a:latin typeface="Times New Roman" pitchFamily="18" charset="0"/>
-                <a:cs typeface="Times New Roman" pitchFamily="18" charset="0"/>
-              </a:rPr>
-              <a:t>2014.</a:t>
+              <a:t>," International Journal of Telemedicine and Applications, vol. 2014, p. 11, 2014. </a:t>
             </a:r>
           </a:p>
           <a:p>
@@ -4277,100 +4315,61 @@
               <a:buAutoNum type="arabicPeriod"/>
             </a:pPr>
             <a:r>
+              <a:rPr lang="en-US" altLang="ko-KR" sz="2000" dirty="0" smtClean="0">
+                <a:latin typeface="Times New Roman" pitchFamily="18" charset="0"/>
+                <a:cs typeface="Times New Roman" pitchFamily="18" charset="0"/>
+              </a:rPr>
+              <a:t>L</a:t>
+            </a:r>
+            <a:r>
               <a:rPr lang="en-US" altLang="ko-KR" sz="2000" dirty="0">
                 <a:latin typeface="Times New Roman" pitchFamily="18" charset="0"/>
                 <a:cs typeface="Times New Roman" pitchFamily="18" charset="0"/>
               </a:rPr>
-              <a:t>B. Hoh, T. </a:t>
+              <a:t>. Tong, Q. Song, Y. </a:t>
             </a:r>
             <a:r>
               <a:rPr lang="en-US" altLang="ko-KR" sz="2000" dirty="0" err="1">
                 <a:latin typeface="Times New Roman" pitchFamily="18" charset="0"/>
                 <a:cs typeface="Times New Roman" pitchFamily="18" charset="0"/>
               </a:rPr>
-              <a:t>Iwuchukwu</a:t>
+              <a:t>Ge</a:t>
             </a:r>
             <a:r>
               <a:rPr lang="en-US" altLang="ko-KR" sz="2000" dirty="0">
                 <a:latin typeface="Times New Roman" pitchFamily="18" charset="0"/>
                 <a:cs typeface="Times New Roman" pitchFamily="18" charset="0"/>
               </a:rPr>
-              <a:t>, Q. Jacobson, D. Work, A. M. </a:t>
+              <a:t> and M. Liu, "</a:t>
+            </a:r>
+            <a:r>
+              <a:rPr lang="en-US" altLang="ko-KR" sz="2000" i="1" dirty="0">
+                <a:latin typeface="Times New Roman" pitchFamily="18" charset="0"/>
+                <a:cs typeface="Times New Roman" pitchFamily="18" charset="0"/>
+              </a:rPr>
+              <a:t>HMM-Based Human Fall Detection and Prediction Method Using Tri-Axial Accelerometer</a:t>
+            </a:r>
+            <a:r>
+              <a:rPr lang="en-US" altLang="ko-KR" sz="2000" dirty="0">
+                <a:latin typeface="Times New Roman" pitchFamily="18" charset="0"/>
+                <a:cs typeface="Times New Roman" pitchFamily="18" charset="0"/>
+              </a:rPr>
+              <a:t>," </a:t>
             </a:r>
             <a:r>
               <a:rPr lang="en-US" altLang="ko-KR" sz="2000" dirty="0" err="1">
                 <a:latin typeface="Times New Roman" pitchFamily="18" charset="0"/>
                 <a:cs typeface="Times New Roman" pitchFamily="18" charset="0"/>
               </a:rPr>
-              <a:t>Bayen</a:t>
+              <a:t>IEEE,Sensors</a:t>
             </a:r>
             <a:r>
               <a:rPr lang="en-US" altLang="ko-KR" sz="2000" dirty="0">
                 <a:latin typeface="Times New Roman" pitchFamily="18" charset="0"/>
                 <a:cs typeface="Times New Roman" pitchFamily="18" charset="0"/>
               </a:rPr>
-              <a:t>, J. C. Herrera, M. </a:t>
-            </a:r>
-            <a:r>
-              <a:rPr lang="en-US" altLang="ko-KR" sz="2000" dirty="0" err="1">
-                <a:latin typeface="Times New Roman" pitchFamily="18" charset="0"/>
-                <a:cs typeface="Times New Roman" pitchFamily="18" charset="0"/>
-              </a:rPr>
-              <a:t>Gruteser</a:t>
-            </a:r>
-            <a:r>
-              <a:rPr lang="en-US" altLang="ko-KR" sz="2000" dirty="0">
-                <a:latin typeface="Times New Roman" pitchFamily="18" charset="0"/>
-                <a:cs typeface="Times New Roman" pitchFamily="18" charset="0"/>
-              </a:rPr>
-              <a:t>, and M. </a:t>
-            </a:r>
-            <a:r>
-              <a:rPr lang="en-US" altLang="ko-KR" sz="2000" dirty="0" err="1">
-                <a:latin typeface="Times New Roman" pitchFamily="18" charset="0"/>
-                <a:cs typeface="Times New Roman" pitchFamily="18" charset="0"/>
-              </a:rPr>
-              <a:t>Annavaram</a:t>
-            </a:r>
-            <a:r>
-              <a:rPr lang="en-US" altLang="ko-KR" sz="2000" dirty="0">
-                <a:latin typeface="Times New Roman" pitchFamily="18" charset="0"/>
-                <a:cs typeface="Times New Roman" pitchFamily="18" charset="0"/>
-              </a:rPr>
-              <a:t>, “</a:t>
-            </a:r>
-            <a:r>
-              <a:rPr lang="en-US" altLang="ko-KR" sz="2000" i="1" dirty="0">
-                <a:latin typeface="Times New Roman" pitchFamily="18" charset="0"/>
-                <a:cs typeface="Times New Roman" pitchFamily="18" charset="0"/>
-              </a:rPr>
-              <a:t>Enhancing privacy and accuracy in probe vehicle-based traffic monitoring via virtual trip </a:t>
-            </a:r>
-            <a:r>
-              <a:rPr lang="en-US" altLang="ko-KR" sz="2000" i="1" dirty="0" smtClean="0">
-                <a:latin typeface="Times New Roman" pitchFamily="18" charset="0"/>
-                <a:cs typeface="Times New Roman" pitchFamily="18" charset="0"/>
-              </a:rPr>
-              <a:t>lines</a:t>
-            </a:r>
-            <a:r>
-              <a:rPr lang="en-US" altLang="ko-KR" sz="2000" dirty="0" smtClean="0">
-                <a:latin typeface="Times New Roman" pitchFamily="18" charset="0"/>
-                <a:cs typeface="Times New Roman" pitchFamily="18" charset="0"/>
-              </a:rPr>
-              <a:t>” </a:t>
-            </a:r>
-            <a:r>
-              <a:rPr lang="en-US" altLang="ko-KR" sz="2000" dirty="0">
-                <a:latin typeface="Times New Roman" pitchFamily="18" charset="0"/>
-                <a:cs typeface="Times New Roman" pitchFamily="18" charset="0"/>
-              </a:rPr>
-              <a:t>Mobile Computing, IEEE Transactions, vol. 11(5), pp. 849–864, May 2012.</a:t>
-            </a:r>
-            <a:endParaRPr lang="en-US" altLang="ko-KR" sz="2000" dirty="0" smtClean="0">
-              <a:latin typeface="Times New Roman" pitchFamily="18" charset="0"/>
-              <a:cs typeface="Times New Roman" pitchFamily="18" charset="0"/>
-            </a:endParaRPr>
+              <a:t> Journal, vol. 13, no. 5. </a:t>
+            </a:r>
           </a:p>
           <a:p>
             <a:pPr marL="457200" indent="-457200" algn="just">
@@ -4378,86 +4377,75 @@
               <a:buAutoNum type="arabicPeriod"/>
             </a:pPr>
             <a:r>
+              <a:rPr lang="en-US" altLang="ko-KR" sz="2000" dirty="0" smtClean="0">
+                <a:latin typeface="Times New Roman" pitchFamily="18" charset="0"/>
+                <a:cs typeface="Times New Roman" pitchFamily="18" charset="0"/>
+              </a:rPr>
+              <a:t>O</a:t>
+            </a:r>
+            <a:r>
               <a:rPr lang="en-US" altLang="ko-KR" sz="2000" dirty="0">
                 <a:latin typeface="Times New Roman" pitchFamily="18" charset="0"/>
                 <a:cs typeface="Times New Roman" pitchFamily="18" charset="0"/>
               </a:rPr>
-              <a:t>R. </a:t>
+              <a:t>. Aziza, E. J. </a:t>
             </a:r>
             <a:r>
               <a:rPr lang="en-US" altLang="ko-KR" sz="2000" dirty="0" err="1">
                 <a:latin typeface="Times New Roman" pitchFamily="18" charset="0"/>
                 <a:cs typeface="Times New Roman" pitchFamily="18" charset="0"/>
               </a:rPr>
-              <a:t>LiKamWa</a:t>
+              <a:t>Parkc</a:t>
             </a:r>
             <a:r>
               <a:rPr lang="en-US" altLang="ko-KR" sz="2000" dirty="0">
                 <a:latin typeface="Times New Roman" pitchFamily="18" charset="0"/>
                 <a:cs typeface="Times New Roman" pitchFamily="18" charset="0"/>
               </a:rPr>
-              <a:t>, Y. Liu, N. D. Lane, and L. </a:t>
+              <a:t>, G. </a:t>
             </a:r>
             <a:r>
               <a:rPr lang="en-US" altLang="ko-KR" sz="2000" dirty="0" err="1">
                 <a:latin typeface="Times New Roman" pitchFamily="18" charset="0"/>
                 <a:cs typeface="Times New Roman" pitchFamily="18" charset="0"/>
               </a:rPr>
-              <a:t>Zhong</a:t>
+              <a:t>Morid</a:t>
             </a:r>
             <a:r>
               <a:rPr lang="en-US" altLang="ko-KR" sz="2000" dirty="0">
                 <a:latin typeface="Times New Roman" pitchFamily="18" charset="0"/>
                 <a:cs typeface="Times New Roman" pitchFamily="18" charset="0"/>
               </a:rPr>
-              <a:t>, “</a:t>
+              <a:t> and S. N. </a:t>
+            </a:r>
+            <a:r>
+              <a:rPr lang="en-US" altLang="ko-KR" sz="2000" dirty="0" err="1">
+                <a:latin typeface="Times New Roman" pitchFamily="18" charset="0"/>
+                <a:cs typeface="Times New Roman" pitchFamily="18" charset="0"/>
+              </a:rPr>
+              <a:t>Robinovitch</a:t>
+            </a:r>
+            <a:r>
+              <a:rPr lang="en-US" altLang="ko-KR" sz="2000" dirty="0">
+                <a:latin typeface="Times New Roman" pitchFamily="18" charset="0"/>
+                <a:cs typeface="Times New Roman" pitchFamily="18" charset="0"/>
+              </a:rPr>
+              <a:t>, "</a:t>
             </a:r>
             <a:r>
               <a:rPr lang="en-US" altLang="ko-KR" sz="2000" i="1" dirty="0">
                 <a:latin typeface="Times New Roman" pitchFamily="18" charset="0"/>
                 <a:cs typeface="Times New Roman" pitchFamily="18" charset="0"/>
               </a:rPr>
-              <a:t>Can your smartphone infer your mood</a:t>
-            </a:r>
-            <a:r>
-              <a:rPr lang="en-US" altLang="ko-KR" sz="2000" i="1" dirty="0" smtClean="0">
-                <a:latin typeface="Times New Roman" pitchFamily="18" charset="0"/>
-                <a:cs typeface="Times New Roman" pitchFamily="18" charset="0"/>
-              </a:rPr>
-              <a:t>?</a:t>
-            </a:r>
-            <a:r>
-              <a:rPr lang="en-US" altLang="ko-KR" sz="2000" dirty="0" smtClean="0">
-                <a:latin typeface="Times New Roman" pitchFamily="18" charset="0"/>
-                <a:cs typeface="Times New Roman" pitchFamily="18" charset="0"/>
-              </a:rPr>
-              <a:t>” </a:t>
+              <a:t>Distinguishing the causes of falls in humans using an array of wearable tri-axial accelerometers</a:t>
             </a:r>
             <a:r>
               <a:rPr lang="en-US" altLang="ko-KR" sz="2000" dirty="0">
                 <a:latin typeface="Times New Roman" pitchFamily="18" charset="0"/>
                 <a:cs typeface="Times New Roman" pitchFamily="18" charset="0"/>
               </a:rPr>
-              <a:t>in </a:t>
-            </a:r>
-            <a:r>
-              <a:rPr lang="en-US" altLang="ko-KR" sz="2000" dirty="0" err="1">
-                <a:latin typeface="Times New Roman" pitchFamily="18" charset="0"/>
-                <a:cs typeface="Times New Roman" pitchFamily="18" charset="0"/>
-              </a:rPr>
-              <a:t>PhoneSense</a:t>
-            </a:r>
-            <a:r>
-              <a:rPr lang="en-US" altLang="ko-KR" sz="2000" dirty="0">
-                <a:latin typeface="Times New Roman" pitchFamily="18" charset="0"/>
-                <a:cs typeface="Times New Roman" pitchFamily="18" charset="0"/>
-              </a:rPr>
-              <a:t> workshop, 2011. </a:t>
-            </a:r>
-            <a:endParaRPr lang="en-US" altLang="ko-KR" sz="2000" dirty="0" smtClean="0">
-              <a:latin typeface="Times New Roman" pitchFamily="18" charset="0"/>
-              <a:cs typeface="Times New Roman" pitchFamily="18" charset="0"/>
-            </a:endParaRPr>
+              <a:t>," Gait and Posture, pp. 506-512, 2014. </a:t>
+            </a:r>
           </a:p>
           <a:p>
             <a:pPr marL="457200" indent="-457200" algn="just">
@@ -4465,116 +4453,60 @@
               <a:buAutoNum type="arabicPeriod"/>
             </a:pPr>
             <a:r>
+              <a:rPr lang="en-US" altLang="ko-KR" sz="2000" dirty="0" smtClean="0">
+                <a:latin typeface="Times New Roman" pitchFamily="18" charset="0"/>
+                <a:cs typeface="Times New Roman" pitchFamily="18" charset="0"/>
+              </a:rPr>
+              <a:t>P</a:t>
+            </a:r>
+            <a:r>
+              <a:rPr lang="en-US" altLang="ko-KR" sz="2000" dirty="0">
+                <a:latin typeface="Times New Roman" pitchFamily="18" charset="0"/>
+                <a:cs typeface="Times New Roman" pitchFamily="18" charset="0"/>
+              </a:rPr>
+              <a:t>. Zhou, Y. </a:t>
+            </a:r>
+            <a:r>
               <a:rPr lang="en-US" altLang="ko-KR" sz="2000" dirty="0" err="1">
                 <a:latin typeface="Times New Roman" pitchFamily="18" charset="0"/>
                 <a:cs typeface="Times New Roman" pitchFamily="18" charset="0"/>
               </a:rPr>
-              <a:t>Spina</a:t>
+              <a:t>Zheng</a:t>
             </a:r>
             <a:r>
               <a:rPr lang="en-US" altLang="ko-KR" sz="2000" dirty="0">
                 <a:latin typeface="Times New Roman" pitchFamily="18" charset="0"/>
                 <a:cs typeface="Times New Roman" pitchFamily="18" charset="0"/>
               </a:rPr>
-              <a:t>, G., Roberts, F., </a:t>
+              <a:t> and M. Li, "</a:t>
+            </a:r>
+            <a:r>
+              <a:rPr lang="en-US" altLang="ko-KR" sz="2000" i="1" dirty="0">
+                <a:latin typeface="Times New Roman" pitchFamily="18" charset="0"/>
+                <a:cs typeface="Times New Roman" pitchFamily="18" charset="0"/>
+              </a:rPr>
+              <a:t>How long to wait?: predicting bus arrival time with mobile phone based participatory sensing</a:t>
+            </a:r>
+            <a:r>
+              <a:rPr lang="en-US" altLang="ko-KR" sz="2000" dirty="0">
+                <a:latin typeface="Times New Roman" pitchFamily="18" charset="0"/>
+                <a:cs typeface="Times New Roman" pitchFamily="18" charset="0"/>
+              </a:rPr>
+              <a:t>," in </a:t>
             </a:r>
             <a:r>
               <a:rPr lang="en-US" altLang="ko-KR" sz="2000" dirty="0" err="1">
                 <a:latin typeface="Times New Roman" pitchFamily="18" charset="0"/>
                 <a:cs typeface="Times New Roman" pitchFamily="18" charset="0"/>
               </a:rPr>
-              <a:t>Weppner</a:t>
+              <a:t>MobiSys</a:t>
             </a:r>
             <a:r>
               <a:rPr lang="en-US" altLang="ko-KR" sz="2000" dirty="0">
                 <a:latin typeface="Times New Roman" pitchFamily="18" charset="0"/>
                 <a:cs typeface="Times New Roman" pitchFamily="18" charset="0"/>
               </a:rPr>
-              <a:t>, J. , </a:t>
-            </a:r>
-            <a:r>
-              <a:rPr lang="en-US" altLang="ko-KR" sz="2000" dirty="0" err="1">
-                <a:latin typeface="Times New Roman" pitchFamily="18" charset="0"/>
-                <a:cs typeface="Times New Roman" pitchFamily="18" charset="0"/>
-              </a:rPr>
-              <a:t>Lukowicz</a:t>
-            </a:r>
-            <a:r>
-              <a:rPr lang="en-US" altLang="ko-KR" sz="2000" dirty="0">
-                <a:latin typeface="Times New Roman" pitchFamily="18" charset="0"/>
-                <a:cs typeface="Times New Roman" pitchFamily="18" charset="0"/>
-              </a:rPr>
-              <a:t>, P. , </a:t>
-            </a:r>
-            <a:r>
-              <a:rPr lang="en-US" altLang="ko-KR" sz="2000" dirty="0" err="1">
-                <a:latin typeface="Times New Roman" pitchFamily="18" charset="0"/>
-                <a:cs typeface="Times New Roman" pitchFamily="18" charset="0"/>
-              </a:rPr>
-              <a:t>Amft</a:t>
-            </a:r>
-            <a:r>
-              <a:rPr lang="en-US" altLang="ko-KR" sz="2000" dirty="0">
-                <a:latin typeface="Times New Roman" pitchFamily="18" charset="0"/>
-                <a:cs typeface="Times New Roman" pitchFamily="18" charset="0"/>
-              </a:rPr>
-              <a:t>, O., “</a:t>
-            </a:r>
-            <a:r>
-              <a:rPr lang="en-US" altLang="ko-KR" sz="2000" i="1" dirty="0" err="1">
-                <a:latin typeface="Times New Roman" pitchFamily="18" charset="0"/>
-                <a:cs typeface="Times New Roman" pitchFamily="18" charset="0"/>
-              </a:rPr>
-              <a:t>Crntc</a:t>
-            </a:r>
-            <a:r>
-              <a:rPr lang="en-US" altLang="ko-KR" sz="2000" i="1" dirty="0">
-                <a:latin typeface="Times New Roman" pitchFamily="18" charset="0"/>
-                <a:cs typeface="Times New Roman" pitchFamily="18" charset="0"/>
-              </a:rPr>
-              <a:t>+: A smartphone-based sensor processing framework for prototyping personal healthcare </a:t>
-            </a:r>
-            <a:r>
-              <a:rPr lang="en-US" altLang="ko-KR" sz="2000" i="1" dirty="0" smtClean="0">
-                <a:latin typeface="Times New Roman" pitchFamily="18" charset="0"/>
-                <a:cs typeface="Times New Roman" pitchFamily="18" charset="0"/>
-              </a:rPr>
-              <a:t>applications</a:t>
-            </a:r>
-            <a:r>
-              <a:rPr lang="en-US" altLang="ko-KR" sz="2000" dirty="0" smtClean="0">
-                <a:latin typeface="Times New Roman" pitchFamily="18" charset="0"/>
-                <a:cs typeface="Times New Roman" pitchFamily="18" charset="0"/>
-              </a:rPr>
-              <a:t>” </a:t>
-            </a:r>
-            <a:r>
-              <a:rPr lang="en-US" altLang="ko-KR" sz="2000" dirty="0">
-                <a:latin typeface="Times New Roman" pitchFamily="18" charset="0"/>
-                <a:cs typeface="Times New Roman" pitchFamily="18" charset="0"/>
-              </a:rPr>
-              <a:t>in 2013 7th International Conference on Pervasive Computing Technologies for Healthcare (</a:t>
-            </a:r>
-            <a:r>
-              <a:rPr lang="en-US" altLang="ko-KR" sz="2000" dirty="0" err="1">
-                <a:latin typeface="Times New Roman" pitchFamily="18" charset="0"/>
-                <a:cs typeface="Times New Roman" pitchFamily="18" charset="0"/>
-              </a:rPr>
-              <a:t>PervasiveHealth</a:t>
-            </a:r>
-            <a:r>
-              <a:rPr lang="en-US" altLang="ko-KR" sz="2000" dirty="0">
-                <a:latin typeface="Times New Roman" pitchFamily="18" charset="0"/>
-                <a:cs typeface="Times New Roman" pitchFamily="18" charset="0"/>
-              </a:rPr>
-              <a:t>), 2013</a:t>
-            </a:r>
-            <a:r>
-              <a:rPr lang="en-US" altLang="ko-KR" sz="2000" dirty="0" smtClean="0">
-                <a:latin typeface="Times New Roman" pitchFamily="18" charset="0"/>
-                <a:cs typeface="Times New Roman" pitchFamily="18" charset="0"/>
-              </a:rPr>
-              <a:t>.</a:t>
+              <a:t> '12 Proceedings of the 10th international conference on Mobile systems, applications, and services. </a:t>
             </a:r>
           </a:p>
           <a:p>
@@ -4583,58 +4515,89 @@
               <a:buAutoNum type="arabicPeriod"/>
             </a:pPr>
             <a:r>
+              <a:rPr lang="en-US" altLang="ko-KR" sz="2000" dirty="0" smtClean="0">
+                <a:latin typeface="Times New Roman" pitchFamily="18" charset="0"/>
+                <a:cs typeface="Times New Roman" pitchFamily="18" charset="0"/>
+              </a:rPr>
+              <a:t>A</a:t>
+            </a:r>
+            <a:r>
               <a:rPr lang="en-US" altLang="ko-KR" sz="2000" dirty="0">
                 <a:latin typeface="Times New Roman" pitchFamily="18" charset="0"/>
                 <a:cs typeface="Times New Roman" pitchFamily="18" charset="0"/>
               </a:rPr>
-              <a:t>IETF, “</a:t>
+              <a:t>. </a:t>
+            </a:r>
+            <a:r>
+              <a:rPr lang="en-US" altLang="ko-KR" sz="2000" dirty="0" err="1">
+                <a:latin typeface="Times New Roman" pitchFamily="18" charset="0"/>
+                <a:cs typeface="Times New Roman" pitchFamily="18" charset="0"/>
+              </a:rPr>
+              <a:t>Bogomolov</a:t>
+            </a:r>
+            <a:r>
+              <a:rPr lang="en-US" altLang="ko-KR" sz="2000" dirty="0">
+                <a:latin typeface="Times New Roman" pitchFamily="18" charset="0"/>
+                <a:cs typeface="Times New Roman" pitchFamily="18" charset="0"/>
+              </a:rPr>
+              <a:t>, B. </a:t>
+            </a:r>
+            <a:r>
+              <a:rPr lang="en-US" altLang="ko-KR" sz="2000" dirty="0" err="1">
+                <a:latin typeface="Times New Roman" pitchFamily="18" charset="0"/>
+                <a:cs typeface="Times New Roman" pitchFamily="18" charset="0"/>
+              </a:rPr>
+              <a:t>Lepri</a:t>
+            </a:r>
+            <a:r>
+              <a:rPr lang="en-US" altLang="ko-KR" sz="2000" dirty="0">
+                <a:latin typeface="Times New Roman" pitchFamily="18" charset="0"/>
+                <a:cs typeface="Times New Roman" pitchFamily="18" charset="0"/>
+              </a:rPr>
+              <a:t> and F. </a:t>
+            </a:r>
+            <a:r>
+              <a:rPr lang="en-US" altLang="ko-KR" sz="2000" dirty="0" err="1">
+                <a:latin typeface="Times New Roman" pitchFamily="18" charset="0"/>
+                <a:cs typeface="Times New Roman" pitchFamily="18" charset="0"/>
+              </a:rPr>
+              <a:t>Pianesi</a:t>
+            </a:r>
+            <a:r>
+              <a:rPr lang="en-US" altLang="ko-KR" sz="2000" dirty="0">
+                <a:latin typeface="Times New Roman" pitchFamily="18" charset="0"/>
+                <a:cs typeface="Times New Roman" pitchFamily="18" charset="0"/>
+              </a:rPr>
+              <a:t>, "</a:t>
             </a:r>
             <a:r>
               <a:rPr lang="en-US" altLang="ko-KR" sz="2000" i="1" dirty="0">
                 <a:latin typeface="Times New Roman" pitchFamily="18" charset="0"/>
                 <a:cs typeface="Times New Roman" pitchFamily="18" charset="0"/>
               </a:rPr>
-              <a:t>The </a:t>
-            </a:r>
-            <a:r>
-              <a:rPr lang="en-US" altLang="ko-KR" sz="2000" i="1" dirty="0" err="1">
-                <a:latin typeface="Times New Roman" pitchFamily="18" charset="0"/>
-                <a:cs typeface="Times New Roman" pitchFamily="18" charset="0"/>
-              </a:rPr>
-              <a:t>oauth</a:t>
-            </a:r>
-            <a:r>
-              <a:rPr lang="en-US" altLang="ko-KR" sz="2000" i="1" dirty="0">
-                <a:latin typeface="Times New Roman" pitchFamily="18" charset="0"/>
-                <a:cs typeface="Times New Roman" pitchFamily="18" charset="0"/>
-              </a:rPr>
-              <a:t> 2.0 authorization </a:t>
-            </a:r>
-            <a:r>
-              <a:rPr lang="en-US" altLang="ko-KR" sz="2000" i="1" dirty="0" smtClean="0">
-                <a:latin typeface="Times New Roman" pitchFamily="18" charset="0"/>
-                <a:cs typeface="Times New Roman" pitchFamily="18" charset="0"/>
-              </a:rPr>
-              <a:t>framework</a:t>
-            </a:r>
-            <a:r>
-              <a:rPr lang="en-US" altLang="ko-KR" sz="2000" dirty="0" smtClean="0">
-                <a:latin typeface="Times New Roman" pitchFamily="18" charset="0"/>
-                <a:cs typeface="Times New Roman" pitchFamily="18" charset="0"/>
-              </a:rPr>
-              <a:t>” </a:t>
+              <a:t>Happiness Recognition from Mobile Phone Data</a:t>
             </a:r>
             <a:r>
               <a:rPr lang="en-US" altLang="ko-KR" sz="2000" dirty="0">
                 <a:latin typeface="Times New Roman" pitchFamily="18" charset="0"/>
                 <a:cs typeface="Times New Roman" pitchFamily="18" charset="0"/>
               </a:rPr>
-              <a:t>Oct. 2012. http://tools.ietf.org/html/rfc6749.</a:t>
-            </a:r>
-            <a:endParaRPr lang="en-US" altLang="ko-KR" sz="2000" dirty="0" smtClean="0">
-              <a:latin typeface="Times New Roman" pitchFamily="18" charset="0"/>
-              <a:cs typeface="Times New Roman" pitchFamily="18" charset="0"/>
-            </a:endParaRPr>
+              <a:t>," in </a:t>
+            </a:r>
+            <a:r>
+              <a:rPr lang="en-US" altLang="ko-KR" sz="2000" dirty="0" err="1">
+                <a:latin typeface="Times New Roman" pitchFamily="18" charset="0"/>
+                <a:cs typeface="Times New Roman" pitchFamily="18" charset="0"/>
+              </a:rPr>
+              <a:t>BioMedCom</a:t>
+            </a:r>
+            <a:r>
+              <a:rPr lang="en-US" altLang="ko-KR" sz="2000" dirty="0">
+                <a:latin typeface="Times New Roman" pitchFamily="18" charset="0"/>
+                <a:cs typeface="Times New Roman" pitchFamily="18" charset="0"/>
+              </a:rPr>
+              <a:t> 2013, 2013. </a:t>
+            </a:r>
           </a:p>
         </p:txBody>
       </p:sp>
@@ -4768,7 +4731,7 @@
         </p:nvSpPr>
         <p:spPr bwMode="auto">
           <a:xfrm>
-            <a:off x="10076100" y="5996994"/>
+            <a:off x="10094592" y="6040110"/>
             <a:ext cx="19284819" cy="1692771"/>
           </a:xfrm>
           <a:prstGeom prst="rect">
@@ -4814,17 +4777,7 @@
                 <a:latin typeface="Times New Roman" pitchFamily="18" charset="0"/>
                 <a:cs typeface="Times New Roman" pitchFamily="18" charset="0"/>
               </a:rPr>
-              <a:t>Research </a:t>
-            </a:r>
-            <a:r>
-              <a:rPr lang="en-US" altLang="ko-KR" sz="2600" dirty="0">
-                <a:solidFill>
-                  <a:schemeClr val="tx1"/>
-                </a:solidFill>
-                <a:latin typeface="Times New Roman" pitchFamily="18" charset="0"/>
-                <a:cs typeface="Times New Roman" pitchFamily="18" charset="0"/>
-              </a:rPr>
-              <a:t>about sensing framework has conducted by many researcher. </a:t>
+              <a:t>The data that we have is time series data, we have data for 1 month 20 days</a:t>
             </a:r>
             <a:r>
               <a:rPr lang="en-US" altLang="ko-KR" sz="2600" dirty="0" smtClean="0">
@@ -4834,17 +4787,7 @@
                 <a:latin typeface="Times New Roman" pitchFamily="18" charset="0"/>
                 <a:cs typeface="Times New Roman" pitchFamily="18" charset="0"/>
               </a:rPr>
-              <a:t>Based on the sensor </a:t>
-            </a:r>
-            <a:r>
-              <a:rPr lang="en-US" altLang="ko-KR" sz="2600" dirty="0">
-                <a:solidFill>
-                  <a:schemeClr val="tx1"/>
-                </a:solidFill>
-                <a:latin typeface="Times New Roman" pitchFamily="18" charset="0"/>
-                <a:cs typeface="Times New Roman" pitchFamily="18" charset="0"/>
-              </a:rPr>
-              <a:t>and log capability of smartphone, we can </a:t>
+              <a:t>. </a:t>
             </a:r>
             <a:r>
               <a:rPr lang="en-US" altLang="ko-KR" sz="2600" dirty="0" smtClean="0">
@@ -4854,17 +4797,7 @@
                 <a:latin typeface="Times New Roman" pitchFamily="18" charset="0"/>
                 <a:cs typeface="Times New Roman" pitchFamily="18" charset="0"/>
               </a:rPr>
-              <a:t>develop many </a:t>
-            </a:r>
-            <a:r>
-              <a:rPr lang="en-US" altLang="ko-KR" sz="2600" dirty="0">
-                <a:solidFill>
-                  <a:schemeClr val="tx1"/>
-                </a:solidFill>
-                <a:latin typeface="Times New Roman" pitchFamily="18" charset="0"/>
-                <a:cs typeface="Times New Roman" pitchFamily="18" charset="0"/>
-              </a:rPr>
-              <a:t>useful system or application in different domain </a:t>
+              <a:t>First, we process those data, we explain in Data Processing section, then we applied our method to build human behavior model. In this research, we tried to looking the similarity pattern between human activities data by comparing between days. Fig. 1a shows that we use static window size (w=2), means we compare between two days, and find the similarity data. The way to find the similarity pattern can be seen on Fig. 1b and the details of our Algorithm can be seen on Algorithm 1.  </a:t>
             </a:r>
             <a:r>
               <a:rPr lang="en-US" altLang="ko-KR" sz="2600" dirty="0" smtClean="0">
@@ -4874,187 +4807,7 @@
                 <a:latin typeface="Times New Roman" pitchFamily="18" charset="0"/>
                 <a:cs typeface="Times New Roman" pitchFamily="18" charset="0"/>
               </a:rPr>
-              <a:t>such as healthcare </a:t>
-            </a:r>
-            <a:r>
-              <a:rPr lang="en-US" altLang="ko-KR" sz="2600" b="1" dirty="0" smtClean="0">
-                <a:solidFill>
-                  <a:srgbClr val="00B0F0"/>
-                </a:solidFill>
-                <a:latin typeface="Times New Roman" pitchFamily="18" charset="0"/>
-                <a:cs typeface="Times New Roman" pitchFamily="18" charset="0"/>
-              </a:rPr>
-              <a:t>[1]</a:t>
-            </a:r>
-            <a:r>
-              <a:rPr lang="en-US" altLang="ko-KR" sz="2600" dirty="0" smtClean="0">
-                <a:solidFill>
-                  <a:schemeClr val="tx1"/>
-                </a:solidFill>
-                <a:latin typeface="Times New Roman" pitchFamily="18" charset="0"/>
-                <a:cs typeface="Times New Roman" pitchFamily="18" charset="0"/>
-              </a:rPr>
-              <a:t>, transportation </a:t>
-            </a:r>
-            <a:r>
-              <a:rPr lang="en-US" altLang="ko-KR" sz="2600" b="1" dirty="0" smtClean="0">
-                <a:solidFill>
-                  <a:srgbClr val="00B0F0"/>
-                </a:solidFill>
-                <a:latin typeface="Times New Roman" pitchFamily="18" charset="0"/>
-                <a:cs typeface="Times New Roman" pitchFamily="18" charset="0"/>
-              </a:rPr>
-              <a:t>[2]</a:t>
-            </a:r>
-            <a:r>
-              <a:rPr lang="en-US" altLang="ko-KR" sz="2600" dirty="0" smtClean="0">
-                <a:solidFill>
-                  <a:schemeClr val="tx1"/>
-                </a:solidFill>
-                <a:latin typeface="Times New Roman" pitchFamily="18" charset="0"/>
-                <a:cs typeface="Times New Roman" pitchFamily="18" charset="0"/>
-              </a:rPr>
-              <a:t>, personal and social behavior </a:t>
-            </a:r>
-            <a:r>
-              <a:rPr lang="en-US" altLang="ko-KR" sz="2600" b="1" dirty="0" smtClean="0">
-                <a:solidFill>
-                  <a:srgbClr val="00B0F0"/>
-                </a:solidFill>
-                <a:latin typeface="Times New Roman" pitchFamily="18" charset="0"/>
-                <a:cs typeface="Times New Roman" pitchFamily="18" charset="0"/>
-              </a:rPr>
-              <a:t>[3]</a:t>
-            </a:r>
-            <a:r>
-              <a:rPr lang="en-US" altLang="ko-KR" sz="2600" b="1" dirty="0" smtClean="0">
-                <a:solidFill>
-                  <a:schemeClr val="tx1"/>
-                </a:solidFill>
-                <a:latin typeface="Times New Roman" pitchFamily="18" charset="0"/>
-                <a:cs typeface="Times New Roman" pitchFamily="18" charset="0"/>
-              </a:rPr>
-              <a:t>, </a:t>
-            </a:r>
-            <a:r>
-              <a:rPr lang="en-US" altLang="ko-KR" sz="2600" dirty="0" smtClean="0">
-                <a:solidFill>
-                  <a:schemeClr val="tx1"/>
-                </a:solidFill>
-                <a:latin typeface="Times New Roman" pitchFamily="18" charset="0"/>
-                <a:cs typeface="Times New Roman" pitchFamily="18" charset="0"/>
-              </a:rPr>
-              <a:t>and etc</a:t>
-            </a:r>
-            <a:r>
-              <a:rPr lang="en-US" altLang="ko-KR" sz="2600" dirty="0">
-                <a:solidFill>
-                  <a:schemeClr val="tx1"/>
-                </a:solidFill>
-                <a:latin typeface="Times New Roman" pitchFamily="18" charset="0"/>
-                <a:cs typeface="Times New Roman" pitchFamily="18" charset="0"/>
-              </a:rPr>
-              <a:t>. </a:t>
-            </a:r>
-            <a:r>
-              <a:rPr lang="en-US" altLang="ko-KR" sz="2600" dirty="0" smtClean="0">
-                <a:solidFill>
-                  <a:schemeClr val="tx1"/>
-                </a:solidFill>
-                <a:latin typeface="Times New Roman" pitchFamily="18" charset="0"/>
-                <a:cs typeface="Times New Roman" pitchFamily="18" charset="0"/>
-              </a:rPr>
-              <a:t>Most </a:t>
-            </a:r>
-            <a:r>
-              <a:rPr lang="en-US" altLang="ko-KR" sz="2600" dirty="0">
-                <a:solidFill>
-                  <a:schemeClr val="tx1"/>
-                </a:solidFill>
-                <a:latin typeface="Times New Roman" pitchFamily="18" charset="0"/>
-                <a:cs typeface="Times New Roman" pitchFamily="18" charset="0"/>
-              </a:rPr>
-              <a:t>of the research focus only for one </a:t>
-            </a:r>
-            <a:r>
-              <a:rPr lang="en-US" altLang="ko-KR" sz="2600" dirty="0" smtClean="0">
-                <a:solidFill>
-                  <a:schemeClr val="tx1"/>
-                </a:solidFill>
-                <a:latin typeface="Times New Roman" pitchFamily="18" charset="0"/>
-                <a:cs typeface="Times New Roman" pitchFamily="18" charset="0"/>
-              </a:rPr>
-              <a:t>goal such as CRNTC</a:t>
-            </a:r>
-            <a:r>
-              <a:rPr lang="en-US" altLang="ko-KR" sz="2600" dirty="0">
-                <a:solidFill>
-                  <a:schemeClr val="tx1"/>
-                </a:solidFill>
-                <a:latin typeface="Times New Roman" pitchFamily="18" charset="0"/>
-                <a:cs typeface="Times New Roman" pitchFamily="18" charset="0"/>
-              </a:rPr>
-              <a:t>+ </a:t>
-            </a:r>
-            <a:r>
-              <a:rPr lang="en-US" altLang="ko-KR" sz="2600" dirty="0" smtClean="0">
-                <a:solidFill>
-                  <a:srgbClr val="00B0F0"/>
-                </a:solidFill>
-                <a:latin typeface="Times New Roman" pitchFamily="18" charset="0"/>
-                <a:cs typeface="Times New Roman" pitchFamily="18" charset="0"/>
-              </a:rPr>
-              <a:t>[4]</a:t>
-            </a:r>
-            <a:r>
-              <a:rPr lang="en-US" altLang="ko-KR" sz="2600" dirty="0" smtClean="0">
-                <a:solidFill>
-                  <a:schemeClr val="tx1"/>
-                </a:solidFill>
-                <a:latin typeface="Times New Roman" pitchFamily="18" charset="0"/>
-                <a:cs typeface="Times New Roman" pitchFamily="18" charset="0"/>
-              </a:rPr>
-              <a:t> which only focus </a:t>
-            </a:r>
-            <a:r>
-              <a:rPr lang="en-US" altLang="ko-KR" sz="2600" dirty="0">
-                <a:solidFill>
-                  <a:schemeClr val="tx1"/>
-                </a:solidFill>
-                <a:latin typeface="Times New Roman" pitchFamily="18" charset="0"/>
-                <a:cs typeface="Times New Roman" pitchFamily="18" charset="0"/>
-              </a:rPr>
-              <a:t>on health care </a:t>
-            </a:r>
-            <a:r>
-              <a:rPr lang="en-US" altLang="ko-KR" sz="2600" dirty="0" smtClean="0">
-                <a:solidFill>
-                  <a:schemeClr val="tx1"/>
-                </a:solidFill>
-                <a:latin typeface="Times New Roman" pitchFamily="18" charset="0"/>
-                <a:cs typeface="Times New Roman" pitchFamily="18" charset="0"/>
-              </a:rPr>
-              <a:t>application and etc. </a:t>
-            </a:r>
-            <a:r>
-              <a:rPr lang="en-US" altLang="ko-KR" sz="2600" dirty="0">
-                <a:solidFill>
-                  <a:schemeClr val="tx1"/>
-                </a:solidFill>
-                <a:latin typeface="Times New Roman" pitchFamily="18" charset="0"/>
-                <a:cs typeface="Times New Roman" pitchFamily="18" charset="0"/>
-              </a:rPr>
-              <a:t>Most of sensing framework also based on participatory method which need user </a:t>
-            </a:r>
-            <a:r>
-              <a:rPr lang="en-US" altLang="ko-KR" sz="2600" dirty="0" smtClean="0">
-                <a:solidFill>
-                  <a:schemeClr val="tx1"/>
-                </a:solidFill>
-                <a:latin typeface="Times New Roman" pitchFamily="18" charset="0"/>
-                <a:cs typeface="Times New Roman" pitchFamily="18" charset="0"/>
-              </a:rPr>
-              <a:t>intervention and sometimes bothering user. </a:t>
+              <a:t> </a:t>
             </a:r>
             <a:endParaRPr lang="ko-KR" altLang="ko-KR" sz="2600" dirty="0">
               <a:solidFill>
@@ -5076,8 +4829,8 @@
         </p:nvSpPr>
         <p:spPr bwMode="auto">
           <a:xfrm>
-            <a:off x="20512632" y="23990665"/>
-            <a:ext cx="9007505" cy="2246769"/>
+            <a:off x="20321266" y="27529770"/>
+            <a:ext cx="9007505" cy="2554545"/>
           </a:xfrm>
           <a:prstGeom prst="rect">
             <a:avLst/>
@@ -5102,26 +4855,40 @@
                 <a:latin typeface="Times New Roman" pitchFamily="18" charset="0"/>
                 <a:cs typeface="Times New Roman" pitchFamily="18" charset="0"/>
               </a:rPr>
-              <a:t>This table </a:t>
+              <a:t>Table 1 is </a:t>
             </a:r>
             <a:r>
               <a:rPr lang="en-US" altLang="ko-KR" sz="2000" b="1" dirty="0">
                 <a:latin typeface="Times New Roman" pitchFamily="18" charset="0"/>
                 <a:cs typeface="Times New Roman" pitchFamily="18" charset="0"/>
               </a:rPr>
-              <a:t>is not confusion matrix table, it just looks like confusion matrix table. The value means the percentage of B2 (behavior data from test dataset) which is successfully identified by B1 (behavior model). We can see that our proposed features and our approach can be used for identification. Based on the result and our observation, our approach can achieved good enough accuracy even some of users has bad accuracy (under 30</a:t>
-            </a:r>
+              <a:t>not confusion matrix table, it just looks like confusion matrix table. The value means the percentage of B2 (behavior data from test dataset) which is successfully identified by B1 (behavior model). We can see that our proposed features and our approach can be used for identification. Based on the result and our observation, our approach can achieved good enough accuracy even some of users has bad accuracy (under 30%). </a:t>
+            </a:r>
+            <a:endParaRPr lang="en-US" altLang="ko-KR" sz="2000" b="1" dirty="0" smtClean="0">
+              <a:latin typeface="Times New Roman" pitchFamily="18" charset="0"/>
+              <a:cs typeface="Times New Roman" pitchFamily="18" charset="0"/>
+            </a:endParaRPr>
+          </a:p>
+          <a:p>
+            <a:pPr algn="just"/>
             <a:r>
               <a:rPr lang="en-US" altLang="ko-KR" sz="2000" b="1" dirty="0" smtClean="0">
                 <a:latin typeface="Times New Roman" pitchFamily="18" charset="0"/>
                 <a:cs typeface="Times New Roman" pitchFamily="18" charset="0"/>
               </a:rPr>
-              <a:t>%).</a:t>
+              <a:t>Full </a:t>
+            </a:r>
+            <a:r>
+              <a:rPr lang="en-US" altLang="ko-KR" sz="2000" b="1" dirty="0">
+                <a:latin typeface="Times New Roman" pitchFamily="18" charset="0"/>
+                <a:cs typeface="Times New Roman" pitchFamily="18" charset="0"/>
+              </a:rPr>
+              <a:t>Table can be seen on Appendix, page : 42. </a:t>
             </a:r>
           </a:p>
           <a:p>
             <a:pPr algn="just"/>
-            <a:endParaRPr lang="ko-KR" altLang="ko-KR" sz="2000" dirty="0">
+            <a:endParaRPr lang="en-US" altLang="ko-KR" sz="2000" b="1" dirty="0" smtClean="0">
               <a:latin typeface="Times New Roman" pitchFamily="18" charset="0"/>
               <a:cs typeface="Times New Roman" pitchFamily="18" charset="0"/>
             </a:endParaRPr>
@@ -5139,7 +4906,7 @@
         <p:spPr bwMode="auto">
           <a:xfrm>
             <a:off x="20347600" y="17294458"/>
-            <a:ext cx="9277476" cy="11902246"/>
+            <a:ext cx="9277476" cy="12499742"/>
           </a:xfrm>
           <a:prstGeom prst="rect">
             <a:avLst/>
@@ -5174,7 +4941,7 @@
         <p:spPr bwMode="auto">
           <a:xfrm>
             <a:off x="20201451" y="17163883"/>
-            <a:ext cx="8286808" cy="1178344"/>
+            <a:ext cx="5695734" cy="1178344"/>
           </a:xfrm>
           <a:prstGeom prst="rect">
             <a:avLst/>
@@ -5219,14 +4986,21 @@
                 <a:latin typeface="Times New Roman" pitchFamily="18" charset="0"/>
                 <a:cs typeface="Times New Roman" pitchFamily="18" charset="0"/>
               </a:rPr>
-              <a:t>R</a:t>
+              <a:t>E</a:t>
             </a:r>
             <a:r>
               <a:rPr lang="en-US" altLang="ko-KR" sz="3200" b="1" dirty="0" smtClean="0">
                 <a:latin typeface="Times New Roman" pitchFamily="18" charset="0"/>
                 <a:cs typeface="Times New Roman" pitchFamily="18" charset="0"/>
               </a:rPr>
-              <a:t>esult of </a:t>
+              <a:t>xperiment and</a:t>
+            </a:r>
+            <a:r>
+              <a:rPr lang="en-US" altLang="ko-KR" sz="3200" b="1" dirty="0" smtClean="0">
+                <a:latin typeface="Times New Roman" pitchFamily="18" charset="0"/>
+                <a:cs typeface="Times New Roman" pitchFamily="18" charset="0"/>
+              </a:rPr>
+              <a:t> </a:t>
             </a:r>
             <a:r>
               <a:rPr lang="en-US" altLang="ko-KR" sz="4800" b="1" dirty="0" smtClean="0">
@@ -5236,31 +5010,14 @@
                 <a:latin typeface="Times New Roman" pitchFamily="18" charset="0"/>
                 <a:cs typeface="Times New Roman" pitchFamily="18" charset="0"/>
               </a:rPr>
-              <a:t>U</a:t>
+              <a:t>R</a:t>
             </a:r>
             <a:r>
               <a:rPr lang="en-US" altLang="ko-KR" sz="3200" b="1" dirty="0" smtClean="0">
                 <a:latin typeface="Times New Roman" pitchFamily="18" charset="0"/>
                 <a:cs typeface="Times New Roman" pitchFamily="18" charset="0"/>
               </a:rPr>
-              <a:t>ser </a:t>
-            </a:r>
-            <a:r>
-              <a:rPr lang="en-US" altLang="ko-KR" sz="4800" b="1" dirty="0" smtClean="0">
-                <a:solidFill>
-                  <a:srgbClr val="12436C"/>
-                </a:solidFill>
-                <a:latin typeface="Times New Roman" pitchFamily="18" charset="0"/>
-                <a:cs typeface="Times New Roman" pitchFamily="18" charset="0"/>
-              </a:rPr>
-              <a:t>I</a:t>
-            </a:r>
-            <a:r>
-              <a:rPr lang="en-US" altLang="ko-KR" sz="3200" b="1" dirty="0" smtClean="0">
-                <a:latin typeface="Times New Roman" pitchFamily="18" charset="0"/>
-                <a:cs typeface="Times New Roman" pitchFamily="18" charset="0"/>
-              </a:rPr>
-              <a:t>dentification </a:t>
+              <a:t>esult</a:t>
             </a:r>
             <a:endParaRPr lang="en-US" altLang="ko-KR" sz="3200" b="1" dirty="0">
               <a:latin typeface="Times New Roman" pitchFamily="18" charset="0"/>
@@ -5279,8 +5036,8 @@
         </p:nvSpPr>
         <p:spPr bwMode="auto">
           <a:xfrm>
-            <a:off x="20352937" y="30113131"/>
-            <a:ext cx="9277476" cy="10966948"/>
+            <a:off x="20352937" y="30446651"/>
+            <a:ext cx="9277476" cy="10633428"/>
           </a:xfrm>
           <a:prstGeom prst="rect">
             <a:avLst/>
@@ -5378,186 +5135,95 @@
               <a:t>Performance Evaluation by Removing some Sensors </a:t>
             </a:r>
             <a:r>
-              <a:rPr lang="en-US" altLang="ko-KR" sz="2600" b="1" dirty="0" err="1">
-                <a:latin typeface="Times New Roman" pitchFamily="18" charset="0"/>
-                <a:cs typeface="Times New Roman" pitchFamily="18" charset="0"/>
-              </a:rPr>
-              <a:t>DataData</a:t>
+              <a:rPr lang="en-US" altLang="ko-KR" sz="2600" b="1" dirty="0" smtClean="0">
+                <a:latin typeface="Times New Roman" pitchFamily="18" charset="0"/>
+                <a:cs typeface="Times New Roman" pitchFamily="18" charset="0"/>
+              </a:rPr>
+              <a:t>Data</a:t>
             </a:r>
             <a:r>
               <a:rPr lang="en-US" altLang="ko-KR" sz="2600" b="1" dirty="0">
                 <a:latin typeface="Times New Roman" pitchFamily="18" charset="0"/>
                 <a:cs typeface="Times New Roman" pitchFamily="18" charset="0"/>
               </a:rPr>
-              <a:t> </a:t>
-            </a:r>
-            <a:r>
-              <a:rPr lang="en-US" altLang="ko-KR" sz="2600" b="1" dirty="0">
-                <a:latin typeface="Times New Roman" pitchFamily="18" charset="0"/>
-                <a:cs typeface="Times New Roman" pitchFamily="18" charset="0"/>
-              </a:rPr>
-              <a:t>Visualization and Analysis. </a:t>
+              <a:t>. </a:t>
+            </a:r>
+            <a:r>
+              <a:rPr lang="en-US" altLang="ko-KR" sz="2600" dirty="0">
+                <a:latin typeface="Times New Roman" pitchFamily="18" charset="0"/>
+                <a:cs typeface="Times New Roman" pitchFamily="18" charset="0"/>
+              </a:rPr>
+              <a:t>When we doing research in this </a:t>
             </a:r>
             <a:r>
               <a:rPr lang="en-US" altLang="ko-KR" sz="2600" dirty="0" smtClean="0">
                 <a:latin typeface="Times New Roman" pitchFamily="18" charset="0"/>
                 <a:cs typeface="Times New Roman" pitchFamily="18" charset="0"/>
               </a:rPr>
-              <a:t>To </a:t>
+              <a:t>field, </a:t>
             </a:r>
             <a:r>
               <a:rPr lang="en-US" altLang="ko-KR" sz="2600" dirty="0">
                 <a:latin typeface="Times New Roman" pitchFamily="18" charset="0"/>
                 <a:cs typeface="Times New Roman" pitchFamily="18" charset="0"/>
               </a:rPr>
-              <a:t>process and </a:t>
+              <a:t>w</a:t>
             </a:r>
             <a:r>
               <a:rPr lang="en-US" altLang="ko-KR" sz="2600" dirty="0" smtClean="0">
                 <a:latin typeface="Times New Roman" pitchFamily="18" charset="0"/>
                 <a:cs typeface="Times New Roman" pitchFamily="18" charset="0"/>
               </a:rPr>
-              <a:t>analyze </a:t>
+              <a:t>e </a:t>
             </a:r>
             <a:r>
               <a:rPr lang="en-US" altLang="ko-KR" sz="2600" dirty="0">
                 <a:latin typeface="Times New Roman" pitchFamily="18" charset="0"/>
                 <a:cs typeface="Times New Roman" pitchFamily="18" charset="0"/>
               </a:rPr>
-              <a:t>the data, we use R </a:t>
+              <a:t>have to realize that some sensors probably does not supported by users smartphone or probably user does not have any data in one of sensor such as user does not have SMS and call log. We have to consider about that, if we focus only one sensor, it will be </a:t>
             </a:r>
             <a:r>
               <a:rPr lang="en-US" altLang="ko-KR" sz="2600" dirty="0" smtClean="0">
                 <a:latin typeface="Times New Roman" pitchFamily="18" charset="0"/>
                 <a:cs typeface="Times New Roman" pitchFamily="18" charset="0"/>
               </a:rPr>
-              <a:t>language. To visualize, we use shiny, one of web application framework which support to turn data analysis into interactive </a:t>
+              <a:t>problem. We </a:t>
             </a:r>
             <a:r>
               <a:rPr lang="en-US" altLang="ko-KR" sz="2600" dirty="0">
                 <a:latin typeface="Times New Roman" pitchFamily="18" charset="0"/>
                 <a:cs typeface="Times New Roman" pitchFamily="18" charset="0"/>
               </a:rPr>
-              <a:t>web application. Figure </a:t>
+              <a:t>want our approach can dealing well with </a:t>
             </a:r>
             <a:r>
               <a:rPr lang="en-US" altLang="ko-KR" sz="2600" dirty="0" smtClean="0">
                 <a:latin typeface="Times New Roman" pitchFamily="18" charset="0"/>
                 <a:cs typeface="Times New Roman" pitchFamily="18" charset="0"/>
               </a:rPr>
-              <a:t>a </a:t>
+              <a:t>realistic data, so we tried to remove one and more sensors data and then observe the accuracy</a:t>
             </a:r>
             <a:r>
               <a:rPr lang="en-US" altLang="ko-KR" sz="2600" dirty="0">
                 <a:latin typeface="Times New Roman" pitchFamily="18" charset="0"/>
                 <a:cs typeface="Times New Roman" pitchFamily="18" charset="0"/>
               </a:rPr>
-              <a:t>and </a:t>
+              <a:t>. </a:t>
             </a:r>
             <a:r>
               <a:rPr lang="en-US" altLang="ko-KR" sz="2600" dirty="0" smtClean="0">
                 <a:latin typeface="Times New Roman" pitchFamily="18" charset="0"/>
                 <a:cs typeface="Times New Roman" pitchFamily="18" charset="0"/>
               </a:rPr>
-              <a:t>b </a:t>
+              <a:t>Based on the result, we </a:t>
             </a:r>
             <a:r>
               <a:rPr lang="en-US" altLang="ko-KR" sz="2600" dirty="0">
                 <a:latin typeface="Times New Roman" pitchFamily="18" charset="0"/>
                 <a:cs typeface="Times New Roman" pitchFamily="18" charset="0"/>
               </a:rPr>
-              <a:t>show the </a:t>
-            </a:r>
-            <a:r>
-              <a:rPr lang="en-US" altLang="ko-KR" sz="2600" dirty="0" smtClean="0">
-                <a:latin typeface="Times New Roman" pitchFamily="18" charset="0"/>
-                <a:cs typeface="Times New Roman" pitchFamily="18" charset="0"/>
-              </a:rPr>
-              <a:t>example of </a:t>
-            </a:r>
-            <a:r>
-              <a:rPr lang="en-US" altLang="ko-KR" sz="2600" dirty="0">
-                <a:latin typeface="Times New Roman" pitchFamily="18" charset="0"/>
-                <a:cs typeface="Times New Roman" pitchFamily="18" charset="0"/>
-              </a:rPr>
-              <a:t>web layout when opened by using mobile phone </a:t>
-            </a:r>
-            <a:r>
-              <a:rPr lang="en-US" altLang="ko-KR" sz="2600" dirty="0" smtClean="0">
-                <a:latin typeface="Times New Roman" pitchFamily="18" charset="0"/>
-                <a:cs typeface="Times New Roman" pitchFamily="18" charset="0"/>
-              </a:rPr>
-              <a:t>browser. Figure c </a:t>
-            </a:r>
-            <a:r>
-              <a:rPr lang="en-US" altLang="ko-KR" sz="2600" dirty="0">
-                <a:latin typeface="Times New Roman" pitchFamily="18" charset="0"/>
-                <a:cs typeface="Times New Roman" pitchFamily="18" charset="0"/>
-              </a:rPr>
-              <a:t>shows the example of web layout using PC </a:t>
-            </a:r>
-            <a:r>
-              <a:rPr lang="en-US" altLang="ko-KR" sz="2600" dirty="0" smtClean="0">
-                <a:latin typeface="Times New Roman" pitchFamily="18" charset="0"/>
-                <a:cs typeface="Times New Roman" pitchFamily="18" charset="0"/>
-              </a:rPr>
-              <a:t>browser.</a:t>
-            </a:r>
-            <a:r>
-              <a:rPr lang="en-US" altLang="ko-KR" sz="2600" dirty="0">
-                <a:latin typeface="Times New Roman" pitchFamily="18" charset="0"/>
-                <a:cs typeface="Times New Roman" pitchFamily="18" charset="0"/>
-              </a:rPr>
-              <a:t> Actually many system or research topics that can be produced from user personal data, now we still focus on </a:t>
-            </a:r>
-            <a:r>
-              <a:rPr lang="en-US" altLang="ko-KR" sz="2600" dirty="0" smtClean="0">
-                <a:latin typeface="Times New Roman" pitchFamily="18" charset="0"/>
-                <a:cs typeface="Times New Roman" pitchFamily="18" charset="0"/>
-              </a:rPr>
-              <a:t>personal activity </a:t>
-            </a:r>
-            <a:r>
-              <a:rPr lang="en-US" altLang="ko-KR" sz="2600" dirty="0">
-                <a:latin typeface="Times New Roman" pitchFamily="18" charset="0"/>
-                <a:cs typeface="Times New Roman" pitchFamily="18" charset="0"/>
-              </a:rPr>
-              <a:t>and scheduling system such as when users open </a:t>
-            </a:r>
-            <a:r>
-              <a:rPr lang="en-US" altLang="ko-KR" sz="2600" dirty="0" smtClean="0">
-                <a:latin typeface="Times New Roman" pitchFamily="18" charset="0"/>
-                <a:cs typeface="Times New Roman" pitchFamily="18" charset="0"/>
-              </a:rPr>
-              <a:t>the page </a:t>
-            </a:r>
-            <a:r>
-              <a:rPr lang="en-US" altLang="ko-KR" sz="2600" dirty="0">
-                <a:latin typeface="Times New Roman" pitchFamily="18" charset="0"/>
-                <a:cs typeface="Times New Roman" pitchFamily="18" charset="0"/>
-              </a:rPr>
-              <a:t>of </a:t>
-            </a:r>
-            <a:r>
-              <a:rPr lang="en-US" altLang="ko-KR" sz="2600" dirty="0" smtClean="0">
-                <a:latin typeface="Times New Roman" pitchFamily="18" charset="0"/>
-                <a:cs typeface="Times New Roman" pitchFamily="18" charset="0"/>
-              </a:rPr>
-              <a:t>daily activity </a:t>
-            </a:r>
-            <a:r>
-              <a:rPr lang="en-US" altLang="ko-KR" sz="2600" dirty="0">
-                <a:latin typeface="Times New Roman" pitchFamily="18" charset="0"/>
-                <a:cs typeface="Times New Roman" pitchFamily="18" charset="0"/>
-              </a:rPr>
-              <a:t>they will see the message likes </a:t>
-            </a:r>
-            <a:r>
-              <a:rPr lang="en-US" altLang="ko-KR" sz="2600" dirty="0" smtClean="0">
-                <a:latin typeface="Times New Roman" pitchFamily="18" charset="0"/>
-                <a:cs typeface="Times New Roman" pitchFamily="18" charset="0"/>
-              </a:rPr>
-              <a:t>”.</a:t>
+              <a:t>can conclude that by removing one or two features our approach still good enough for user identification. </a:t>
             </a:r>
             <a:endParaRPr lang="ko-KR" altLang="ko-KR" sz="2600" dirty="0">
               <a:latin typeface="Times New Roman" pitchFamily="18" charset="0"/>
@@ -5577,7 +5243,7 @@
         <p:spPr bwMode="auto">
           <a:xfrm>
             <a:off x="-35796" y="12483604"/>
-            <a:ext cx="9857804" cy="13243185"/>
+            <a:ext cx="9857804" cy="18044500"/>
           </a:xfrm>
           <a:prstGeom prst="rect">
             <a:avLst/>
@@ -5602,25 +5268,95 @@
                 <a:latin typeface="Times New Roman" pitchFamily="18" charset="0"/>
                 <a:cs typeface="Times New Roman" pitchFamily="18" charset="0"/>
               </a:rPr>
-              <a:t>  Today, personal data is becoming a new economic asset. The data that we generated from our smartphone, our interaction in social media, its like oil in the Internet. An increasing of personal data in the internet cause some issue such as privacy issue, complexity processing, and etc. That will require a highly reliable, available, serviceable, and secure infrastructure at its core and robust innovation. This paper propose a new concept, design and implementation of sensing as a service framework. The goals of this paper are: 1) to provide rich application as a service based on users personal data log; 2) to bridging the user and third party such as developers in term of developing applications and researcher for research based on user personal data; 3) to develop reliable, available, serviceable and secure sensing as a service framework.</a:t>
+              <a:t>  Today, personal data is becoming a new economic asset. Personal data which generated from our smartphone can be used for many purposes such as identification, recommendation system, and etc</a:t>
+            </a:r>
+            <a:r>
+              <a:rPr lang="en-US" altLang="ko-KR" sz="2600" dirty="0">
+                <a:latin typeface="Times New Roman" pitchFamily="18" charset="0"/>
+                <a:cs typeface="Times New Roman" pitchFamily="18" charset="0"/>
+              </a:rPr>
+              <a:t>. </a:t>
+            </a:r>
+            <a:r>
+              <a:rPr lang="en-US" altLang="ko-KR" sz="2600" dirty="0" smtClean="0">
+                <a:latin typeface="Times New Roman" pitchFamily="18" charset="0"/>
+                <a:cs typeface="Times New Roman" pitchFamily="18" charset="0"/>
+              </a:rPr>
+              <a:t>On other side, smartphones </a:t>
+            </a:r>
+            <a:r>
+              <a:rPr lang="en-US" altLang="ko-KR" sz="2600" dirty="0">
+                <a:latin typeface="Times New Roman" pitchFamily="18" charset="0"/>
+                <a:cs typeface="Times New Roman" pitchFamily="18" charset="0"/>
+              </a:rPr>
+              <a:t>capability have increased significantly. Smartphone has equipped with high processor, bigger memory, bigger storage and etc. With this equipment, smartphones have capability to running complex applications. Many sensors also have embedded to the smartphone. With those sensors and log capability of smartphone, we can develop many useful systems or applications in different domains such as healthcare (elderly monitoring system [1, 2]) human fall detection [3, 4], transportation (monitoring road and traffic condition [5]), </a:t>
+            </a:r>
+            <a:r>
+              <a:rPr lang="en-US" altLang="ko-KR" sz="2600" dirty="0" smtClean="0">
+                <a:latin typeface="Times New Roman" pitchFamily="18" charset="0"/>
+                <a:cs typeface="Times New Roman" pitchFamily="18" charset="0"/>
+              </a:rPr>
+              <a:t>human happiness [6] and </a:t>
+            </a:r>
+            <a:r>
+              <a:rPr lang="en-US" altLang="ko-KR" sz="2600" dirty="0">
+                <a:latin typeface="Times New Roman" pitchFamily="18" charset="0"/>
+                <a:cs typeface="Times New Roman" pitchFamily="18" charset="0"/>
+              </a:rPr>
+              <a:t>etc. To develop such </a:t>
+            </a:r>
+            <a:r>
+              <a:rPr lang="en-US" altLang="ko-KR" sz="2600" dirty="0" smtClean="0">
+                <a:latin typeface="Times New Roman" pitchFamily="18" charset="0"/>
+                <a:cs typeface="Times New Roman" pitchFamily="18" charset="0"/>
+              </a:rPr>
+              <a:t>systems, </a:t>
+            </a:r>
+            <a:r>
+              <a:rPr lang="en-US" altLang="ko-KR" sz="2600" dirty="0">
+                <a:latin typeface="Times New Roman" pitchFamily="18" charset="0"/>
+                <a:cs typeface="Times New Roman" pitchFamily="18" charset="0"/>
+              </a:rPr>
+              <a:t>we have to collect user personal data and then analyze </a:t>
+            </a:r>
+            <a:r>
+              <a:rPr lang="en-US" altLang="ko-KR" sz="2600" dirty="0" smtClean="0">
+                <a:latin typeface="Times New Roman" pitchFamily="18" charset="0"/>
+                <a:cs typeface="Times New Roman" pitchFamily="18" charset="0"/>
+              </a:rPr>
+              <a:t>it. </a:t>
             </a:r>
           </a:p>
           <a:p>
             <a:pPr algn="just" defTabSz="4354513"/>
             <a:r>
+              <a:rPr lang="en-US" altLang="ko-KR" sz="2600" dirty="0">
+                <a:latin typeface="Times New Roman" pitchFamily="18" charset="0"/>
+                <a:cs typeface="Times New Roman" pitchFamily="18" charset="0"/>
+              </a:rPr>
+              <a:t> </a:t>
+            </a:r>
+            <a:r>
               <a:rPr lang="en-US" altLang="ko-KR" sz="2600" dirty="0" smtClean="0">
                 <a:latin typeface="Times New Roman" pitchFamily="18" charset="0"/>
                 <a:cs typeface="Times New Roman" pitchFamily="18" charset="0"/>
               </a:rPr>
-              <a:t>Contributions </a:t>
-            </a:r>
+              <a:t>  </a:t>
+            </a:r>
+          </a:p>
+          <a:p>
+            <a:pPr algn="just" defTabSz="4354513"/>
             <a:r>
               <a:rPr lang="en-US" altLang="ko-KR" sz="2600" dirty="0" smtClean="0">
                 <a:latin typeface="Times New Roman" pitchFamily="18" charset="0"/>
                 <a:cs typeface="Times New Roman" pitchFamily="18" charset="0"/>
               </a:rPr>
-              <a:t>of this research as follows: </a:t>
-            </a:r>
+              <a:t>In this research, our research purposes are to discover human behavior based on their smartphone life log data. Then we want to build behavior model which can be used for human identification. In this research, we have collected user personal data from 37 students during less than 2 months which consist of 19 kind of data sensors. When we are working in this field, we have to consider about realistic dataset. The definition of realistic dataset are: , </a:t>
+            </a:r>
+            <a:endParaRPr lang="en-US" altLang="ko-KR" sz="2600" dirty="0">
+              <a:latin typeface="Times New Roman" pitchFamily="18" charset="0"/>
+              <a:cs typeface="Times New Roman" pitchFamily="18" charset="0"/>
+            </a:endParaRPr>
           </a:p>
           <a:p>
             <a:pPr marL="514350" indent="-514350" algn="just" defTabSz="4354513">
@@ -5632,46 +5368,18 @@
                 <a:latin typeface="Times New Roman" pitchFamily="18" charset="0"/>
                 <a:cs typeface="Times New Roman" pitchFamily="18" charset="0"/>
               </a:rPr>
-              <a:t>We focus </a:t>
+              <a:t>In </a:t>
             </a:r>
             <a:r>
               <a:rPr lang="en-US" altLang="ko-KR" sz="2600" dirty="0">
-                <a:latin typeface="Times New Roman" panose="02020603050405020304" pitchFamily="18" charset="0"/>
-                <a:cs typeface="Times New Roman" panose="02020603050405020304" pitchFamily="18" charset="0"/>
-              </a:rPr>
-              <a:t>on sensing framework development which is can </a:t>
-            </a:r>
-            <a:r>
-              <a:rPr lang="en-US" altLang="ko-KR" sz="2600" dirty="0" smtClean="0">
-                <a:latin typeface="Times New Roman" panose="02020603050405020304" pitchFamily="18" charset="0"/>
-                <a:cs typeface="Times New Roman" panose="02020603050405020304" pitchFamily="18" charset="0"/>
-              </a:rPr>
-              <a:t>collect as </a:t>
-            </a:r>
-            <a:r>
-              <a:rPr lang="en-US" altLang="ko-KR" sz="2600" dirty="0">
-                <a:latin typeface="Times New Roman" panose="02020603050405020304" pitchFamily="18" charset="0"/>
-                <a:cs typeface="Times New Roman" panose="02020603050405020304" pitchFamily="18" charset="0"/>
-              </a:rPr>
-              <a:t>much as possible personal user data with high quality </a:t>
-            </a:r>
-            <a:r>
-              <a:rPr lang="en-US" altLang="ko-KR" sz="2600" dirty="0" smtClean="0">
-                <a:latin typeface="Times New Roman" panose="02020603050405020304" pitchFamily="18" charset="0"/>
-                <a:cs typeface="Times New Roman" panose="02020603050405020304" pitchFamily="18" charset="0"/>
-              </a:rPr>
-              <a:t>of data</a:t>
-            </a:r>
-            <a:r>
-              <a:rPr lang="en-US" altLang="ko-KR" sz="2600" dirty="0">
-                <a:latin typeface="Times New Roman" panose="02020603050405020304" pitchFamily="18" charset="0"/>
-                <a:cs typeface="Times New Roman" panose="02020603050405020304" pitchFamily="18" charset="0"/>
-              </a:rPr>
-              <a:t>. </a:t>
+                <a:latin typeface="Times New Roman" pitchFamily="18" charset="0"/>
+                <a:cs typeface="Times New Roman" pitchFamily="18" charset="0"/>
+              </a:rPr>
+              <a:t>realistic environment, user has different types and brand of smartphone and each smartphone has different types of sensors and hardware specification and capabilities. </a:t>
             </a:r>
             <a:endParaRPr lang="en-US" altLang="ko-KR" sz="2600" dirty="0" smtClean="0">
-              <a:latin typeface="Times New Roman" panose="02020603050405020304" pitchFamily="18" charset="0"/>
-              <a:cs typeface="Times New Roman" panose="02020603050405020304" pitchFamily="18" charset="0"/>
+              <a:latin typeface="Times New Roman" pitchFamily="18" charset="0"/>
+              <a:cs typeface="Times New Roman" pitchFamily="18" charset="0"/>
             </a:endParaRPr>
           </a:p>
           <a:p>
@@ -5681,35 +5389,21 @@
             </a:pPr>
             <a:r>
               <a:rPr lang="en-US" altLang="ko-KR" sz="2600" dirty="0" smtClean="0">
-                <a:latin typeface="Times New Roman" panose="02020603050405020304" pitchFamily="18" charset="0"/>
-                <a:cs typeface="Times New Roman" panose="02020603050405020304" pitchFamily="18" charset="0"/>
-              </a:rPr>
-              <a:t>The </a:t>
+                <a:latin typeface="Times New Roman" pitchFamily="18" charset="0"/>
+                <a:cs typeface="Times New Roman" pitchFamily="18" charset="0"/>
+              </a:rPr>
+              <a:t>We </a:t>
             </a:r>
             <a:r>
               <a:rPr lang="en-US" altLang="ko-KR" sz="2600" dirty="0">
-                <a:latin typeface="Times New Roman" panose="02020603050405020304" pitchFamily="18" charset="0"/>
-                <a:cs typeface="Times New Roman" panose="02020603050405020304" pitchFamily="18" charset="0"/>
-              </a:rPr>
-              <a:t>proposed framework is based on </a:t>
-            </a:r>
-            <a:r>
-              <a:rPr lang="en-US" altLang="ko-KR" sz="2600" dirty="0" smtClean="0">
-                <a:latin typeface="Times New Roman" panose="02020603050405020304" pitchFamily="18" charset="0"/>
-                <a:cs typeface="Times New Roman" panose="02020603050405020304" pitchFamily="18" charset="0"/>
-              </a:rPr>
-              <a:t>opportunistic method </a:t>
-            </a:r>
-            <a:r>
-              <a:rPr lang="en-US" altLang="ko-KR" sz="2600" dirty="0">
-                <a:latin typeface="Times New Roman" panose="02020603050405020304" pitchFamily="18" charset="0"/>
-                <a:cs typeface="Times New Roman" panose="02020603050405020304" pitchFamily="18" charset="0"/>
-              </a:rPr>
-              <a:t>for collecting data because we want to increase user coziness. </a:t>
+                <a:latin typeface="Times New Roman" pitchFamily="18" charset="0"/>
+                <a:cs typeface="Times New Roman" pitchFamily="18" charset="0"/>
+              </a:rPr>
+              <a:t>could not expect the human actions and their activities, they will do actions and activities as they want. </a:t>
             </a:r>
             <a:endParaRPr lang="en-US" altLang="ko-KR" sz="2600" dirty="0" smtClean="0">
-              <a:latin typeface="Times New Roman" panose="02020603050405020304" pitchFamily="18" charset="0"/>
-              <a:cs typeface="Times New Roman" panose="02020603050405020304" pitchFamily="18" charset="0"/>
+              <a:latin typeface="Times New Roman" pitchFamily="18" charset="0"/>
+              <a:cs typeface="Times New Roman" pitchFamily="18" charset="0"/>
             </a:endParaRPr>
           </a:p>
           <a:p>
@@ -5719,35 +5413,21 @@
             </a:pPr>
             <a:r>
               <a:rPr lang="en-US" altLang="ko-KR" sz="2600" dirty="0" smtClean="0">
-                <a:latin typeface="Times New Roman" panose="02020603050405020304" pitchFamily="18" charset="0"/>
-                <a:cs typeface="Times New Roman" panose="02020603050405020304" pitchFamily="18" charset="0"/>
-              </a:rPr>
-              <a:t>To analyzing </a:t>
+                <a:latin typeface="Times New Roman" pitchFamily="18" charset="0"/>
+                <a:cs typeface="Times New Roman" pitchFamily="18" charset="0"/>
+              </a:rPr>
+              <a:t>There </a:t>
             </a:r>
             <a:r>
               <a:rPr lang="en-US" altLang="ko-KR" sz="2600" dirty="0">
-                <a:latin typeface="Times New Roman" panose="02020603050405020304" pitchFamily="18" charset="0"/>
-                <a:cs typeface="Times New Roman" panose="02020603050405020304" pitchFamily="18" charset="0"/>
-              </a:rPr>
-              <a:t>the data, we focus on </a:t>
-            </a:r>
-            <a:r>
-              <a:rPr lang="en-US" altLang="ko-KR" sz="2600" dirty="0" smtClean="0">
-                <a:latin typeface="Times New Roman" panose="02020603050405020304" pitchFamily="18" charset="0"/>
-                <a:cs typeface="Times New Roman" panose="02020603050405020304" pitchFamily="18" charset="0"/>
-              </a:rPr>
-              <a:t>unsupervised learning</a:t>
-            </a:r>
-            <a:r>
-              <a:rPr lang="en-US" altLang="ko-KR" sz="2600" dirty="0">
-                <a:latin typeface="Times New Roman" panose="02020603050405020304" pitchFamily="18" charset="0"/>
-                <a:cs typeface="Times New Roman" panose="02020603050405020304" pitchFamily="18" charset="0"/>
-              </a:rPr>
-              <a:t>. </a:t>
+                <a:latin typeface="Times New Roman" pitchFamily="18" charset="0"/>
+                <a:cs typeface="Times New Roman" pitchFamily="18" charset="0"/>
+              </a:rPr>
+              <a:t>is no ideal data collection platform that can record user personal data for every day 24 hour non-stop, it will drain the battery and spend smartphone resources. </a:t>
             </a:r>
             <a:endParaRPr lang="en-US" altLang="ko-KR" sz="2600" dirty="0" smtClean="0">
-              <a:latin typeface="Times New Roman" panose="02020603050405020304" pitchFamily="18" charset="0"/>
-              <a:cs typeface="Times New Roman" panose="02020603050405020304" pitchFamily="18" charset="0"/>
+              <a:latin typeface="Times New Roman" pitchFamily="18" charset="0"/>
+              <a:cs typeface="Times New Roman" pitchFamily="18" charset="0"/>
             </a:endParaRPr>
           </a:p>
           <a:p>
@@ -5757,64 +5437,113 @@
             </a:pPr>
             <a:r>
               <a:rPr lang="en-US" altLang="ko-KR" sz="2600" dirty="0" smtClean="0">
-                <a:latin typeface="Times New Roman" panose="02020603050405020304" pitchFamily="18" charset="0"/>
-                <a:cs typeface="Times New Roman" panose="02020603050405020304" pitchFamily="18" charset="0"/>
-              </a:rPr>
-              <a:t>This framework can be used for many purposes, everyone who need personal user data in their research or their system can use this framework. </a:t>
-            </a:r>
-          </a:p>
-          <a:p>
-            <a:pPr marL="514350" indent="-514350" algn="just" defTabSz="4354513">
-              <a:buFont typeface="+mj-lt"/>
-              <a:buAutoNum type="arabicPeriod"/>
-            </a:pPr>
-            <a:r>
-              <a:rPr lang="en-US" altLang="ko-KR" sz="2600" dirty="0" smtClean="0">
-                <a:latin typeface="Times New Roman" panose="02020603050405020304" pitchFamily="18" charset="0"/>
-                <a:cs typeface="Times New Roman" panose="02020603050405020304" pitchFamily="18" charset="0"/>
-              </a:rPr>
-              <a:t>This framework can be bridge between user and application developer or researchers. </a:t>
-            </a:r>
-          </a:p>
-          <a:p>
-            <a:pPr marL="514350" indent="-514350" algn="just" defTabSz="4354513">
-              <a:buFont typeface="+mj-lt"/>
-              <a:buAutoNum type="arabicPeriod"/>
-            </a:pPr>
-            <a:r>
-              <a:rPr lang="en-US" altLang="ko-KR" sz="2600" dirty="0" smtClean="0">
-                <a:latin typeface="Times New Roman" panose="02020603050405020304" pitchFamily="18" charset="0"/>
-                <a:cs typeface="Times New Roman" panose="02020603050405020304" pitchFamily="18" charset="0"/>
-              </a:rPr>
-              <a:t>This framework consist of three main components: Personal data collector application based on opportunistic sensing method, the result of analyzing and visualizing the data that can be accessed by the users and REST API that can be used by third party for </a:t>
+                <a:latin typeface="Times New Roman" pitchFamily="18" charset="0"/>
+                <a:cs typeface="Times New Roman" pitchFamily="18" charset="0"/>
+              </a:rPr>
+              <a:t>There </a:t>
             </a:r>
             <a:r>
               <a:rPr lang="en-US" altLang="ko-KR" sz="2600" dirty="0">
-                <a:latin typeface="Times New Roman" panose="02020603050405020304" pitchFamily="18" charset="0"/>
-                <a:cs typeface="Times New Roman" panose="02020603050405020304" pitchFamily="18" charset="0"/>
-              </a:rPr>
-              <a:t>research or other authorized application, equipped </a:t>
-            </a:r>
-            <a:r>
-              <a:rPr lang="en-US" altLang="ko-KR" sz="2600" dirty="0" smtClean="0">
-                <a:latin typeface="Times New Roman" panose="02020603050405020304" pitchFamily="18" charset="0"/>
-                <a:cs typeface="Times New Roman" panose="02020603050405020304" pitchFamily="18" charset="0"/>
-              </a:rPr>
-              <a:t>with documentation</a:t>
-            </a:r>
-            <a:r>
-              <a:rPr lang="en-US" altLang="ko-KR" sz="2600" dirty="0">
-                <a:latin typeface="Times New Roman" panose="02020603050405020304" pitchFamily="18" charset="0"/>
-                <a:cs typeface="Times New Roman" panose="02020603050405020304" pitchFamily="18" charset="0"/>
-              </a:rPr>
-              <a:t>.</a:t>
+                <a:latin typeface="Times New Roman" pitchFamily="18" charset="0"/>
+                <a:cs typeface="Times New Roman" pitchFamily="18" charset="0"/>
+              </a:rPr>
+              <a:t>is no ideal data collection that can record all of data without any data loss.</a:t>
             </a:r>
           </a:p>
           <a:p>
             <a:pPr algn="just" defTabSz="4354513"/>
             <a:endParaRPr lang="en-US" altLang="ko-KR" sz="2600" dirty="0">
-              <a:latin typeface="Times New Roman" panose="02020603050405020304" pitchFamily="18" charset="0"/>
-              <a:cs typeface="Times New Roman" panose="02020603050405020304" pitchFamily="18" charset="0"/>
+              <a:latin typeface="Times New Roman" pitchFamily="18" charset="0"/>
+              <a:cs typeface="Times New Roman" pitchFamily="18" charset="0"/>
+            </a:endParaRPr>
+          </a:p>
+          <a:p>
+            <a:pPr algn="just" defTabSz="4354513"/>
+            <a:r>
+              <a:rPr lang="en-US" altLang="ko-KR" sz="2600" dirty="0" smtClean="0">
+                <a:latin typeface="Times New Roman" pitchFamily="18" charset="0"/>
+                <a:cs typeface="Times New Roman" pitchFamily="18" charset="0"/>
+              </a:rPr>
+              <a:t>We have developed a new approach to build human behavior model which can deal with those situations</a:t>
+            </a:r>
+            <a:r>
+              <a:rPr lang="en-US" altLang="ko-KR" sz="2600" dirty="0">
+                <a:latin typeface="Times New Roman" pitchFamily="18" charset="0"/>
+                <a:cs typeface="Times New Roman" pitchFamily="18" charset="0"/>
+              </a:rPr>
+              <a:t>. Our contribution in this work are: </a:t>
+            </a:r>
+            <a:endParaRPr lang="en-US" altLang="ko-KR" sz="2600" dirty="0" smtClean="0">
+              <a:latin typeface="Times New Roman" pitchFamily="18" charset="0"/>
+              <a:cs typeface="Times New Roman" pitchFamily="18" charset="0"/>
+            </a:endParaRPr>
+          </a:p>
+          <a:p>
+            <a:pPr marL="514350" indent="-514350" algn="just" defTabSz="4354513">
+              <a:buAutoNum type="arabicParenBoth"/>
+            </a:pPr>
+            <a:r>
+              <a:rPr lang="en-US" altLang="ko-KR" sz="2600" dirty="0" smtClean="0">
+                <a:latin typeface="Times New Roman" pitchFamily="18" charset="0"/>
+                <a:cs typeface="Times New Roman" pitchFamily="18" charset="0"/>
+              </a:rPr>
+              <a:t>We </a:t>
+            </a:r>
+            <a:r>
+              <a:rPr lang="en-US" altLang="ko-KR" sz="2600" dirty="0">
+                <a:latin typeface="Times New Roman" pitchFamily="18" charset="0"/>
+                <a:cs typeface="Times New Roman" pitchFamily="18" charset="0"/>
+              </a:rPr>
+              <a:t>have developed an application data collector which can collect user personal data and its following opportunistic method. This application does not bothering users, there is nothing to do after user install this application. </a:t>
+            </a:r>
+          </a:p>
+          <a:p>
+            <a:pPr marL="514350" indent="-514350" algn="just" defTabSz="4354513">
+              <a:buAutoNum type="arabicParenBoth"/>
+            </a:pPr>
+            <a:r>
+              <a:rPr lang="en-US" altLang="ko-KR" sz="2600" dirty="0" smtClean="0">
+                <a:latin typeface="Times New Roman" pitchFamily="18" charset="0"/>
+                <a:cs typeface="Times New Roman" pitchFamily="18" charset="0"/>
+              </a:rPr>
+              <a:t>We </a:t>
+            </a:r>
+            <a:r>
+              <a:rPr lang="en-US" altLang="ko-KR" sz="2600" dirty="0">
+                <a:latin typeface="Times New Roman" pitchFamily="18" charset="0"/>
+                <a:cs typeface="Times New Roman" pitchFamily="18" charset="0"/>
+              </a:rPr>
+              <a:t>have developed system that can identify human behavior based on their smartphone personal </a:t>
+            </a:r>
+            <a:r>
+              <a:rPr lang="en-US" altLang="ko-KR" sz="2600" dirty="0" smtClean="0">
+                <a:latin typeface="Times New Roman" pitchFamily="18" charset="0"/>
+                <a:cs typeface="Times New Roman" pitchFamily="18" charset="0"/>
+              </a:rPr>
+              <a:t>data.</a:t>
+            </a:r>
+          </a:p>
+          <a:p>
+            <a:pPr marL="514350" indent="-514350" algn="just" defTabSz="4354513">
+              <a:buAutoNum type="arabicParenBoth"/>
+            </a:pPr>
+            <a:r>
+              <a:rPr lang="en-US" altLang="ko-KR" sz="2600" dirty="0" smtClean="0">
+                <a:latin typeface="Times New Roman" pitchFamily="18" charset="0"/>
+                <a:cs typeface="Times New Roman" pitchFamily="18" charset="0"/>
+              </a:rPr>
+              <a:t>Instead </a:t>
+            </a:r>
+            <a:r>
+              <a:rPr lang="en-US" altLang="ko-KR" sz="2600" dirty="0">
+                <a:latin typeface="Times New Roman" pitchFamily="18" charset="0"/>
+                <a:cs typeface="Times New Roman" pitchFamily="18" charset="0"/>
+              </a:rPr>
+              <a:t>of identifying human behavior we also have developed system which can create human behavior model.</a:t>
+            </a:r>
+            <a:endParaRPr lang="en-US" altLang="ko-KR" sz="2600" dirty="0" smtClean="0">
+              <a:latin typeface="Times New Roman" pitchFamily="18" charset="0"/>
+              <a:cs typeface="Times New Roman" pitchFamily="18" charset="0"/>
             </a:endParaRPr>
           </a:p>
         </p:txBody>
@@ -5829,7 +5558,7 @@
         </p:nvSpPr>
         <p:spPr bwMode="auto">
           <a:xfrm>
-            <a:off x="20680235" y="18227607"/>
+            <a:off x="20315287" y="22113803"/>
             <a:ext cx="6988460" cy="615553"/>
           </a:xfrm>
           <a:prstGeom prst="rect">
@@ -5873,7 +5602,7 @@
                 <a:latin typeface="Times New Roman" pitchFamily="18" charset="0"/>
                 <a:cs typeface="Times New Roman" pitchFamily="18" charset="0"/>
               </a:rPr>
-              <a:t>Table Identification</a:t>
+              <a:t> Result of User Identification</a:t>
             </a:r>
             <a:endParaRPr lang="en-US" altLang="ko-KR" sz="2800" dirty="0">
               <a:latin typeface="Times New Roman" pitchFamily="18" charset="0"/>
@@ -5892,7 +5621,7 @@
         </p:nvSpPr>
         <p:spPr bwMode="auto">
           <a:xfrm>
-            <a:off x="20505439" y="30336123"/>
+            <a:off x="20466163" y="30525421"/>
             <a:ext cx="8983961" cy="615553"/>
           </a:xfrm>
           <a:prstGeom prst="rect">
@@ -5955,7 +5684,7 @@
         </p:nvSpPr>
         <p:spPr bwMode="auto">
           <a:xfrm>
-            <a:off x="20051376" y="29015217"/>
+            <a:off x="19971702" y="29453663"/>
             <a:ext cx="9047550" cy="1670786"/>
           </a:xfrm>
           <a:prstGeom prst="rect">
@@ -6085,8 +5814,8 @@
         </p:nvSpPr>
         <p:spPr>
           <a:xfrm>
-            <a:off x="10194993" y="24420926"/>
-            <a:ext cx="9502292" cy="2492990"/>
+            <a:off x="10170436" y="22785403"/>
+            <a:ext cx="9801266" cy="8556188"/>
           </a:xfrm>
           <a:prstGeom prst="rect">
             <a:avLst/>
@@ -6100,151 +5829,88 @@
           <a:p>
             <a:pPr algn="just"/>
             <a:r>
+              <a:rPr lang="en-US" sz="2500" dirty="0" smtClean="0">
+                <a:latin typeface="Times New Roman" panose="02020603050405020304" pitchFamily="18" charset="0"/>
+                <a:cs typeface="Times New Roman" panose="02020603050405020304" pitchFamily="18" charset="0"/>
+              </a:rPr>
+              <a:t>Our dataset is quite big enough, when </a:t>
+            </a:r>
+            <a:r>
               <a:rPr lang="en-US" sz="2500" dirty="0">
                 <a:latin typeface="Times New Roman" panose="02020603050405020304" pitchFamily="18" charset="0"/>
                 <a:cs typeface="Times New Roman" panose="02020603050405020304" pitchFamily="18" charset="0"/>
               </a:rPr>
-              <a:t>Figure </a:t>
-            </a:r>
+              <a:t>we load all of those data in the same time it will spend computer resource especially RAM because to process data, R environment system load all of data that will be process in RAM. To handle that problem, we have to define what kind of data that we want to use and store those data to another file (temporary file), in this case, we use csv files. We have three kind of preprocessing modules and each module will store new data to csv file. </a:t>
+            </a:r>
+            <a:endParaRPr lang="en-US" sz="2500" dirty="0" smtClean="0">
+              <a:latin typeface="Times New Roman" panose="02020603050405020304" pitchFamily="18" charset="0"/>
+              <a:cs typeface="Times New Roman" panose="02020603050405020304" pitchFamily="18" charset="0"/>
+            </a:endParaRPr>
+          </a:p>
+          <a:p>
+            <a:pPr algn="just"/>
+            <a:endParaRPr lang="en-US" sz="2500" dirty="0" smtClean="0">
+              <a:latin typeface="Times New Roman" panose="02020603050405020304" pitchFamily="18" charset="0"/>
+              <a:cs typeface="Times New Roman" panose="02020603050405020304" pitchFamily="18" charset="0"/>
+            </a:endParaRPr>
+          </a:p>
+          <a:p>
+            <a:pPr algn="just"/>
+            <a:endParaRPr lang="en-US" sz="2500" dirty="0">
+              <a:latin typeface="Times New Roman" panose="02020603050405020304" pitchFamily="18" charset="0"/>
+              <a:cs typeface="Times New Roman" panose="02020603050405020304" pitchFamily="18" charset="0"/>
+            </a:endParaRPr>
+          </a:p>
+          <a:p>
+            <a:pPr algn="just"/>
+            <a:endParaRPr lang="en-US" sz="2500" dirty="0" smtClean="0">
+              <a:latin typeface="Times New Roman" panose="02020603050405020304" pitchFamily="18" charset="0"/>
+              <a:cs typeface="Times New Roman" panose="02020603050405020304" pitchFamily="18" charset="0"/>
+            </a:endParaRPr>
+          </a:p>
+          <a:p>
+            <a:pPr algn="just"/>
+            <a:endParaRPr lang="en-US" sz="2500" dirty="0">
+              <a:latin typeface="Times New Roman" panose="02020603050405020304" pitchFamily="18" charset="0"/>
+              <a:cs typeface="Times New Roman" panose="02020603050405020304" pitchFamily="18" charset="0"/>
+            </a:endParaRPr>
+          </a:p>
+          <a:p>
+            <a:pPr algn="just"/>
+            <a:endParaRPr lang="en-US" sz="2500" dirty="0" smtClean="0">
+              <a:latin typeface="Times New Roman" panose="02020603050405020304" pitchFamily="18" charset="0"/>
+              <a:cs typeface="Times New Roman" panose="02020603050405020304" pitchFamily="18" charset="0"/>
+            </a:endParaRPr>
+          </a:p>
+          <a:p>
+            <a:pPr algn="just"/>
+            <a:endParaRPr lang="en-US" sz="2500" dirty="0">
+              <a:latin typeface="Times New Roman" panose="02020603050405020304" pitchFamily="18" charset="0"/>
+              <a:cs typeface="Times New Roman" panose="02020603050405020304" pitchFamily="18" charset="0"/>
+            </a:endParaRPr>
+          </a:p>
+          <a:p>
+            <a:pPr algn="just"/>
             <a:r>
               <a:rPr lang="en-US" sz="2500" dirty="0" smtClean="0">
                 <a:latin typeface="Times New Roman" panose="02020603050405020304" pitchFamily="18" charset="0"/>
                 <a:cs typeface="Times New Roman" panose="02020603050405020304" pitchFamily="18" charset="0"/>
               </a:rPr>
-              <a:t>A shows how </a:t>
+              <a:t>Figure 2 </a:t>
             </a:r>
             <a:r>
               <a:rPr lang="en-US" sz="2500" dirty="0">
                 <a:latin typeface="Times New Roman" panose="02020603050405020304" pitchFamily="18" charset="0"/>
                 <a:cs typeface="Times New Roman" panose="02020603050405020304" pitchFamily="18" charset="0"/>
               </a:rPr>
-              <a:t>the framework works. First, user have to register to </a:t>
+              <a:t>shows preprocessing process and dataset transformation from preprocessing I until behavior modeling module. Preprocessing I will load all of raw data, removing duplication data, cleansing data, and select the most important data that have been defined. Preprocessing I will store the result data to the CSV I database. Preprocessing II will load the CSV I data not the raw data, in this process features extraction applied. The result of Preprocessing II stored in CSV II. Preprocessing III load the CSV II data and transform the data to the fit format before creating behavior model applied. This ways will reduce time processing and computer resource’s usage</a:t>
             </a:r>
             <a:r>
               <a:rPr lang="en-US" sz="2500" dirty="0" smtClean="0">
                 <a:latin typeface="Times New Roman" panose="02020603050405020304" pitchFamily="18" charset="0"/>
                 <a:cs typeface="Times New Roman" panose="02020603050405020304" pitchFamily="18" charset="0"/>
               </a:rPr>
-              <a:t>the web </a:t>
-            </a:r>
-            <a:r>
-              <a:rPr lang="en-US" sz="2500" dirty="0">
-                <a:latin typeface="Times New Roman" panose="02020603050405020304" pitchFamily="18" charset="0"/>
-                <a:cs typeface="Times New Roman" panose="02020603050405020304" pitchFamily="18" charset="0"/>
-              </a:rPr>
-              <a:t>portal. The web portal provide the information </a:t>
-            </a:r>
-            <a:r>
-              <a:rPr lang="en-US" sz="2500" dirty="0" smtClean="0">
-                <a:latin typeface="Times New Roman" panose="02020603050405020304" pitchFamily="18" charset="0"/>
-                <a:cs typeface="Times New Roman" panose="02020603050405020304" pitchFamily="18" charset="0"/>
-              </a:rPr>
-              <a:t>about how to </a:t>
-            </a:r>
-            <a:r>
-              <a:rPr lang="en-US" sz="2500" dirty="0">
-                <a:latin typeface="Times New Roman" panose="02020603050405020304" pitchFamily="18" charset="0"/>
-                <a:cs typeface="Times New Roman" panose="02020603050405020304" pitchFamily="18" charset="0"/>
-              </a:rPr>
-              <a:t>use the portal and the link to the </a:t>
-            </a:r>
-            <a:r>
-              <a:rPr lang="en-US" sz="2500" b="1" i="1" dirty="0" err="1">
-                <a:latin typeface="Times New Roman" panose="02020603050405020304" pitchFamily="18" charset="0"/>
-                <a:cs typeface="Times New Roman" panose="02020603050405020304" pitchFamily="18" charset="0"/>
-              </a:rPr>
-              <a:t>senseF</a:t>
-            </a:r>
-            <a:r>
-              <a:rPr lang="en-US" sz="2500" dirty="0">
-                <a:latin typeface="Times New Roman" panose="02020603050405020304" pitchFamily="18" charset="0"/>
-                <a:cs typeface="Times New Roman" panose="02020603050405020304" pitchFamily="18" charset="0"/>
-              </a:rPr>
-              <a:t> </a:t>
-            </a:r>
-            <a:r>
-              <a:rPr lang="en-US" sz="2500" dirty="0" smtClean="0">
-                <a:latin typeface="Times New Roman" panose="02020603050405020304" pitchFamily="18" charset="0"/>
-                <a:cs typeface="Times New Roman" panose="02020603050405020304" pitchFamily="18" charset="0"/>
-              </a:rPr>
-              <a:t>application. </a:t>
-            </a:r>
-            <a:r>
-              <a:rPr lang="en-US" sz="2500" b="1" i="1" dirty="0" err="1" smtClean="0">
-                <a:latin typeface="Times New Roman" panose="02020603050405020304" pitchFamily="18" charset="0"/>
-                <a:cs typeface="Times New Roman" panose="02020603050405020304" pitchFamily="18" charset="0"/>
-              </a:rPr>
-              <a:t>senseF</a:t>
-            </a:r>
-            <a:r>
-              <a:rPr lang="en-US" sz="2500" dirty="0" smtClean="0">
-                <a:latin typeface="Times New Roman" panose="02020603050405020304" pitchFamily="18" charset="0"/>
-                <a:cs typeface="Times New Roman" panose="02020603050405020304" pitchFamily="18" charset="0"/>
-              </a:rPr>
-              <a:t> application is    develop </a:t>
-            </a:r>
-            <a:r>
-              <a:rPr lang="en-US" sz="2500" dirty="0">
-                <a:latin typeface="Times New Roman" panose="02020603050405020304" pitchFamily="18" charset="0"/>
-                <a:cs typeface="Times New Roman" panose="02020603050405020304" pitchFamily="18" charset="0"/>
-              </a:rPr>
-              <a:t>based on opportunistic </a:t>
-            </a:r>
-            <a:r>
-              <a:rPr lang="en-US" sz="2500" dirty="0" smtClean="0">
-                <a:latin typeface="Times New Roman" panose="02020603050405020304" pitchFamily="18" charset="0"/>
-                <a:cs typeface="Times New Roman" panose="02020603050405020304" pitchFamily="18" charset="0"/>
-              </a:rPr>
-              <a:t>sensing method</a:t>
-            </a:r>
-            <a:r>
-              <a:rPr lang="en-US" sz="2500" dirty="0">
-                <a:latin typeface="Times New Roman" panose="02020603050405020304" pitchFamily="18" charset="0"/>
-                <a:cs typeface="Times New Roman" panose="02020603050405020304" pitchFamily="18" charset="0"/>
-              </a:rPr>
-              <a:t>. So after it installed by </a:t>
-            </a:r>
-            <a:r>
-              <a:rPr lang="en-US" sz="2500" dirty="0" smtClean="0">
-                <a:latin typeface="Times New Roman" panose="02020603050405020304" pitchFamily="18" charset="0"/>
-                <a:cs typeface="Times New Roman" panose="02020603050405020304" pitchFamily="18" charset="0"/>
-              </a:rPr>
-              <a:t>  the </a:t>
-            </a:r>
-            <a:r>
-              <a:rPr lang="en-US" sz="2500" dirty="0">
-                <a:latin typeface="Times New Roman" panose="02020603050405020304" pitchFamily="18" charset="0"/>
-                <a:cs typeface="Times New Roman" panose="02020603050405020304" pitchFamily="18" charset="0"/>
-              </a:rPr>
-              <a:t>user, the </a:t>
-            </a:r>
-            <a:r>
-              <a:rPr lang="en-US" sz="2500" dirty="0" smtClean="0">
-                <a:latin typeface="Times New Roman" panose="02020603050405020304" pitchFamily="18" charset="0"/>
-                <a:cs typeface="Times New Roman" panose="02020603050405020304" pitchFamily="18" charset="0"/>
-              </a:rPr>
-              <a:t>application will </a:t>
-            </a:r>
-            <a:r>
-              <a:rPr lang="en-US" sz="2500" dirty="0">
-                <a:latin typeface="Times New Roman" panose="02020603050405020304" pitchFamily="18" charset="0"/>
-                <a:cs typeface="Times New Roman" panose="02020603050405020304" pitchFamily="18" charset="0"/>
-              </a:rPr>
-              <a:t>collect the data automatically without </a:t>
-            </a:r>
-            <a:r>
-              <a:rPr lang="en-US" sz="2500" dirty="0" smtClean="0">
-                <a:latin typeface="Times New Roman" panose="02020603050405020304" pitchFamily="18" charset="0"/>
-                <a:cs typeface="Times New Roman" panose="02020603050405020304" pitchFamily="18" charset="0"/>
-              </a:rPr>
-              <a:t>         intervention from the </a:t>
-            </a:r>
-            <a:r>
-              <a:rPr lang="en-US" sz="2500" dirty="0">
-                <a:latin typeface="Times New Roman" panose="02020603050405020304" pitchFamily="18" charset="0"/>
-                <a:cs typeface="Times New Roman" panose="02020603050405020304" pitchFamily="18" charset="0"/>
-              </a:rPr>
-              <a:t>user. </a:t>
+              <a:t>.</a:t>
             </a:r>
           </a:p>
         </p:txBody>
@@ -6328,14 +5994,14 @@
         <p:spPr>
           <a:xfrm>
             <a:off x="10158232" y="18887655"/>
-            <a:ext cx="9648777" cy="4893647"/>
+            <a:ext cx="9908394" cy="2785378"/>
           </a:xfrm>
           <a:prstGeom prst="rect">
             <a:avLst/>
           </a:prstGeom>
         </p:spPr>
         <p:txBody>
-          <a:bodyPr wrap="square">
+          <a:bodyPr wrap="square" numCol="1">
             <a:spAutoFit/>
           </a:bodyPr>
           <a:lstStyle/>
@@ -6353,301 +6019,42 @@
                 <a:latin typeface="Times New Roman" panose="02020603050405020304" pitchFamily="18" charset="0"/>
                 <a:cs typeface="Times New Roman" panose="02020603050405020304" pitchFamily="18" charset="0"/>
               </a:rPr>
-              <a:t>from scratch</a:t>
-            </a:r>
-            <a:r>
-              <a:rPr lang="en-US" sz="2500" dirty="0">
-                <a:latin typeface="Times New Roman" panose="02020603050405020304" pitchFamily="18" charset="0"/>
-                <a:cs typeface="Times New Roman" panose="02020603050405020304" pitchFamily="18" charset="0"/>
-              </a:rPr>
-              <a:t>. </a:t>
+              <a:t>from </a:t>
             </a:r>
             <a:r>
               <a:rPr lang="en-US" sz="2500" dirty="0" smtClean="0">
                 <a:latin typeface="Times New Roman" panose="02020603050405020304" pitchFamily="18" charset="0"/>
                 <a:cs typeface="Times New Roman" panose="02020603050405020304" pitchFamily="18" charset="0"/>
               </a:rPr>
-              <a:t>We use </a:t>
-            </a:r>
-            <a:r>
-              <a:rPr lang="en-US" sz="2500" b="1" dirty="0" err="1">
-                <a:latin typeface="Times New Roman" panose="02020603050405020304" pitchFamily="18" charset="0"/>
-                <a:cs typeface="Times New Roman" panose="02020603050405020304" pitchFamily="18" charset="0"/>
-              </a:rPr>
-              <a:t>Funf</a:t>
-            </a:r>
-            <a:r>
-              <a:rPr lang="en-US" sz="2500" dirty="0">
-                <a:latin typeface="Times New Roman" panose="02020603050405020304" pitchFamily="18" charset="0"/>
-                <a:cs typeface="Times New Roman" panose="02020603050405020304" pitchFamily="18" charset="0"/>
-              </a:rPr>
-              <a:t> </a:t>
+              <a:t>scratch, we </a:t>
             </a:r>
             <a:r>
               <a:rPr lang="en-US" sz="2500" dirty="0" smtClean="0">
                 <a:latin typeface="Times New Roman" panose="02020603050405020304" pitchFamily="18" charset="0"/>
                 <a:cs typeface="Times New Roman" panose="02020603050405020304" pitchFamily="18" charset="0"/>
               </a:rPr>
-              <a:t>library and </a:t>
-            </a:r>
-            <a:r>
-              <a:rPr lang="en-US" sz="2500" dirty="0">
+              <a:t>use </a:t>
+            </a:r>
+            <a:r>
+              <a:rPr lang="en-US" sz="2500" b="1" i="1" dirty="0" err="1" smtClean="0">
                 <a:latin typeface="Times New Roman" panose="02020603050405020304" pitchFamily="18" charset="0"/>
                 <a:cs typeface="Times New Roman" panose="02020603050405020304" pitchFamily="18" charset="0"/>
               </a:rPr>
-              <a:t>we named the </a:t>
+              <a:t>Funf</a:t>
+            </a:r>
+            <a:r>
+              <a:rPr lang="en-US" sz="2500" i="1" dirty="0" smtClean="0">
+                <a:latin typeface="Times New Roman" panose="02020603050405020304" pitchFamily="18" charset="0"/>
+                <a:cs typeface="Times New Roman" panose="02020603050405020304" pitchFamily="18" charset="0"/>
+              </a:rPr>
+              <a:t> library</a:t>
             </a:r>
             <a:r>
               <a:rPr lang="en-US" sz="2500" dirty="0" smtClean="0">
                 <a:latin typeface="Times New Roman" panose="02020603050405020304" pitchFamily="18" charset="0"/>
                 <a:cs typeface="Times New Roman" panose="02020603050405020304" pitchFamily="18" charset="0"/>
               </a:rPr>
-              <a:t>application as </a:t>
-            </a:r>
-            <a:r>
-              <a:rPr lang="en-US" sz="2500" b="1" i="1" dirty="0" err="1">
-                <a:latin typeface="Times New Roman" panose="02020603050405020304" pitchFamily="18" charset="0"/>
-                <a:cs typeface="Times New Roman" panose="02020603050405020304" pitchFamily="18" charset="0"/>
-              </a:rPr>
-              <a:t>senseF</a:t>
-            </a:r>
-            <a:r>
-              <a:rPr lang="en-US" sz="2500" dirty="0">
-                <a:latin typeface="Times New Roman" panose="02020603050405020304" pitchFamily="18" charset="0"/>
-                <a:cs typeface="Times New Roman" panose="02020603050405020304" pitchFamily="18" charset="0"/>
-              </a:rPr>
-              <a:t>. </a:t>
-            </a:r>
-            <a:r>
-              <a:rPr lang="en-US" sz="2500" dirty="0" smtClean="0">
-                <a:latin typeface="Times New Roman" panose="02020603050405020304" pitchFamily="18" charset="0"/>
-                <a:cs typeface="Times New Roman" panose="02020603050405020304" pitchFamily="18" charset="0"/>
-              </a:rPr>
-              <a:t>The size of the data </a:t>
-            </a:r>
-            <a:r>
-              <a:rPr lang="en-US" sz="2500" dirty="0">
-                <a:latin typeface="Times New Roman" panose="02020603050405020304" pitchFamily="18" charset="0"/>
-                <a:cs typeface="Times New Roman" panose="02020603050405020304" pitchFamily="18" charset="0"/>
-              </a:rPr>
-              <a:t>that we can collect is influenced by the </a:t>
-            </a:r>
-            <a:r>
-              <a:rPr lang="en-US" sz="2500" dirty="0" smtClean="0">
-                <a:latin typeface="Times New Roman" panose="02020603050405020304" pitchFamily="18" charset="0"/>
-                <a:cs typeface="Times New Roman" panose="02020603050405020304" pitchFamily="18" charset="0"/>
-              </a:rPr>
-              <a:t>activity of </a:t>
-            </a:r>
-            <a:r>
-              <a:rPr lang="en-US" sz="2500" dirty="0">
-                <a:latin typeface="Times New Roman" panose="02020603050405020304" pitchFamily="18" charset="0"/>
-                <a:cs typeface="Times New Roman" panose="02020603050405020304" pitchFamily="18" charset="0"/>
-              </a:rPr>
-              <a:t>the </a:t>
-            </a:r>
-            <a:r>
-              <a:rPr lang="en-US" sz="2500" dirty="0" smtClean="0">
-                <a:latin typeface="Times New Roman" panose="02020603050405020304" pitchFamily="18" charset="0"/>
-                <a:cs typeface="Times New Roman" panose="02020603050405020304" pitchFamily="18" charset="0"/>
-              </a:rPr>
-              <a:t>users. Based </a:t>
-            </a:r>
-            <a:r>
-              <a:rPr lang="en-US" sz="2500" dirty="0">
-                <a:latin typeface="Times New Roman" panose="02020603050405020304" pitchFamily="18" charset="0"/>
-                <a:cs typeface="Times New Roman" panose="02020603050405020304" pitchFamily="18" charset="0"/>
-              </a:rPr>
-              <a:t>on </a:t>
-            </a:r>
-            <a:r>
-              <a:rPr lang="en-US" sz="2500" dirty="0" smtClean="0">
-                <a:latin typeface="Times New Roman" panose="02020603050405020304" pitchFamily="18" charset="0"/>
-                <a:cs typeface="Times New Roman" panose="02020603050405020304" pitchFamily="18" charset="0"/>
-              </a:rPr>
-              <a:t>our experiment users </a:t>
-            </a:r>
-            <a:r>
-              <a:rPr lang="en-US" sz="2500" dirty="0">
-                <a:latin typeface="Times New Roman" panose="02020603050405020304" pitchFamily="18" charset="0"/>
-                <a:cs typeface="Times New Roman" panose="02020603050405020304" pitchFamily="18" charset="0"/>
-              </a:rPr>
-              <a:t>with </a:t>
-            </a:r>
-            <a:r>
-              <a:rPr lang="en-US" sz="2500" dirty="0" smtClean="0">
-                <a:latin typeface="Times New Roman" panose="02020603050405020304" pitchFamily="18" charset="0"/>
-                <a:cs typeface="Times New Roman" panose="02020603050405020304" pitchFamily="18" charset="0"/>
-              </a:rPr>
-              <a:t>high activity </a:t>
-            </a:r>
-            <a:r>
-              <a:rPr lang="en-US" sz="2500" dirty="0">
-                <a:latin typeface="Times New Roman" panose="02020603050405020304" pitchFamily="18" charset="0"/>
-                <a:cs typeface="Times New Roman" panose="02020603050405020304" pitchFamily="18" charset="0"/>
-              </a:rPr>
-              <a:t>can </a:t>
-            </a:r>
-            <a:r>
-              <a:rPr lang="en-US" sz="2500" dirty="0" smtClean="0">
-                <a:latin typeface="Times New Roman" panose="02020603050405020304" pitchFamily="18" charset="0"/>
-                <a:cs typeface="Times New Roman" panose="02020603050405020304" pitchFamily="18" charset="0"/>
-              </a:rPr>
-              <a:t>result bigger </a:t>
-            </a:r>
-            <a:r>
-              <a:rPr lang="en-US" sz="2500" dirty="0">
-                <a:latin typeface="Times New Roman" panose="02020603050405020304" pitchFamily="18" charset="0"/>
-                <a:cs typeface="Times New Roman" panose="02020603050405020304" pitchFamily="18" charset="0"/>
-              </a:rPr>
-              <a:t>size data around </a:t>
-            </a:r>
-            <a:r>
-              <a:rPr lang="en-US" sz="2500" dirty="0" smtClean="0">
-                <a:latin typeface="Times New Roman" panose="02020603050405020304" pitchFamily="18" charset="0"/>
-                <a:cs typeface="Times New Roman" panose="02020603050405020304" pitchFamily="18" charset="0"/>
-              </a:rPr>
-              <a:t>     1GB </a:t>
-            </a:r>
-            <a:r>
-              <a:rPr lang="en-US" sz="2500" dirty="0">
-                <a:latin typeface="Times New Roman" panose="02020603050405020304" pitchFamily="18" charset="0"/>
-                <a:cs typeface="Times New Roman" panose="02020603050405020304" pitchFamily="18" charset="0"/>
-              </a:rPr>
-              <a:t>each </a:t>
-            </a:r>
-            <a:r>
-              <a:rPr lang="en-US" sz="2500" dirty="0" smtClean="0">
-                <a:latin typeface="Times New Roman" panose="02020603050405020304" pitchFamily="18" charset="0"/>
-                <a:cs typeface="Times New Roman" panose="02020603050405020304" pitchFamily="18" charset="0"/>
-              </a:rPr>
-              <a:t>month and </a:t>
-            </a:r>
-            <a:r>
-              <a:rPr lang="en-US" sz="2500" dirty="0">
-                <a:latin typeface="Times New Roman" panose="02020603050405020304" pitchFamily="18" charset="0"/>
-                <a:cs typeface="Times New Roman" panose="02020603050405020304" pitchFamily="18" charset="0"/>
-              </a:rPr>
-              <a:t>vice versa, the </a:t>
-            </a:r>
-            <a:r>
-              <a:rPr lang="en-US" sz="2500" dirty="0" smtClean="0">
-                <a:latin typeface="Times New Roman" panose="02020603050405020304" pitchFamily="18" charset="0"/>
-                <a:cs typeface="Times New Roman" panose="02020603050405020304" pitchFamily="18" charset="0"/>
-              </a:rPr>
-              <a:t>users with </a:t>
-            </a:r>
-            <a:r>
-              <a:rPr lang="en-US" sz="2500" dirty="0">
-                <a:latin typeface="Times New Roman" panose="02020603050405020304" pitchFamily="18" charset="0"/>
-                <a:cs typeface="Times New Roman" panose="02020603050405020304" pitchFamily="18" charset="0"/>
-              </a:rPr>
-              <a:t>less </a:t>
-            </a:r>
-            <a:r>
-              <a:rPr lang="en-US" sz="2500" dirty="0" smtClean="0">
-                <a:latin typeface="Times New Roman" panose="02020603050405020304" pitchFamily="18" charset="0"/>
-                <a:cs typeface="Times New Roman" panose="02020603050405020304" pitchFamily="18" charset="0"/>
-              </a:rPr>
-              <a:t>activity </a:t>
-            </a:r>
-            <a:r>
-              <a:rPr lang="en-US" sz="2500" dirty="0">
-                <a:latin typeface="Times New Roman" panose="02020603050405020304" pitchFamily="18" charset="0"/>
-                <a:cs typeface="Times New Roman" panose="02020603050405020304" pitchFamily="18" charset="0"/>
-              </a:rPr>
-              <a:t>will </a:t>
-            </a:r>
-            <a:r>
-              <a:rPr lang="en-US" sz="2500" dirty="0" smtClean="0">
-                <a:latin typeface="Times New Roman" panose="02020603050405020304" pitchFamily="18" charset="0"/>
-                <a:cs typeface="Times New Roman" panose="02020603050405020304" pitchFamily="18" charset="0"/>
-              </a:rPr>
-              <a:t>result      smaller size </a:t>
-            </a:r>
-            <a:r>
-              <a:rPr lang="en-US" sz="2500" dirty="0">
-                <a:latin typeface="Times New Roman" panose="02020603050405020304" pitchFamily="18" charset="0"/>
-                <a:cs typeface="Times New Roman" panose="02020603050405020304" pitchFamily="18" charset="0"/>
-              </a:rPr>
-              <a:t>data. </a:t>
-            </a:r>
-            <a:r>
-              <a:rPr lang="en-US" sz="2500" dirty="0" smtClean="0">
-                <a:latin typeface="Times New Roman" panose="02020603050405020304" pitchFamily="18" charset="0"/>
-                <a:cs typeface="Times New Roman" panose="02020603050405020304" pitchFamily="18" charset="0"/>
-              </a:rPr>
-              <a:t>To protect user privacy, we </a:t>
-            </a:r>
-            <a:r>
-              <a:rPr lang="en-US" sz="2500" dirty="0">
-                <a:latin typeface="Times New Roman" panose="02020603050405020304" pitchFamily="18" charset="0"/>
-                <a:cs typeface="Times New Roman" panose="02020603050405020304" pitchFamily="18" charset="0"/>
-              </a:rPr>
-              <a:t>use encryption </a:t>
-            </a:r>
-            <a:r>
-              <a:rPr lang="en-US" sz="2500" dirty="0" smtClean="0">
-                <a:latin typeface="Times New Roman" panose="02020603050405020304" pitchFamily="18" charset="0"/>
-                <a:cs typeface="Times New Roman" panose="02020603050405020304" pitchFamily="18" charset="0"/>
-              </a:rPr>
-              <a:t>method         (</a:t>
-            </a:r>
-            <a:r>
-              <a:rPr lang="en-US" sz="2500" dirty="0">
-                <a:latin typeface="Times New Roman" panose="02020603050405020304" pitchFamily="18" charset="0"/>
-                <a:cs typeface="Times New Roman" panose="02020603050405020304" pitchFamily="18" charset="0"/>
-              </a:rPr>
-              <a:t>hash) </a:t>
-            </a:r>
-            <a:r>
-              <a:rPr lang="en-US" sz="2500" dirty="0" smtClean="0">
-                <a:latin typeface="Times New Roman" panose="02020603050405020304" pitchFamily="18" charset="0"/>
-                <a:cs typeface="Times New Roman" panose="02020603050405020304" pitchFamily="18" charset="0"/>
-              </a:rPr>
-              <a:t> to sensitive data such </a:t>
-            </a:r>
-            <a:r>
-              <a:rPr lang="en-US" sz="2500" dirty="0">
-                <a:latin typeface="Times New Roman" panose="02020603050405020304" pitchFamily="18" charset="0"/>
-                <a:cs typeface="Times New Roman" panose="02020603050405020304" pitchFamily="18" charset="0"/>
-              </a:rPr>
-              <a:t>as phone number </a:t>
-            </a:r>
-            <a:r>
-              <a:rPr lang="en-US" sz="2500" dirty="0" smtClean="0">
-                <a:latin typeface="Times New Roman" panose="02020603050405020304" pitchFamily="18" charset="0"/>
-                <a:cs typeface="Times New Roman" panose="02020603050405020304" pitchFamily="18" charset="0"/>
-              </a:rPr>
-              <a:t>in contact, text </a:t>
-            </a:r>
-            <a:r>
-              <a:rPr lang="en-US" sz="2500" dirty="0">
-                <a:latin typeface="Times New Roman" panose="02020603050405020304" pitchFamily="18" charset="0"/>
-                <a:cs typeface="Times New Roman" panose="02020603050405020304" pitchFamily="18" charset="0"/>
-              </a:rPr>
-              <a:t>message </a:t>
-            </a:r>
-            <a:r>
-              <a:rPr lang="en-US" sz="2500" dirty="0" smtClean="0">
-                <a:latin typeface="Times New Roman" panose="02020603050405020304" pitchFamily="18" charset="0"/>
-                <a:cs typeface="Times New Roman" panose="02020603050405020304" pitchFamily="18" charset="0"/>
-              </a:rPr>
-              <a:t>    log, phone call </a:t>
-            </a:r>
-            <a:r>
-              <a:rPr lang="en-US" sz="2500" dirty="0">
-                <a:latin typeface="Times New Roman" panose="02020603050405020304" pitchFamily="18" charset="0"/>
-                <a:cs typeface="Times New Roman" panose="02020603050405020304" pitchFamily="18" charset="0"/>
-              </a:rPr>
-              <a:t>log, and etc</a:t>
-            </a:r>
-            <a:r>
-              <a:rPr lang="en-US" sz="2500" dirty="0" smtClean="0">
-                <a:latin typeface="Times New Roman" panose="02020603050405020304" pitchFamily="18" charset="0"/>
-                <a:cs typeface="Times New Roman" panose="02020603050405020304" pitchFamily="18" charset="0"/>
-              </a:rPr>
-              <a:t>. The list of data that we collect are: GPS,      Wi-Fi, Bluetooth, Battery, Call, SMS, and Contact log, Application           installed and running, Hardware Info, Browser Bookmark and Search log, Activity log, Screen status, Sensors (Accelerometer, Magnetic Field,       Temperature, Proximity, Light, Pressure)</a:t>
+              <a:t>. This application is following opportunistic sensing, means it does not need user intervention. User only install this application and everything is done, this application will automatically collected all of their sensor data. This application collected 19 types of sensor data, but in this research, we only use nine sensors data are activity, GPS, Nearby Bluetooth, Nearby Wi-Fi, call, SMS, Battery, Current Run Apps, Phone Screen. </a:t>
             </a:r>
             <a:endParaRPr lang="en-US" sz="2500" dirty="0">
               <a:latin typeface="Times New Roman" panose="02020603050405020304" pitchFamily="18" charset="0"/>
@@ -6786,8 +6193,8 @@
         </p:blipFill>
         <p:spPr>
           <a:xfrm>
-            <a:off x="17233158" y="10360877"/>
-            <a:ext cx="10671910" cy="6258218"/>
+            <a:off x="10194993" y="10557875"/>
+            <a:ext cx="10055998" cy="5897035"/>
           </a:xfrm>
           <a:prstGeom prst="rect">
             <a:avLst/>
@@ -6816,7 +6223,7 @@
         </p:blipFill>
         <p:spPr>
           <a:xfrm>
-            <a:off x="17388368" y="8321575"/>
+            <a:off x="10059318" y="8297746"/>
             <a:ext cx="10077450" cy="2219325"/>
           </a:xfrm>
           <a:prstGeom prst="rect">
@@ -6846,7 +6253,7 @@
         </p:blipFill>
         <p:spPr>
           <a:xfrm>
-            <a:off x="20538139" y="19105635"/>
+            <a:off x="20386266" y="22778524"/>
             <a:ext cx="8786830" cy="4784204"/>
           </a:xfrm>
           <a:prstGeom prst="rect">
@@ -6876,7 +6283,7 @@
         </p:blipFill>
         <p:spPr>
           <a:xfrm>
-            <a:off x="20520181" y="31147084"/>
+            <a:off x="20465958" y="31222785"/>
             <a:ext cx="9040759" cy="5037414"/>
           </a:xfrm>
           <a:prstGeom prst="rect">
@@ -6886,7 +6293,7 @@
       </p:pic>
       <p:pic>
         <p:nvPicPr>
-          <p:cNvPr id="18" name="Picture 17"/>
+          <p:cNvPr id="21" name="Picture 20"/>
           <p:cNvPicPr>
             <a:picLocks noChangeAspect="1"/>
           </p:cNvPicPr>
@@ -6906,38 +6313,8 @@
         </p:blipFill>
         <p:spPr>
           <a:xfrm>
-            <a:off x="10258845" y="8409764"/>
-            <a:ext cx="6373213" cy="8264166"/>
-          </a:xfrm>
-          <a:prstGeom prst="rect">
-            <a:avLst/>
-          </a:prstGeom>
-        </p:spPr>
-      </p:pic>
-      <p:pic>
-        <p:nvPicPr>
-          <p:cNvPr id="21" name="Picture 20"/>
-          <p:cNvPicPr>
-            <a:picLocks noChangeAspect="1"/>
-          </p:cNvPicPr>
-          <p:nvPr/>
-        </p:nvPicPr>
-        <p:blipFill>
-          <a:blip r:embed="rId9">
-            <a:extLst>
-              <a:ext uri="{28A0092B-C50C-407E-A947-70E740481C1C}">
-                <a14:useLocalDpi xmlns:a14="http://schemas.microsoft.com/office/drawing/2010/main" val="0"/>
-              </a:ext>
-            </a:extLst>
-          </a:blip>
-          <a:stretch>
-            <a:fillRect/>
-          </a:stretch>
-        </p:blipFill>
-        <p:spPr>
-          <a:xfrm>
-            <a:off x="20431384" y="35657408"/>
-            <a:ext cx="9040758" cy="5397994"/>
+            <a:off x="20450708" y="35596605"/>
+            <a:ext cx="8913794" cy="5322187"/>
           </a:xfrm>
           <a:prstGeom prst="rect">
             <a:avLst/>
@@ -6954,7 +6331,7 @@
         </p:nvSpPr>
         <p:spPr bwMode="auto">
           <a:xfrm>
-            <a:off x="10238391" y="23734998"/>
+            <a:off x="10208179" y="22028345"/>
             <a:ext cx="3193068" cy="615553"/>
           </a:xfrm>
           <a:prstGeom prst="rect">
@@ -7158,6 +6535,1659 @@
             <a:endParaRPr lang="en-US" altLang="ko-KR" sz="3200" b="1" dirty="0">
               <a:latin typeface="Times New Roman" pitchFamily="18" charset="0"/>
               <a:cs typeface="Times New Roman" pitchFamily="18" charset="0"/>
+            </a:endParaRPr>
+          </a:p>
+        </p:txBody>
+      </p:sp>
+      <p:sp>
+        <p:nvSpPr>
+          <p:cNvPr id="23" name="TextBox 22"/>
+          <p:cNvSpPr txBox="1"/>
+          <p:nvPr/>
+        </p:nvSpPr>
+        <p:spPr>
+          <a:xfrm>
+            <a:off x="20347155" y="9934784"/>
+            <a:ext cx="8971981" cy="6247864"/>
+          </a:xfrm>
+          <a:prstGeom prst="rect">
+            <a:avLst/>
+          </a:prstGeom>
+          <a:noFill/>
+          <a:ln>
+            <a:solidFill>
+              <a:schemeClr val="accent2">
+                <a:lumMod val="75000"/>
+              </a:schemeClr>
+            </a:solidFill>
+          </a:ln>
+        </p:spPr>
+        <p:txBody>
+          <a:bodyPr wrap="square" rtlCol="0">
+            <a:spAutoFit/>
+          </a:bodyPr>
+          <a:lstStyle/>
+          <a:p>
+            <a:pPr marL="0" indent="0">
+              <a:buNone/>
+            </a:pPr>
+            <a:r>
+              <a:rPr lang="en-US" sz="2500" b="1" dirty="0">
+                <a:latin typeface="Courier New" panose="02070309020205020404" pitchFamily="49" charset="0"/>
+                <a:cs typeface="Courier New" panose="02070309020205020404" pitchFamily="49" charset="0"/>
+              </a:rPr>
+              <a:t>Data</a:t>
+            </a:r>
+            <a:r>
+              <a:rPr lang="en-US" sz="2500" dirty="0">
+                <a:latin typeface="Courier New" panose="02070309020205020404" pitchFamily="49" charset="0"/>
+                <a:cs typeface="Courier New" panose="02070309020205020404" pitchFamily="49" charset="0"/>
+              </a:rPr>
+              <a:t> : D, w</a:t>
+            </a:r>
+          </a:p>
+          <a:p>
+            <a:pPr marL="0" indent="0">
+              <a:buNone/>
+            </a:pPr>
+            <a:r>
+              <a:rPr lang="en-US" sz="2500" b="1" dirty="0">
+                <a:latin typeface="Courier New" panose="02070309020205020404" pitchFamily="49" charset="0"/>
+                <a:cs typeface="Courier New" panose="02070309020205020404" pitchFamily="49" charset="0"/>
+              </a:rPr>
+              <a:t>Result</a:t>
+            </a:r>
+            <a:r>
+              <a:rPr lang="en-US" sz="2500" dirty="0">
+                <a:latin typeface="Courier New" panose="02070309020205020404" pitchFamily="49" charset="0"/>
+                <a:cs typeface="Courier New" panose="02070309020205020404" pitchFamily="49" charset="0"/>
+              </a:rPr>
+              <a:t> : All Detected Group in a Window</a:t>
+            </a:r>
+          </a:p>
+          <a:p>
+            <a:pPr marL="0" indent="0">
+              <a:buNone/>
+            </a:pPr>
+            <a:r>
+              <a:rPr lang="en-US" sz="2500" i="1" dirty="0" err="1">
+                <a:latin typeface="Courier New" panose="02070309020205020404" pitchFamily="49" charset="0"/>
+                <a:cs typeface="Courier New" panose="02070309020205020404" pitchFamily="49" charset="0"/>
+              </a:rPr>
+              <a:t>grpAll</a:t>
+            </a:r>
+            <a:r>
+              <a:rPr lang="en-US" sz="2500" i="1" dirty="0">
+                <a:latin typeface="Courier New" panose="02070309020205020404" pitchFamily="49" charset="0"/>
+                <a:cs typeface="Courier New" panose="02070309020205020404" pitchFamily="49" charset="0"/>
+              </a:rPr>
+              <a:t>, </a:t>
+            </a:r>
+            <a:r>
+              <a:rPr lang="en-US" sz="2500" i="1" dirty="0" err="1">
+                <a:latin typeface="Courier New" panose="02070309020205020404" pitchFamily="49" charset="0"/>
+                <a:cs typeface="Courier New" panose="02070309020205020404" pitchFamily="49" charset="0"/>
+              </a:rPr>
+              <a:t>grpTemp</a:t>
+            </a:r>
+            <a:r>
+              <a:rPr lang="en-US" sz="2500" i="1" dirty="0">
+                <a:latin typeface="Courier New" panose="02070309020205020404" pitchFamily="49" charset="0"/>
+                <a:cs typeface="Courier New" panose="02070309020205020404" pitchFamily="49" charset="0"/>
+              </a:rPr>
+              <a:t>, </a:t>
+            </a:r>
+            <a:r>
+              <a:rPr lang="en-US" sz="2500" i="1" dirty="0" err="1" smtClean="0">
+                <a:latin typeface="Courier New" panose="02070309020205020404" pitchFamily="49" charset="0"/>
+                <a:cs typeface="Courier New" panose="02070309020205020404" pitchFamily="49" charset="0"/>
+              </a:rPr>
+              <a:t>grpPrevious</a:t>
+            </a:r>
+            <a:r>
+              <a:rPr lang="en-US" sz="2500" i="1" dirty="0" smtClean="0">
+                <a:latin typeface="Courier New" panose="02070309020205020404" pitchFamily="49" charset="0"/>
+                <a:cs typeface="Courier New" panose="02070309020205020404" pitchFamily="49" charset="0"/>
+              </a:rPr>
+              <a:t> </a:t>
+            </a:r>
+            <a:r>
+              <a:rPr lang="en-US" sz="2500" dirty="0" smtClean="0">
+                <a:latin typeface="Courier New" panose="02070309020205020404" pitchFamily="49" charset="0"/>
+                <a:cs typeface="Courier New" panose="02070309020205020404" pitchFamily="49" charset="0"/>
+              </a:rPr>
+              <a:t>&lt;- </a:t>
+            </a:r>
+            <a:r>
+              <a:rPr lang="en-US" sz="2500" dirty="0">
+                <a:latin typeface="Courier New" panose="02070309020205020404" pitchFamily="49" charset="0"/>
+                <a:cs typeface="Courier New" panose="02070309020205020404" pitchFamily="49" charset="0"/>
+              </a:rPr>
+              <a:t>NULL</a:t>
+            </a:r>
+          </a:p>
+          <a:p>
+            <a:pPr marL="0" indent="0">
+              <a:buNone/>
+            </a:pPr>
+            <a:r>
+              <a:rPr lang="en-US" sz="2500" i="1" dirty="0" err="1">
+                <a:latin typeface="Courier New" panose="02070309020205020404" pitchFamily="49" charset="0"/>
+                <a:cs typeface="Courier New" panose="02070309020205020404" pitchFamily="49" charset="0"/>
+              </a:rPr>
+              <a:t>dataValue</a:t>
+            </a:r>
+            <a:r>
+              <a:rPr lang="en-US" sz="2500" i="1" dirty="0">
+                <a:latin typeface="Courier New" panose="02070309020205020404" pitchFamily="49" charset="0"/>
+                <a:cs typeface="Courier New" panose="02070309020205020404" pitchFamily="49" charset="0"/>
+              </a:rPr>
+              <a:t>, </a:t>
+            </a:r>
+            <a:r>
+              <a:rPr lang="en-US" sz="2500" i="1" dirty="0" err="1">
+                <a:latin typeface="Courier New" panose="02070309020205020404" pitchFamily="49" charset="0"/>
+                <a:cs typeface="Courier New" panose="02070309020205020404" pitchFamily="49" charset="0"/>
+              </a:rPr>
+              <a:t>dataValueNext</a:t>
+            </a:r>
+            <a:r>
+              <a:rPr lang="en-US" sz="2500" i="1" dirty="0">
+                <a:latin typeface="Courier New" panose="02070309020205020404" pitchFamily="49" charset="0"/>
+                <a:cs typeface="Courier New" panose="02070309020205020404" pitchFamily="49" charset="0"/>
+              </a:rPr>
+              <a:t> </a:t>
+            </a:r>
+            <a:r>
+              <a:rPr lang="en-US" sz="2500" dirty="0">
+                <a:latin typeface="Courier New" panose="02070309020205020404" pitchFamily="49" charset="0"/>
+                <a:cs typeface="Courier New" panose="02070309020205020404" pitchFamily="49" charset="0"/>
+              </a:rPr>
+              <a:t>&lt;- </a:t>
+            </a:r>
+            <a:r>
+              <a:rPr lang="en-US" sz="2500" dirty="0" smtClean="0">
+                <a:latin typeface="Courier New" panose="02070309020205020404" pitchFamily="49" charset="0"/>
+                <a:cs typeface="Courier New" panose="02070309020205020404" pitchFamily="49" charset="0"/>
+              </a:rPr>
+              <a:t>NULL</a:t>
+            </a:r>
+          </a:p>
+          <a:p>
+            <a:pPr marL="0" indent="0">
+              <a:buNone/>
+            </a:pPr>
+            <a:endParaRPr lang="en-US" sz="2500" dirty="0">
+              <a:latin typeface="Courier New" panose="02070309020205020404" pitchFamily="49" charset="0"/>
+              <a:cs typeface="Courier New" panose="02070309020205020404" pitchFamily="49" charset="0"/>
+            </a:endParaRPr>
+          </a:p>
+          <a:p>
+            <a:pPr marL="0" indent="0">
+              <a:buNone/>
+            </a:pPr>
+            <a:r>
+              <a:rPr lang="en-US" sz="2500" b="1" dirty="0">
+                <a:latin typeface="Courier New" panose="02070309020205020404" pitchFamily="49" charset="0"/>
+                <a:cs typeface="Courier New" panose="02070309020205020404" pitchFamily="49" charset="0"/>
+              </a:rPr>
+              <a:t>while</a:t>
+            </a:r>
+            <a:r>
+              <a:rPr lang="en-US" sz="2500" dirty="0">
+                <a:latin typeface="Courier New" panose="02070309020205020404" pitchFamily="49" charset="0"/>
+                <a:cs typeface="Courier New" panose="02070309020205020404" pitchFamily="49" charset="0"/>
+              </a:rPr>
+              <a:t> (D in w) for all of D </a:t>
+            </a:r>
+            <a:r>
+              <a:rPr lang="en-US" sz="2500" b="1" dirty="0">
+                <a:latin typeface="Courier New" panose="02070309020205020404" pitchFamily="49" charset="0"/>
+                <a:cs typeface="Courier New" panose="02070309020205020404" pitchFamily="49" charset="0"/>
+              </a:rPr>
+              <a:t>do</a:t>
+            </a:r>
+          </a:p>
+          <a:p>
+            <a:pPr marL="400050" lvl="1" indent="0">
+              <a:buNone/>
+            </a:pPr>
+            <a:r>
+              <a:rPr lang="en-US" sz="2500" dirty="0" err="1">
+                <a:latin typeface="Courier New" panose="02070309020205020404" pitchFamily="49" charset="0"/>
+                <a:cs typeface="Courier New" panose="02070309020205020404" pitchFamily="49" charset="0"/>
+              </a:rPr>
+              <a:t>dataValue</a:t>
+            </a:r>
+            <a:r>
+              <a:rPr lang="en-US" sz="2500" dirty="0">
+                <a:latin typeface="Courier New" panose="02070309020205020404" pitchFamily="49" charset="0"/>
+                <a:cs typeface="Courier New" panose="02070309020205020404" pitchFamily="49" charset="0"/>
+              </a:rPr>
+              <a:t> &lt;- </a:t>
+            </a:r>
+            <a:r>
+              <a:rPr lang="en-US" sz="2500" dirty="0" err="1">
+                <a:latin typeface="Courier New" panose="02070309020205020404" pitchFamily="49" charset="0"/>
+                <a:cs typeface="Courier New" panose="02070309020205020404" pitchFamily="49" charset="0"/>
+              </a:rPr>
+              <a:t>D.current.day</a:t>
+            </a:r>
+            <a:endParaRPr lang="en-US" sz="2500" dirty="0">
+              <a:latin typeface="Courier New" panose="02070309020205020404" pitchFamily="49" charset="0"/>
+              <a:cs typeface="Courier New" panose="02070309020205020404" pitchFamily="49" charset="0"/>
+            </a:endParaRPr>
+          </a:p>
+          <a:p>
+            <a:pPr marL="400050" lvl="1" indent="0">
+              <a:buNone/>
+            </a:pPr>
+            <a:r>
+              <a:rPr lang="en-US" sz="2500" dirty="0" err="1">
+                <a:latin typeface="Courier New" panose="02070309020205020404" pitchFamily="49" charset="0"/>
+                <a:cs typeface="Courier New" panose="02070309020205020404" pitchFamily="49" charset="0"/>
+              </a:rPr>
+              <a:t>dataValueNext</a:t>
+            </a:r>
+            <a:r>
+              <a:rPr lang="en-US" sz="2500" dirty="0">
+                <a:latin typeface="Courier New" panose="02070309020205020404" pitchFamily="49" charset="0"/>
+                <a:cs typeface="Courier New" panose="02070309020205020404" pitchFamily="49" charset="0"/>
+              </a:rPr>
+              <a:t> &lt;- </a:t>
+            </a:r>
+            <a:r>
+              <a:rPr lang="en-US" sz="2500" dirty="0" err="1">
+                <a:latin typeface="Courier New" panose="02070309020205020404" pitchFamily="49" charset="0"/>
+                <a:cs typeface="Courier New" panose="02070309020205020404" pitchFamily="49" charset="0"/>
+              </a:rPr>
+              <a:t>D.next.day</a:t>
+            </a:r>
+            <a:endParaRPr lang="en-US" sz="2500" dirty="0">
+              <a:latin typeface="Courier New" panose="02070309020205020404" pitchFamily="49" charset="0"/>
+              <a:cs typeface="Courier New" panose="02070309020205020404" pitchFamily="49" charset="0"/>
+            </a:endParaRPr>
+          </a:p>
+          <a:p>
+            <a:pPr marL="400050" lvl="1" indent="0">
+              <a:buNone/>
+            </a:pPr>
+            <a:r>
+              <a:rPr lang="en-US" sz="2500" dirty="0" err="1">
+                <a:latin typeface="Courier New" panose="02070309020205020404" pitchFamily="49" charset="0"/>
+                <a:cs typeface="Courier New" panose="02070309020205020404" pitchFamily="49" charset="0"/>
+              </a:rPr>
+              <a:t>grpTemp</a:t>
+            </a:r>
+            <a:r>
+              <a:rPr lang="en-US" sz="2500" dirty="0">
+                <a:latin typeface="Courier New" panose="02070309020205020404" pitchFamily="49" charset="0"/>
+                <a:cs typeface="Courier New" panose="02070309020205020404" pitchFamily="49" charset="0"/>
+              </a:rPr>
+              <a:t> &lt;- </a:t>
+            </a:r>
+            <a:r>
+              <a:rPr lang="en-US" sz="2500" i="1" dirty="0" err="1">
+                <a:latin typeface="Courier New" panose="02070309020205020404" pitchFamily="49" charset="0"/>
+                <a:cs typeface="Courier New" panose="02070309020205020404" pitchFamily="49" charset="0"/>
+              </a:rPr>
+              <a:t>findingSimilarPatterns</a:t>
+            </a:r>
+            <a:r>
+              <a:rPr lang="en-US" sz="2500" dirty="0">
+                <a:latin typeface="Courier New" panose="02070309020205020404" pitchFamily="49" charset="0"/>
+                <a:cs typeface="Courier New" panose="02070309020205020404" pitchFamily="49" charset="0"/>
+              </a:rPr>
+              <a:t>(</a:t>
+            </a:r>
+            <a:r>
+              <a:rPr lang="en-US" sz="2500" dirty="0" err="1">
+                <a:latin typeface="Courier New" panose="02070309020205020404" pitchFamily="49" charset="0"/>
+                <a:cs typeface="Courier New" panose="02070309020205020404" pitchFamily="49" charset="0"/>
+              </a:rPr>
+              <a:t>dataValue</a:t>
+            </a:r>
+            <a:r>
+              <a:rPr lang="en-US" sz="2500" dirty="0">
+                <a:latin typeface="Courier New" panose="02070309020205020404" pitchFamily="49" charset="0"/>
+                <a:cs typeface="Courier New" panose="02070309020205020404" pitchFamily="49" charset="0"/>
+              </a:rPr>
+              <a:t>, </a:t>
+            </a:r>
+            <a:r>
+              <a:rPr lang="en-US" sz="2500" dirty="0" err="1">
+                <a:latin typeface="Courier New" panose="02070309020205020404" pitchFamily="49" charset="0"/>
+                <a:cs typeface="Courier New" panose="02070309020205020404" pitchFamily="49" charset="0"/>
+              </a:rPr>
+              <a:t>dataValueNext</a:t>
+            </a:r>
+            <a:r>
+              <a:rPr lang="en-US" sz="2500" dirty="0">
+                <a:latin typeface="Courier New" panose="02070309020205020404" pitchFamily="49" charset="0"/>
+                <a:cs typeface="Courier New" panose="02070309020205020404" pitchFamily="49" charset="0"/>
+              </a:rPr>
+              <a:t>)</a:t>
+            </a:r>
+          </a:p>
+          <a:p>
+            <a:pPr marL="400050" lvl="1" indent="0">
+              <a:buNone/>
+            </a:pPr>
+            <a:endParaRPr lang="en-US" sz="2500" dirty="0">
+              <a:latin typeface="Courier New" panose="02070309020205020404" pitchFamily="49" charset="0"/>
+              <a:cs typeface="Courier New" panose="02070309020205020404" pitchFamily="49" charset="0"/>
+            </a:endParaRPr>
+          </a:p>
+          <a:p>
+            <a:pPr marL="400050" lvl="1" indent="0">
+              <a:buNone/>
+            </a:pPr>
+            <a:r>
+              <a:rPr lang="en-US" sz="2500" dirty="0">
+                <a:latin typeface="Courier New" panose="02070309020205020404" pitchFamily="49" charset="0"/>
+                <a:cs typeface="Courier New" panose="02070309020205020404" pitchFamily="49" charset="0"/>
+              </a:rPr>
+              <a:t>if </a:t>
+            </a:r>
+            <a:r>
+              <a:rPr lang="en-US" sz="2500" i="1" dirty="0">
+                <a:latin typeface="Courier New" panose="02070309020205020404" pitchFamily="49" charset="0"/>
+                <a:cs typeface="Courier New" panose="02070309020205020404" pitchFamily="49" charset="0"/>
+              </a:rPr>
+              <a:t>(</a:t>
+            </a:r>
+            <a:r>
+              <a:rPr lang="en-US" sz="2500" dirty="0" err="1">
+                <a:latin typeface="Courier New" panose="02070309020205020404" pitchFamily="49" charset="0"/>
+                <a:cs typeface="Courier New" panose="02070309020205020404" pitchFamily="49" charset="0"/>
+              </a:rPr>
+              <a:t>grpTemp</a:t>
+            </a:r>
+            <a:r>
+              <a:rPr lang="en-US" sz="2500" i="1" dirty="0">
+                <a:latin typeface="Courier New" panose="02070309020205020404" pitchFamily="49" charset="0"/>
+                <a:cs typeface="Courier New" panose="02070309020205020404" pitchFamily="49" charset="0"/>
+              </a:rPr>
+              <a:t> in </a:t>
+            </a:r>
+            <a:r>
+              <a:rPr lang="en-US" sz="2500" dirty="0" err="1">
+                <a:latin typeface="Courier New" panose="02070309020205020404" pitchFamily="49" charset="0"/>
+                <a:cs typeface="Courier New" panose="02070309020205020404" pitchFamily="49" charset="0"/>
+              </a:rPr>
+              <a:t>grpPrevious</a:t>
+            </a:r>
+            <a:r>
+              <a:rPr lang="en-US" sz="2500" i="1" dirty="0">
+                <a:latin typeface="Courier New" panose="02070309020205020404" pitchFamily="49" charset="0"/>
+                <a:cs typeface="Courier New" panose="02070309020205020404" pitchFamily="49" charset="0"/>
+              </a:rPr>
+              <a:t>)</a:t>
+            </a:r>
+            <a:r>
+              <a:rPr lang="en-US" sz="2500" dirty="0">
+                <a:latin typeface="Courier New" panose="02070309020205020404" pitchFamily="49" charset="0"/>
+                <a:cs typeface="Courier New" panose="02070309020205020404" pitchFamily="49" charset="0"/>
+              </a:rPr>
+              <a:t>then</a:t>
+            </a:r>
+          </a:p>
+          <a:p>
+            <a:pPr marL="400050" lvl="1" indent="0">
+              <a:buNone/>
+            </a:pPr>
+            <a:r>
+              <a:rPr lang="en-US" sz="2500" dirty="0">
+                <a:latin typeface="Courier New" panose="02070309020205020404" pitchFamily="49" charset="0"/>
+                <a:cs typeface="Courier New" panose="02070309020205020404" pitchFamily="49" charset="0"/>
+              </a:rPr>
+              <a:t>	</a:t>
+            </a:r>
+            <a:r>
+              <a:rPr lang="en-US" sz="2500" dirty="0" err="1">
+                <a:latin typeface="Courier New" panose="02070309020205020404" pitchFamily="49" charset="0"/>
+                <a:cs typeface="Courier New" panose="02070309020205020404" pitchFamily="49" charset="0"/>
+              </a:rPr>
+              <a:t>grpNew</a:t>
+            </a:r>
+            <a:r>
+              <a:rPr lang="en-US" sz="2500" dirty="0">
+                <a:latin typeface="Courier New" panose="02070309020205020404" pitchFamily="49" charset="0"/>
+                <a:cs typeface="Courier New" panose="02070309020205020404" pitchFamily="49" charset="0"/>
+              </a:rPr>
+              <a:t> &lt;- </a:t>
+            </a:r>
+            <a:r>
+              <a:rPr lang="en-US" sz="2500" i="1" dirty="0">
+                <a:latin typeface="Courier New" panose="02070309020205020404" pitchFamily="49" charset="0"/>
+                <a:cs typeface="Courier New" panose="02070309020205020404" pitchFamily="49" charset="0"/>
+              </a:rPr>
+              <a:t>merge</a:t>
+            </a:r>
+            <a:r>
+              <a:rPr lang="en-US" sz="2500" dirty="0">
+                <a:latin typeface="Courier New" panose="02070309020205020404" pitchFamily="49" charset="0"/>
+                <a:cs typeface="Courier New" panose="02070309020205020404" pitchFamily="49" charset="0"/>
+              </a:rPr>
+              <a:t>(</a:t>
+            </a:r>
+            <a:r>
+              <a:rPr lang="en-US" sz="2500" dirty="0" err="1">
+                <a:latin typeface="Courier New" panose="02070309020205020404" pitchFamily="49" charset="0"/>
+                <a:cs typeface="Courier New" panose="02070309020205020404" pitchFamily="49" charset="0"/>
+              </a:rPr>
+              <a:t>grpPrevious</a:t>
+            </a:r>
+            <a:r>
+              <a:rPr lang="en-US" sz="2500" dirty="0">
+                <a:latin typeface="Courier New" panose="02070309020205020404" pitchFamily="49" charset="0"/>
+                <a:cs typeface="Courier New" panose="02070309020205020404" pitchFamily="49" charset="0"/>
+              </a:rPr>
+              <a:t>, </a:t>
+            </a:r>
+            <a:r>
+              <a:rPr lang="en-US" sz="2500" dirty="0" err="1">
+                <a:latin typeface="Courier New" panose="02070309020205020404" pitchFamily="49" charset="0"/>
+                <a:cs typeface="Courier New" panose="02070309020205020404" pitchFamily="49" charset="0"/>
+              </a:rPr>
+              <a:t>grpTemp</a:t>
+            </a:r>
+            <a:r>
+              <a:rPr lang="en-US" sz="2500" dirty="0">
+                <a:latin typeface="Courier New" panose="02070309020205020404" pitchFamily="49" charset="0"/>
+                <a:cs typeface="Courier New" panose="02070309020205020404" pitchFamily="49" charset="0"/>
+              </a:rPr>
+              <a:t>)</a:t>
+            </a:r>
+          </a:p>
+          <a:p>
+            <a:pPr marL="400050" lvl="1" indent="0">
+              <a:buNone/>
+            </a:pPr>
+            <a:r>
+              <a:rPr lang="en-US" sz="2500" dirty="0">
+                <a:latin typeface="Courier New" panose="02070309020205020404" pitchFamily="49" charset="0"/>
+                <a:cs typeface="Courier New" panose="02070309020205020404" pitchFamily="49" charset="0"/>
+              </a:rPr>
+              <a:t>	</a:t>
+            </a:r>
+            <a:r>
+              <a:rPr lang="en-US" sz="2500" dirty="0" err="1">
+                <a:latin typeface="Courier New" panose="02070309020205020404" pitchFamily="49" charset="0"/>
+                <a:cs typeface="Courier New" panose="02070309020205020404" pitchFamily="49" charset="0"/>
+              </a:rPr>
+              <a:t>grpAll</a:t>
+            </a:r>
+            <a:r>
+              <a:rPr lang="en-US" sz="2500" i="1" dirty="0">
+                <a:latin typeface="Courier New" panose="02070309020205020404" pitchFamily="49" charset="0"/>
+                <a:cs typeface="Courier New" panose="02070309020205020404" pitchFamily="49" charset="0"/>
+              </a:rPr>
+              <a:t> &lt;- add</a:t>
+            </a:r>
+            <a:r>
+              <a:rPr lang="en-US" sz="2500" dirty="0">
+                <a:latin typeface="Courier New" panose="02070309020205020404" pitchFamily="49" charset="0"/>
+                <a:cs typeface="Courier New" panose="02070309020205020404" pitchFamily="49" charset="0"/>
+              </a:rPr>
+              <a:t>(</a:t>
+            </a:r>
+            <a:r>
+              <a:rPr lang="en-US" sz="2500" dirty="0" err="1">
+                <a:latin typeface="Courier New" panose="02070309020205020404" pitchFamily="49" charset="0"/>
+                <a:cs typeface="Courier New" panose="02070309020205020404" pitchFamily="49" charset="0"/>
+              </a:rPr>
+              <a:t>grpNew</a:t>
+            </a:r>
+            <a:r>
+              <a:rPr lang="en-US" sz="2500" dirty="0">
+                <a:latin typeface="Courier New" panose="02070309020205020404" pitchFamily="49" charset="0"/>
+                <a:cs typeface="Courier New" panose="02070309020205020404" pitchFamily="49" charset="0"/>
+              </a:rPr>
+              <a:t>)</a:t>
+            </a:r>
+          </a:p>
+          <a:p>
+            <a:pPr marL="400050" lvl="1" indent="0">
+              <a:buNone/>
+            </a:pPr>
+            <a:r>
+              <a:rPr lang="en-US" sz="2500" dirty="0">
+                <a:latin typeface="Courier New" panose="02070309020205020404" pitchFamily="49" charset="0"/>
+                <a:cs typeface="Courier New" panose="02070309020205020404" pitchFamily="49" charset="0"/>
+              </a:rPr>
+              <a:t>else</a:t>
+            </a:r>
+          </a:p>
+          <a:p>
+            <a:pPr marL="400050" lvl="1" indent="0">
+              <a:buNone/>
+            </a:pPr>
+            <a:r>
+              <a:rPr lang="en-US" sz="2500" dirty="0">
+                <a:latin typeface="Courier New" panose="02070309020205020404" pitchFamily="49" charset="0"/>
+                <a:cs typeface="Courier New" panose="02070309020205020404" pitchFamily="49" charset="0"/>
+              </a:rPr>
+              <a:t>	</a:t>
+            </a:r>
+            <a:r>
+              <a:rPr lang="en-US" sz="2500" dirty="0" err="1">
+                <a:latin typeface="Courier New" panose="02070309020205020404" pitchFamily="49" charset="0"/>
+                <a:cs typeface="Courier New" panose="02070309020205020404" pitchFamily="49" charset="0"/>
+              </a:rPr>
+              <a:t>grpAll</a:t>
+            </a:r>
+            <a:r>
+              <a:rPr lang="en-US" sz="2500" i="1" dirty="0">
+                <a:latin typeface="Courier New" panose="02070309020205020404" pitchFamily="49" charset="0"/>
+                <a:cs typeface="Courier New" panose="02070309020205020404" pitchFamily="49" charset="0"/>
+              </a:rPr>
+              <a:t> &lt;- add</a:t>
+            </a:r>
+            <a:r>
+              <a:rPr lang="en-US" sz="2500" dirty="0">
+                <a:latin typeface="Courier New" panose="02070309020205020404" pitchFamily="49" charset="0"/>
+                <a:cs typeface="Courier New" panose="02070309020205020404" pitchFamily="49" charset="0"/>
+              </a:rPr>
+              <a:t>(</a:t>
+            </a:r>
+            <a:r>
+              <a:rPr lang="en-US" sz="2500" dirty="0" err="1">
+                <a:latin typeface="Courier New" panose="02070309020205020404" pitchFamily="49" charset="0"/>
+                <a:cs typeface="Courier New" panose="02070309020205020404" pitchFamily="49" charset="0"/>
+              </a:rPr>
+              <a:t>grpTemp</a:t>
+            </a:r>
+            <a:r>
+              <a:rPr lang="en-US" sz="2500" dirty="0">
+                <a:latin typeface="Courier New" panose="02070309020205020404" pitchFamily="49" charset="0"/>
+                <a:cs typeface="Courier New" panose="02070309020205020404" pitchFamily="49" charset="0"/>
+              </a:rPr>
+              <a:t>) </a:t>
+            </a:r>
+          </a:p>
+        </p:txBody>
+      </p:sp>
+      <p:sp>
+        <p:nvSpPr>
+          <p:cNvPr id="57" name="Title 1"/>
+          <p:cNvSpPr txBox="1">
+            <a:spLocks/>
+          </p:cNvSpPr>
+          <p:nvPr/>
+        </p:nvSpPr>
+        <p:spPr bwMode="auto">
+          <a:xfrm>
+            <a:off x="20230055" y="8916521"/>
+            <a:ext cx="8258204" cy="910275"/>
+          </a:xfrm>
+          <a:prstGeom prst="rect">
+            <a:avLst/>
+          </a:prstGeom>
+          <a:noFill/>
+          <a:ln>
+            <a:noFill/>
+          </a:ln>
+          <a:effectLst/>
+          <a:extLst>
+            <a:ext uri="{909E8E84-426E-40dd-AFC4-6F175D3DCCD1}">
+              <a14:hiddenFill xmlns="" xmlns:a14="http://schemas.microsoft.com/office/drawing/2010/main">
+                <a:solidFill>
+                  <a:schemeClr val="accent1"/>
+                </a:solidFill>
+              </a14:hiddenFill>
+            </a:ext>
+            <a:ext uri="{91240B29-F687-4f45-9708-019B960494DF}">
+              <a14:hiddenLine xmlns="" xmlns:a14="http://schemas.microsoft.com/office/drawing/2010/main" w="9525">
+                <a:solidFill>
+                  <a:schemeClr val="tx1"/>
+                </a:solidFill>
+                <a:miter lim="800000"/>
+                <a:headEnd/>
+                <a:tailEnd/>
+              </a14:hiddenLine>
+            </a:ext>
+            <a:ext uri="{AF507438-7753-43e0-B8FC-AC1667EBCBE1}">
+              <a14:hiddenEffects xmlns="" xmlns:a14="http://schemas.microsoft.com/office/drawing/2010/main">
+                <a:effectLst>
+                  <a:outerShdw blurRad="63500" dist="38099" dir="2700000" algn="ctr" rotWithShape="0">
+                    <a:schemeClr val="bg2">
+                      <a:alpha val="74998"/>
+                    </a:schemeClr>
+                  </a:outerShdw>
+                </a:effectLst>
+              </a14:hiddenEffects>
+            </a:ext>
+            <a:ext uri="{FAA26D3D-D897-4be2-8F04-BA451C77F1D7}">
+              <ma14:placeholderFlag xmlns="" xmlns:ma14="http://schemas.microsoft.com/office/mac/drawingml/2011/main" val="1"/>
+            </a:ext>
+          </a:extLst>
+        </p:spPr>
+        <p:txBody>
+          <a:bodyPr vert="horz" wrap="square" lIns="91440" tIns="45720" rIns="91440" bIns="45720" numCol="1" anchor="ctr" anchorCtr="0" compatLnSpc="1">
+            <a:prstTxWarp prst="textNoShape">
+              <a:avLst/>
+            </a:prstTxWarp>
+          </a:bodyPr>
+          <a:lstStyle>
+            <a:lvl1pPr algn="l" rtl="0" fontAlgn="base">
+              <a:spcBef>
+                <a:spcPct val="0"/>
+              </a:spcBef>
+              <a:spcAft>
+                <a:spcPct val="0"/>
+              </a:spcAft>
+              <a:defRPr sz="2800">
+                <a:solidFill>
+                  <a:srgbClr val="397FCF"/>
+                </a:solidFill>
+                <a:latin typeface="+mj-lt"/>
+                <a:ea typeface="+mj-ea"/>
+                <a:cs typeface="+mj-cs"/>
+              </a:defRPr>
+            </a:lvl1pPr>
+            <a:lvl2pPr algn="l" rtl="0" fontAlgn="base">
+              <a:spcBef>
+                <a:spcPct val="0"/>
+              </a:spcBef>
+              <a:spcAft>
+                <a:spcPct val="0"/>
+              </a:spcAft>
+              <a:defRPr sz="2800">
+                <a:solidFill>
+                  <a:srgbClr val="397FCF"/>
+                </a:solidFill>
+                <a:latin typeface="Arial" charset="0"/>
+                <a:ea typeface="ＭＳ Ｐゴシック" charset="0"/>
+              </a:defRPr>
+            </a:lvl2pPr>
+            <a:lvl3pPr algn="l" rtl="0" fontAlgn="base">
+              <a:spcBef>
+                <a:spcPct val="0"/>
+              </a:spcBef>
+              <a:spcAft>
+                <a:spcPct val="0"/>
+              </a:spcAft>
+              <a:defRPr sz="2800">
+                <a:solidFill>
+                  <a:srgbClr val="397FCF"/>
+                </a:solidFill>
+                <a:latin typeface="Arial" charset="0"/>
+                <a:ea typeface="ＭＳ Ｐゴシック" charset="0"/>
+              </a:defRPr>
+            </a:lvl3pPr>
+            <a:lvl4pPr algn="l" rtl="0" fontAlgn="base">
+              <a:spcBef>
+                <a:spcPct val="0"/>
+              </a:spcBef>
+              <a:spcAft>
+                <a:spcPct val="0"/>
+              </a:spcAft>
+              <a:defRPr sz="2800">
+                <a:solidFill>
+                  <a:srgbClr val="397FCF"/>
+                </a:solidFill>
+                <a:latin typeface="Arial" charset="0"/>
+                <a:ea typeface="ＭＳ Ｐゴシック" charset="0"/>
+              </a:defRPr>
+            </a:lvl4pPr>
+            <a:lvl5pPr algn="l" rtl="0" fontAlgn="base">
+              <a:spcBef>
+                <a:spcPct val="0"/>
+              </a:spcBef>
+              <a:spcAft>
+                <a:spcPct val="0"/>
+              </a:spcAft>
+              <a:defRPr sz="2800">
+                <a:solidFill>
+                  <a:srgbClr val="397FCF"/>
+                </a:solidFill>
+                <a:latin typeface="Arial" charset="0"/>
+                <a:ea typeface="ＭＳ Ｐゴシック" charset="0"/>
+              </a:defRPr>
+            </a:lvl5pPr>
+            <a:lvl6pPr marL="457200" algn="l" rtl="0" fontAlgn="base">
+              <a:spcBef>
+                <a:spcPct val="0"/>
+              </a:spcBef>
+              <a:spcAft>
+                <a:spcPct val="0"/>
+              </a:spcAft>
+              <a:defRPr sz="2800">
+                <a:solidFill>
+                  <a:srgbClr val="397FCF"/>
+                </a:solidFill>
+                <a:latin typeface="Arial" charset="0"/>
+                <a:ea typeface="ＭＳ Ｐゴシック" charset="0"/>
+              </a:defRPr>
+            </a:lvl6pPr>
+            <a:lvl7pPr marL="914400" algn="l" rtl="0" fontAlgn="base">
+              <a:spcBef>
+                <a:spcPct val="0"/>
+              </a:spcBef>
+              <a:spcAft>
+                <a:spcPct val="0"/>
+              </a:spcAft>
+              <a:defRPr sz="2800">
+                <a:solidFill>
+                  <a:srgbClr val="397FCF"/>
+                </a:solidFill>
+                <a:latin typeface="Arial" charset="0"/>
+                <a:ea typeface="ＭＳ Ｐゴシック" charset="0"/>
+              </a:defRPr>
+            </a:lvl7pPr>
+            <a:lvl8pPr marL="1371600" algn="l" rtl="0" fontAlgn="base">
+              <a:spcBef>
+                <a:spcPct val="0"/>
+              </a:spcBef>
+              <a:spcAft>
+                <a:spcPct val="0"/>
+              </a:spcAft>
+              <a:defRPr sz="2800">
+                <a:solidFill>
+                  <a:srgbClr val="397FCF"/>
+                </a:solidFill>
+                <a:latin typeface="Arial" charset="0"/>
+                <a:ea typeface="ＭＳ Ｐゴシック" charset="0"/>
+              </a:defRPr>
+            </a:lvl8pPr>
+            <a:lvl9pPr marL="1828800" algn="l" rtl="0" fontAlgn="base">
+              <a:spcBef>
+                <a:spcPct val="0"/>
+              </a:spcBef>
+              <a:spcAft>
+                <a:spcPct val="0"/>
+              </a:spcAft>
+              <a:defRPr sz="2800">
+                <a:solidFill>
+                  <a:srgbClr val="397FCF"/>
+                </a:solidFill>
+                <a:latin typeface="Arial" charset="0"/>
+                <a:ea typeface="ＭＳ Ｐゴシック" charset="0"/>
+              </a:defRPr>
+            </a:lvl9pPr>
+          </a:lstStyle>
+          <a:p>
+            <a:r>
+              <a:rPr lang="en-US" sz="3600" b="1" kern="0" dirty="0" smtClean="0"/>
+              <a:t>Algorithm (Similarity Detection)</a:t>
+            </a:r>
+            <a:endParaRPr lang="en-US" sz="3600" b="1" kern="0" dirty="0"/>
+          </a:p>
+        </p:txBody>
+      </p:sp>
+      <p:sp>
+        <p:nvSpPr>
+          <p:cNvPr id="60" name="Rectangle 59"/>
+          <p:cNvSpPr/>
+          <p:nvPr/>
+        </p:nvSpPr>
+        <p:spPr>
+          <a:xfrm>
+            <a:off x="20427280" y="18088805"/>
+            <a:ext cx="9092858" cy="3939540"/>
+          </a:xfrm>
+          <a:prstGeom prst="rect">
+            <a:avLst/>
+          </a:prstGeom>
+        </p:spPr>
+        <p:txBody>
+          <a:bodyPr wrap="square">
+            <a:spAutoFit/>
+          </a:bodyPr>
+          <a:lstStyle/>
+          <a:p>
+            <a:pPr algn="just"/>
+            <a:r>
+              <a:rPr lang="en-US" sz="2500" dirty="0" smtClean="0">
+                <a:latin typeface="Times New Roman" panose="02020603050405020304" pitchFamily="18" charset="0"/>
+                <a:cs typeface="Times New Roman" panose="02020603050405020304" pitchFamily="18" charset="0"/>
+              </a:rPr>
+              <a:t>The total of dataset which collected around 1 month and 20 days. We divide all dataset to two parts, first month for creating model (first dataset) and remaining dataset for testing performance (second dataset). </a:t>
+            </a:r>
+            <a:r>
+              <a:rPr lang="en-US" sz="2500" dirty="0" smtClean="0">
+                <a:latin typeface="Times New Roman" panose="02020603050405020304" pitchFamily="18" charset="0"/>
+                <a:cs typeface="Times New Roman" panose="02020603050405020304" pitchFamily="18" charset="0"/>
+              </a:rPr>
+              <a:t>We use first dataset for modeling human behavior, we call it B1 (behavior model/profile). Then, we extract and process second dataset, applying similarity detection to second dataset with same setting, and we call the result is B2 (set of behavior/group activities from second dataset). The question are, is all of B2 identified by B1?, how many set of group activities (B2) which identified by B1, then calculate the percentage of data identified. </a:t>
+            </a:r>
+            <a:endParaRPr lang="en-US" sz="2500" dirty="0">
+              <a:latin typeface="Times New Roman" panose="02020603050405020304" pitchFamily="18" charset="0"/>
+              <a:cs typeface="Times New Roman" panose="02020603050405020304" pitchFamily="18" charset="0"/>
+            </a:endParaRPr>
+          </a:p>
+        </p:txBody>
+      </p:sp>
+      <p:pic>
+        <p:nvPicPr>
+          <p:cNvPr id="25" name="Picture 24"/>
+          <p:cNvPicPr>
+            <a:picLocks noChangeAspect="1"/>
+          </p:cNvPicPr>
+          <p:nvPr/>
+        </p:nvPicPr>
+        <p:blipFill>
+          <a:blip r:embed="rId9">
+            <a:extLst>
+              <a:ext uri="{28A0092B-C50C-407E-A947-70E740481C1C}">
+                <a14:useLocalDpi xmlns:a14="http://schemas.microsoft.com/office/drawing/2010/main" val="0"/>
+              </a:ext>
+            </a:extLst>
+          </a:blip>
+          <a:stretch>
+            <a:fillRect/>
+          </a:stretch>
+        </p:blipFill>
+        <p:spPr>
+          <a:xfrm>
+            <a:off x="10754843" y="25693029"/>
+            <a:ext cx="8632452" cy="1943811"/>
+          </a:xfrm>
+          <a:prstGeom prst="rect">
+            <a:avLst/>
+          </a:prstGeom>
+        </p:spPr>
+      </p:pic>
+      <p:sp>
+        <p:nvSpPr>
+          <p:cNvPr id="65" name="Content Placeholder 2"/>
+          <p:cNvSpPr txBox="1">
+            <a:spLocks/>
+          </p:cNvSpPr>
+          <p:nvPr/>
+        </p:nvSpPr>
+        <p:spPr bwMode="auto">
+          <a:xfrm>
+            <a:off x="25105096" y="40717692"/>
+            <a:ext cx="5129751" cy="382593"/>
+          </a:xfrm>
+          <a:prstGeom prst="rect">
+            <a:avLst/>
+          </a:prstGeom>
+          <a:noFill/>
+          <a:ln>
+            <a:noFill/>
+          </a:ln>
+          <a:effectLst/>
+          <a:extLst>
+            <a:ext uri="{909E8E84-426E-40dd-AFC4-6F175D3DCCD1}">
+              <a14:hiddenFill xmlns="" xmlns:a14="http://schemas.microsoft.com/office/drawing/2010/main">
+                <a:solidFill>
+                  <a:schemeClr val="accent1"/>
+                </a:solidFill>
+              </a14:hiddenFill>
+            </a:ext>
+            <a:ext uri="{91240B29-F687-4f45-9708-019B960494DF}">
+              <a14:hiddenLine xmlns="" xmlns:a14="http://schemas.microsoft.com/office/drawing/2010/main" w="9525">
+                <a:solidFill>
+                  <a:schemeClr val="tx1"/>
+                </a:solidFill>
+                <a:miter lim="800000"/>
+                <a:headEnd/>
+                <a:tailEnd/>
+              </a14:hiddenLine>
+            </a:ext>
+            <a:ext uri="{AF507438-7753-43e0-B8FC-AC1667EBCBE1}">
+              <a14:hiddenEffects xmlns="" xmlns:a14="http://schemas.microsoft.com/office/drawing/2010/main">
+                <a:effectLst>
+                  <a:outerShdw blurRad="63500" dist="38099" dir="2700000" algn="ctr" rotWithShape="0">
+                    <a:schemeClr val="bg2">
+                      <a:alpha val="74998"/>
+                    </a:schemeClr>
+                  </a:outerShdw>
+                </a:effectLst>
+              </a14:hiddenEffects>
+            </a:ext>
+            <a:ext uri="{FAA26D3D-D897-4be2-8F04-BA451C77F1D7}">
+              <ma14:placeholderFlag xmlns="" xmlns:ma14="http://schemas.microsoft.com/office/mac/drawingml/2011/main" val="1"/>
+            </a:ext>
+          </a:extLst>
+        </p:spPr>
+        <p:txBody>
+          <a:bodyPr vert="horz" wrap="square" lIns="91440" tIns="45720" rIns="91440" bIns="45720" numCol="1" anchor="t" anchorCtr="0" compatLnSpc="1">
+            <a:prstTxWarp prst="textNoShape">
+              <a:avLst/>
+            </a:prstTxWarp>
+          </a:bodyPr>
+          <a:lstStyle>
+            <a:lvl1pPr marL="342900" indent="-342900" algn="l" rtl="0" fontAlgn="base">
+              <a:spcBef>
+                <a:spcPct val="20000"/>
+              </a:spcBef>
+              <a:spcAft>
+                <a:spcPct val="0"/>
+              </a:spcAft>
+              <a:buChar char="•"/>
+              <a:defRPr sz="2000">
+                <a:solidFill>
+                  <a:schemeClr val="tx1"/>
+                </a:solidFill>
+                <a:latin typeface="+mn-lt"/>
+                <a:ea typeface="+mn-ea"/>
+                <a:cs typeface="+mn-cs"/>
+              </a:defRPr>
+            </a:lvl1pPr>
+            <a:lvl2pPr marL="742950" indent="-285750" algn="l" rtl="0" fontAlgn="base">
+              <a:spcBef>
+                <a:spcPct val="20000"/>
+              </a:spcBef>
+              <a:spcAft>
+                <a:spcPct val="0"/>
+              </a:spcAft>
+              <a:buChar char="–"/>
+              <a:defRPr>
+                <a:solidFill>
+                  <a:schemeClr val="tx1"/>
+                </a:solidFill>
+                <a:latin typeface="+mn-lt"/>
+                <a:ea typeface="+mn-ea"/>
+              </a:defRPr>
+            </a:lvl2pPr>
+            <a:lvl3pPr marL="1143000" indent="-228600" algn="l" rtl="0" fontAlgn="base">
+              <a:spcBef>
+                <a:spcPct val="20000"/>
+              </a:spcBef>
+              <a:spcAft>
+                <a:spcPct val="0"/>
+              </a:spcAft>
+              <a:buChar char="•"/>
+              <a:defRPr sz="1600">
+                <a:solidFill>
+                  <a:schemeClr val="tx1"/>
+                </a:solidFill>
+                <a:latin typeface="+mn-lt"/>
+                <a:ea typeface="+mn-ea"/>
+              </a:defRPr>
+            </a:lvl3pPr>
+            <a:lvl4pPr marL="1600200" indent="-228600" algn="l" rtl="0" fontAlgn="base">
+              <a:spcBef>
+                <a:spcPct val="20000"/>
+              </a:spcBef>
+              <a:spcAft>
+                <a:spcPct val="0"/>
+              </a:spcAft>
+              <a:buChar char="–"/>
+              <a:defRPr sz="1400">
+                <a:solidFill>
+                  <a:schemeClr val="tx1"/>
+                </a:solidFill>
+                <a:latin typeface="+mn-lt"/>
+                <a:ea typeface="+mn-ea"/>
+              </a:defRPr>
+            </a:lvl4pPr>
+            <a:lvl5pPr marL="2057400" indent="-228600" algn="l" rtl="0" fontAlgn="base">
+              <a:spcBef>
+                <a:spcPct val="20000"/>
+              </a:spcBef>
+              <a:spcAft>
+                <a:spcPct val="0"/>
+              </a:spcAft>
+              <a:buChar char="»"/>
+              <a:defRPr sz="1400">
+                <a:solidFill>
+                  <a:schemeClr val="tx1"/>
+                </a:solidFill>
+                <a:latin typeface="+mn-lt"/>
+                <a:ea typeface="+mn-ea"/>
+              </a:defRPr>
+            </a:lvl5pPr>
+            <a:lvl6pPr marL="2514600" indent="-228600" algn="l" rtl="0" fontAlgn="base">
+              <a:spcBef>
+                <a:spcPct val="20000"/>
+              </a:spcBef>
+              <a:spcAft>
+                <a:spcPct val="0"/>
+              </a:spcAft>
+              <a:buChar char="»"/>
+              <a:defRPr sz="1400">
+                <a:solidFill>
+                  <a:schemeClr val="tx1"/>
+                </a:solidFill>
+                <a:latin typeface="+mn-lt"/>
+                <a:ea typeface="+mn-ea"/>
+              </a:defRPr>
+            </a:lvl6pPr>
+            <a:lvl7pPr marL="2971800" indent="-228600" algn="l" rtl="0" fontAlgn="base">
+              <a:spcBef>
+                <a:spcPct val="20000"/>
+              </a:spcBef>
+              <a:spcAft>
+                <a:spcPct val="0"/>
+              </a:spcAft>
+              <a:buChar char="»"/>
+              <a:defRPr sz="1400">
+                <a:solidFill>
+                  <a:schemeClr val="tx1"/>
+                </a:solidFill>
+                <a:latin typeface="+mn-lt"/>
+                <a:ea typeface="+mn-ea"/>
+              </a:defRPr>
+            </a:lvl7pPr>
+            <a:lvl8pPr marL="3429000" indent="-228600" algn="l" rtl="0" fontAlgn="base">
+              <a:spcBef>
+                <a:spcPct val="20000"/>
+              </a:spcBef>
+              <a:spcAft>
+                <a:spcPct val="0"/>
+              </a:spcAft>
+              <a:buChar char="»"/>
+              <a:defRPr sz="1400">
+                <a:solidFill>
+                  <a:schemeClr val="tx1"/>
+                </a:solidFill>
+                <a:latin typeface="+mn-lt"/>
+                <a:ea typeface="+mn-ea"/>
+              </a:defRPr>
+            </a:lvl8pPr>
+            <a:lvl9pPr marL="3886200" indent="-228600" algn="l" rtl="0" fontAlgn="base">
+              <a:spcBef>
+                <a:spcPct val="20000"/>
+              </a:spcBef>
+              <a:spcAft>
+                <a:spcPct val="0"/>
+              </a:spcAft>
+              <a:buChar char="»"/>
+              <a:defRPr sz="1400">
+                <a:solidFill>
+                  <a:schemeClr val="tx1"/>
+                </a:solidFill>
+                <a:latin typeface="+mn-lt"/>
+                <a:ea typeface="+mn-ea"/>
+              </a:defRPr>
+            </a:lvl9pPr>
+          </a:lstStyle>
+          <a:p>
+            <a:pPr marL="457200" lvl="1" indent="0">
+              <a:buFontTx/>
+              <a:buNone/>
+            </a:pPr>
+            <a:r>
+              <a:rPr lang="en-US" sz="1500" b="1" kern="0" dirty="0" smtClean="0">
+                <a:latin typeface="Times New Roman" panose="02020603050405020304" pitchFamily="18" charset="0"/>
+                <a:cs typeface="Times New Roman" panose="02020603050405020304" pitchFamily="18" charset="0"/>
+              </a:rPr>
+              <a:t>Full Figure can be seen on Appendix, page : 48. </a:t>
+            </a:r>
+            <a:endParaRPr lang="en-US" sz="1500" b="1" kern="0" dirty="0">
+              <a:latin typeface="Times New Roman" panose="02020603050405020304" pitchFamily="18" charset="0"/>
+              <a:cs typeface="Times New Roman" panose="02020603050405020304" pitchFamily="18" charset="0"/>
+            </a:endParaRPr>
+          </a:p>
+        </p:txBody>
+      </p:sp>
+      <p:sp>
+        <p:nvSpPr>
+          <p:cNvPr id="67" name="Rectangle 66"/>
+          <p:cNvSpPr/>
+          <p:nvPr/>
+        </p:nvSpPr>
+        <p:spPr>
+          <a:xfrm>
+            <a:off x="10173482" y="32162374"/>
+            <a:ext cx="9893144" cy="2785378"/>
+          </a:xfrm>
+          <a:prstGeom prst="rect">
+            <a:avLst/>
+          </a:prstGeom>
+        </p:spPr>
+        <p:txBody>
+          <a:bodyPr wrap="square">
+            <a:spAutoFit/>
+          </a:bodyPr>
+          <a:lstStyle/>
+          <a:p>
+            <a:pPr algn="just"/>
+            <a:r>
+              <a:rPr lang="en-US" sz="2500" dirty="0">
+                <a:latin typeface="Times New Roman" panose="02020603050405020304" pitchFamily="18" charset="0"/>
+                <a:cs typeface="Times New Roman" panose="02020603050405020304" pitchFamily="18" charset="0"/>
+              </a:rPr>
+              <a:t>What is the human behavior in case of smartphone sensing?.</a:t>
+            </a:r>
+          </a:p>
+          <a:p>
+            <a:pPr lvl="1" algn="just"/>
+            <a:r>
+              <a:rPr lang="en-US" sz="2500" b="1" dirty="0" smtClean="0">
+                <a:latin typeface="Times New Roman" panose="02020603050405020304" pitchFamily="18" charset="0"/>
+                <a:cs typeface="Times New Roman" panose="02020603050405020304" pitchFamily="18" charset="0"/>
+              </a:rPr>
+              <a:t>Human </a:t>
+            </a:r>
+            <a:r>
+              <a:rPr lang="en-US" sz="2500" b="1" dirty="0">
+                <a:latin typeface="Times New Roman" panose="02020603050405020304" pitchFamily="18" charset="0"/>
+                <a:cs typeface="Times New Roman" panose="02020603050405020304" pitchFamily="18" charset="0"/>
+              </a:rPr>
+              <a:t>daily activities which carried out continuously</a:t>
+            </a:r>
+          </a:p>
+          <a:p>
+            <a:pPr algn="just"/>
+            <a:r>
+              <a:rPr lang="en-US" sz="2500" dirty="0">
+                <a:latin typeface="Times New Roman" panose="02020603050405020304" pitchFamily="18" charset="0"/>
+                <a:cs typeface="Times New Roman" panose="02020603050405020304" pitchFamily="18" charset="0"/>
+              </a:rPr>
+              <a:t>In terms of human daily activities, we have to consider about four things:</a:t>
+            </a:r>
+          </a:p>
+          <a:p>
+            <a:pPr marL="800100" lvl="1" indent="-342900" algn="just">
+              <a:buFont typeface="Arial" panose="020B0604020202020204" pitchFamily="34" charset="0"/>
+              <a:buChar char="•"/>
+            </a:pPr>
+            <a:r>
+              <a:rPr lang="en-US" sz="2500" b="1" dirty="0">
+                <a:latin typeface="Times New Roman" panose="02020603050405020304" pitchFamily="18" charset="0"/>
+                <a:cs typeface="Times New Roman" panose="02020603050405020304" pitchFamily="18" charset="0"/>
+              </a:rPr>
+              <a:t>What kind of activity (</a:t>
+            </a:r>
+            <a:r>
+              <a:rPr lang="en-US" sz="2500" b="1" dirty="0" err="1">
+                <a:latin typeface="Times New Roman" panose="02020603050405020304" pitchFamily="18" charset="0"/>
+                <a:cs typeface="Times New Roman" panose="02020603050405020304" pitchFamily="18" charset="0"/>
+              </a:rPr>
+              <a:t>e.g</a:t>
+            </a:r>
+            <a:r>
+              <a:rPr lang="en-US" sz="2500" b="1" dirty="0">
+                <a:latin typeface="Times New Roman" panose="02020603050405020304" pitchFamily="18" charset="0"/>
+                <a:cs typeface="Times New Roman" panose="02020603050405020304" pitchFamily="18" charset="0"/>
+              </a:rPr>
+              <a:t> meeting, studying, exercising)</a:t>
+            </a:r>
+          </a:p>
+          <a:p>
+            <a:pPr marL="800100" lvl="1" indent="-342900" algn="just">
+              <a:buFont typeface="Arial" panose="020B0604020202020204" pitchFamily="34" charset="0"/>
+              <a:buChar char="•"/>
+            </a:pPr>
+            <a:r>
+              <a:rPr lang="en-US" sz="2500" b="1" dirty="0">
+                <a:latin typeface="Times New Roman" panose="02020603050405020304" pitchFamily="18" charset="0"/>
+                <a:cs typeface="Times New Roman" panose="02020603050405020304" pitchFamily="18" charset="0"/>
+              </a:rPr>
+              <a:t>When (</a:t>
+            </a:r>
+            <a:r>
+              <a:rPr lang="en-US" sz="2500" b="1" dirty="0" err="1">
+                <a:latin typeface="Times New Roman" panose="02020603050405020304" pitchFamily="18" charset="0"/>
+                <a:cs typeface="Times New Roman" panose="02020603050405020304" pitchFamily="18" charset="0"/>
+              </a:rPr>
+              <a:t>e.g</a:t>
+            </a:r>
+            <a:r>
+              <a:rPr lang="en-US" sz="2500" b="1" dirty="0">
+                <a:latin typeface="Times New Roman" panose="02020603050405020304" pitchFamily="18" charset="0"/>
+                <a:cs typeface="Times New Roman" panose="02020603050405020304" pitchFamily="18" charset="0"/>
+              </a:rPr>
+              <a:t> around 9 AM)</a:t>
+            </a:r>
+          </a:p>
+          <a:p>
+            <a:pPr marL="800100" lvl="1" indent="-342900" algn="just">
+              <a:buFont typeface="Arial" panose="020B0604020202020204" pitchFamily="34" charset="0"/>
+              <a:buChar char="•"/>
+            </a:pPr>
+            <a:r>
+              <a:rPr lang="en-US" sz="2500" b="1" dirty="0">
+                <a:latin typeface="Times New Roman" panose="02020603050405020304" pitchFamily="18" charset="0"/>
+                <a:cs typeface="Times New Roman" panose="02020603050405020304" pitchFamily="18" charset="0"/>
+              </a:rPr>
+              <a:t>Location (</a:t>
+            </a:r>
+            <a:r>
+              <a:rPr lang="en-US" sz="2500" b="1" dirty="0" err="1">
+                <a:latin typeface="Times New Roman" panose="02020603050405020304" pitchFamily="18" charset="0"/>
+                <a:cs typeface="Times New Roman" panose="02020603050405020304" pitchFamily="18" charset="0"/>
+              </a:rPr>
+              <a:t>e.g</a:t>
+            </a:r>
+            <a:r>
+              <a:rPr lang="en-US" sz="2500" b="1" dirty="0">
+                <a:latin typeface="Times New Roman" panose="02020603050405020304" pitchFamily="18" charset="0"/>
+                <a:cs typeface="Times New Roman" panose="02020603050405020304" pitchFamily="18" charset="0"/>
+              </a:rPr>
+              <a:t> Lab)</a:t>
+            </a:r>
+          </a:p>
+          <a:p>
+            <a:pPr marL="800100" lvl="1" indent="-342900" algn="just">
+              <a:buFont typeface="Arial" panose="020B0604020202020204" pitchFamily="34" charset="0"/>
+              <a:buChar char="•"/>
+            </a:pPr>
+            <a:r>
+              <a:rPr lang="en-US" sz="2500" b="1" dirty="0">
+                <a:latin typeface="Times New Roman" panose="02020603050405020304" pitchFamily="18" charset="0"/>
+                <a:cs typeface="Times New Roman" panose="02020603050405020304" pitchFamily="18" charset="0"/>
+              </a:rPr>
+              <a:t>Human Interaction (</a:t>
+            </a:r>
+            <a:r>
+              <a:rPr lang="en-US" sz="2500" b="1" dirty="0" err="1">
+                <a:latin typeface="Times New Roman" panose="02020603050405020304" pitchFamily="18" charset="0"/>
+                <a:cs typeface="Times New Roman" panose="02020603050405020304" pitchFamily="18" charset="0"/>
+              </a:rPr>
+              <a:t>e.g</a:t>
+            </a:r>
+            <a:r>
+              <a:rPr lang="en-US" sz="2500" b="1" dirty="0">
+                <a:latin typeface="Times New Roman" panose="02020603050405020304" pitchFamily="18" charset="0"/>
+                <a:cs typeface="Times New Roman" panose="02020603050405020304" pitchFamily="18" charset="0"/>
+              </a:rPr>
+              <a:t> all lab’s members</a:t>
+            </a:r>
+            <a:r>
+              <a:rPr lang="en-US" sz="2500" b="1" dirty="0" smtClean="0">
+                <a:latin typeface="Times New Roman" panose="02020603050405020304" pitchFamily="18" charset="0"/>
+                <a:cs typeface="Times New Roman" panose="02020603050405020304" pitchFamily="18" charset="0"/>
+              </a:rPr>
+              <a:t>)</a:t>
+            </a:r>
+            <a:endParaRPr lang="en-US" sz="2500" b="1" dirty="0">
+              <a:latin typeface="Times New Roman" panose="02020603050405020304" pitchFamily="18" charset="0"/>
+              <a:cs typeface="Times New Roman" panose="02020603050405020304" pitchFamily="18" charset="0"/>
+            </a:endParaRPr>
+          </a:p>
+        </p:txBody>
+      </p:sp>
+      <p:pic>
+        <p:nvPicPr>
+          <p:cNvPr id="70" name="Picture 69"/>
+          <p:cNvPicPr>
+            <a:picLocks noChangeAspect="1"/>
+          </p:cNvPicPr>
+          <p:nvPr/>
+        </p:nvPicPr>
+        <p:blipFill>
+          <a:blip r:embed="rId10">
+            <a:extLst>
+              <a:ext uri="{28A0092B-C50C-407E-A947-70E740481C1C}">
+                <a14:useLocalDpi xmlns:a14="http://schemas.microsoft.com/office/drawing/2010/main" val="0"/>
+              </a:ext>
+            </a:extLst>
+          </a:blip>
+          <a:stretch>
+            <a:fillRect/>
+          </a:stretch>
+        </p:blipFill>
+        <p:spPr>
+          <a:xfrm>
+            <a:off x="10158232" y="34940284"/>
+            <a:ext cx="4684967" cy="6075012"/>
+          </a:xfrm>
+          <a:prstGeom prst="rect">
+            <a:avLst/>
+          </a:prstGeom>
+        </p:spPr>
+      </p:pic>
+      <p:sp>
+        <p:nvSpPr>
+          <p:cNvPr id="27" name="TextBox 26"/>
+          <p:cNvSpPr txBox="1"/>
+          <p:nvPr/>
+        </p:nvSpPr>
+        <p:spPr>
+          <a:xfrm>
+            <a:off x="13500212" y="9888293"/>
+            <a:ext cx="851515" cy="369332"/>
+          </a:xfrm>
+          <a:prstGeom prst="rect">
+            <a:avLst/>
+          </a:prstGeom>
+          <a:noFill/>
+        </p:spPr>
+        <p:txBody>
+          <a:bodyPr wrap="none" rtlCol="0">
+            <a:spAutoFit/>
+          </a:bodyPr>
+          <a:lstStyle/>
+          <a:p>
+            <a:r>
+              <a:rPr lang="en-US" sz="1800" b="1" dirty="0" smtClean="0">
+                <a:latin typeface="Times New Roman" panose="02020603050405020304" pitchFamily="18" charset="0"/>
+                <a:cs typeface="Times New Roman" panose="02020603050405020304" pitchFamily="18" charset="0"/>
+              </a:rPr>
+              <a:t>Fig. 1a</a:t>
+            </a:r>
+            <a:endParaRPr lang="en-US" sz="1800" b="1" dirty="0">
+              <a:latin typeface="Times New Roman" panose="02020603050405020304" pitchFamily="18" charset="0"/>
+              <a:cs typeface="Times New Roman" panose="02020603050405020304" pitchFamily="18" charset="0"/>
+            </a:endParaRPr>
+          </a:p>
+        </p:txBody>
+      </p:sp>
+      <p:sp>
+        <p:nvSpPr>
+          <p:cNvPr id="71" name="TextBox 70"/>
+          <p:cNvSpPr txBox="1"/>
+          <p:nvPr/>
+        </p:nvSpPr>
+        <p:spPr>
+          <a:xfrm>
+            <a:off x="17472248" y="15911425"/>
+            <a:ext cx="864339" cy="369332"/>
+          </a:xfrm>
+          <a:prstGeom prst="rect">
+            <a:avLst/>
+          </a:prstGeom>
+          <a:noFill/>
+        </p:spPr>
+        <p:txBody>
+          <a:bodyPr wrap="none" rtlCol="0">
+            <a:spAutoFit/>
+          </a:bodyPr>
+          <a:lstStyle/>
+          <a:p>
+            <a:r>
+              <a:rPr lang="en-US" sz="1800" b="1" dirty="0" smtClean="0">
+                <a:latin typeface="Times New Roman" panose="02020603050405020304" pitchFamily="18" charset="0"/>
+                <a:cs typeface="Times New Roman" panose="02020603050405020304" pitchFamily="18" charset="0"/>
+              </a:rPr>
+              <a:t>Fig. 1b</a:t>
+            </a:r>
+            <a:endParaRPr lang="en-US" sz="1800" b="1" dirty="0">
+              <a:latin typeface="Times New Roman" panose="02020603050405020304" pitchFamily="18" charset="0"/>
+              <a:cs typeface="Times New Roman" panose="02020603050405020304" pitchFamily="18" charset="0"/>
+            </a:endParaRPr>
+          </a:p>
+        </p:txBody>
+      </p:sp>
+      <p:sp>
+        <p:nvSpPr>
+          <p:cNvPr id="72" name="TextBox 71"/>
+          <p:cNvSpPr txBox="1"/>
+          <p:nvPr/>
+        </p:nvSpPr>
+        <p:spPr>
+          <a:xfrm>
+            <a:off x="20279863" y="16174947"/>
+            <a:ext cx="1383712" cy="369332"/>
+          </a:xfrm>
+          <a:prstGeom prst="rect">
+            <a:avLst/>
+          </a:prstGeom>
+          <a:noFill/>
+        </p:spPr>
+        <p:txBody>
+          <a:bodyPr wrap="none" rtlCol="0">
+            <a:spAutoFit/>
+          </a:bodyPr>
+          <a:lstStyle/>
+          <a:p>
+            <a:r>
+              <a:rPr lang="en-US" sz="1800" b="1" dirty="0" smtClean="0">
+                <a:latin typeface="Times New Roman" panose="02020603050405020304" pitchFamily="18" charset="0"/>
+                <a:cs typeface="Times New Roman" panose="02020603050405020304" pitchFamily="18" charset="0"/>
+              </a:rPr>
+              <a:t>Algorithm 1</a:t>
+            </a:r>
+            <a:endParaRPr lang="en-US" sz="1800" b="1" dirty="0">
+              <a:latin typeface="Times New Roman" panose="02020603050405020304" pitchFamily="18" charset="0"/>
+              <a:cs typeface="Times New Roman" panose="02020603050405020304" pitchFamily="18" charset="0"/>
+            </a:endParaRPr>
+          </a:p>
+        </p:txBody>
+      </p:sp>
+      <p:sp>
+        <p:nvSpPr>
+          <p:cNvPr id="73" name="TextBox 72"/>
+          <p:cNvSpPr txBox="1"/>
+          <p:nvPr/>
+        </p:nvSpPr>
+        <p:spPr>
+          <a:xfrm>
+            <a:off x="16896184" y="27304954"/>
+            <a:ext cx="736099" cy="369332"/>
+          </a:xfrm>
+          <a:prstGeom prst="rect">
+            <a:avLst/>
+          </a:prstGeom>
+          <a:noFill/>
+        </p:spPr>
+        <p:txBody>
+          <a:bodyPr wrap="none" rtlCol="0">
+            <a:spAutoFit/>
+          </a:bodyPr>
+          <a:lstStyle/>
+          <a:p>
+            <a:r>
+              <a:rPr lang="en-US" sz="1800" b="1" dirty="0" smtClean="0">
+                <a:latin typeface="Times New Roman" panose="02020603050405020304" pitchFamily="18" charset="0"/>
+                <a:cs typeface="Times New Roman" panose="02020603050405020304" pitchFamily="18" charset="0"/>
+              </a:rPr>
+              <a:t>Fig. </a:t>
+            </a:r>
+            <a:r>
+              <a:rPr lang="en-US" sz="1800" b="1" dirty="0">
+                <a:latin typeface="Times New Roman" panose="02020603050405020304" pitchFamily="18" charset="0"/>
+                <a:cs typeface="Times New Roman" panose="02020603050405020304" pitchFamily="18" charset="0"/>
+              </a:rPr>
+              <a:t>2</a:t>
+            </a:r>
+          </a:p>
+        </p:txBody>
+      </p:sp>
+      <p:sp>
+        <p:nvSpPr>
+          <p:cNvPr id="74" name="TextBox 73"/>
+          <p:cNvSpPr txBox="1"/>
+          <p:nvPr/>
+        </p:nvSpPr>
+        <p:spPr>
+          <a:xfrm>
+            <a:off x="13925969" y="35380590"/>
+            <a:ext cx="736099" cy="369332"/>
+          </a:xfrm>
+          <a:prstGeom prst="rect">
+            <a:avLst/>
+          </a:prstGeom>
+          <a:noFill/>
+        </p:spPr>
+        <p:txBody>
+          <a:bodyPr wrap="none" rtlCol="0">
+            <a:spAutoFit/>
+          </a:bodyPr>
+          <a:lstStyle/>
+          <a:p>
+            <a:r>
+              <a:rPr lang="en-US" sz="1800" b="1" dirty="0" smtClean="0">
+                <a:latin typeface="Times New Roman" panose="02020603050405020304" pitchFamily="18" charset="0"/>
+                <a:cs typeface="Times New Roman" panose="02020603050405020304" pitchFamily="18" charset="0"/>
+              </a:rPr>
+              <a:t>Fig. </a:t>
+            </a:r>
+            <a:r>
+              <a:rPr lang="en-US" sz="1800" b="1" dirty="0" smtClean="0">
+                <a:latin typeface="Times New Roman" panose="02020603050405020304" pitchFamily="18" charset="0"/>
+                <a:cs typeface="Times New Roman" panose="02020603050405020304" pitchFamily="18" charset="0"/>
+              </a:rPr>
+              <a:t>3</a:t>
+            </a:r>
+            <a:endParaRPr lang="en-US" sz="1800" b="1" dirty="0">
+              <a:latin typeface="Times New Roman" panose="02020603050405020304" pitchFamily="18" charset="0"/>
+              <a:cs typeface="Times New Roman" panose="02020603050405020304" pitchFamily="18" charset="0"/>
+            </a:endParaRPr>
+          </a:p>
+        </p:txBody>
+      </p:sp>
+      <p:sp>
+        <p:nvSpPr>
+          <p:cNvPr id="75" name="TextBox 74"/>
+          <p:cNvSpPr txBox="1"/>
+          <p:nvPr/>
+        </p:nvSpPr>
+        <p:spPr>
+          <a:xfrm>
+            <a:off x="20377514" y="35046105"/>
+            <a:ext cx="851515" cy="369332"/>
+          </a:xfrm>
+          <a:prstGeom prst="rect">
+            <a:avLst/>
+          </a:prstGeom>
+          <a:noFill/>
+        </p:spPr>
+        <p:txBody>
+          <a:bodyPr wrap="none" rtlCol="0">
+            <a:spAutoFit/>
+          </a:bodyPr>
+          <a:lstStyle/>
+          <a:p>
+            <a:r>
+              <a:rPr lang="en-US" sz="1800" b="1" dirty="0" smtClean="0">
+                <a:latin typeface="Times New Roman" panose="02020603050405020304" pitchFamily="18" charset="0"/>
+                <a:cs typeface="Times New Roman" panose="02020603050405020304" pitchFamily="18" charset="0"/>
+              </a:rPr>
+              <a:t>Fig. 4a</a:t>
+            </a:r>
+            <a:endParaRPr lang="en-US" sz="1800" b="1" dirty="0">
+              <a:latin typeface="Times New Roman" panose="02020603050405020304" pitchFamily="18" charset="0"/>
+              <a:cs typeface="Times New Roman" panose="02020603050405020304" pitchFamily="18" charset="0"/>
+            </a:endParaRPr>
+          </a:p>
+        </p:txBody>
+      </p:sp>
+      <p:sp>
+        <p:nvSpPr>
+          <p:cNvPr id="76" name="TextBox 75"/>
+          <p:cNvSpPr txBox="1"/>
+          <p:nvPr/>
+        </p:nvSpPr>
+        <p:spPr>
+          <a:xfrm>
+            <a:off x="20386266" y="40185219"/>
+            <a:ext cx="864339" cy="369332"/>
+          </a:xfrm>
+          <a:prstGeom prst="rect">
+            <a:avLst/>
+          </a:prstGeom>
+          <a:noFill/>
+        </p:spPr>
+        <p:txBody>
+          <a:bodyPr wrap="none" rtlCol="0">
+            <a:spAutoFit/>
+          </a:bodyPr>
+          <a:lstStyle/>
+          <a:p>
+            <a:r>
+              <a:rPr lang="en-US" sz="1800" b="1" dirty="0" smtClean="0">
+                <a:latin typeface="Times New Roman" panose="02020603050405020304" pitchFamily="18" charset="0"/>
+                <a:cs typeface="Times New Roman" panose="02020603050405020304" pitchFamily="18" charset="0"/>
+              </a:rPr>
+              <a:t>Fig. 4b</a:t>
+            </a:r>
+            <a:endParaRPr lang="en-US" sz="1800" b="1" dirty="0">
+              <a:latin typeface="Times New Roman" panose="02020603050405020304" pitchFamily="18" charset="0"/>
+              <a:cs typeface="Times New Roman" panose="02020603050405020304" pitchFamily="18" charset="0"/>
+            </a:endParaRPr>
+          </a:p>
+        </p:txBody>
+      </p:sp>
+      <p:sp>
+        <p:nvSpPr>
+          <p:cNvPr id="77" name="TextBox 76"/>
+          <p:cNvSpPr txBox="1"/>
+          <p:nvPr/>
+        </p:nvSpPr>
+        <p:spPr>
+          <a:xfrm>
+            <a:off x="21233828" y="22939813"/>
+            <a:ext cx="900888" cy="369332"/>
+          </a:xfrm>
+          <a:prstGeom prst="rect">
+            <a:avLst/>
+          </a:prstGeom>
+          <a:noFill/>
+        </p:spPr>
+        <p:txBody>
+          <a:bodyPr wrap="none" rtlCol="0">
+            <a:spAutoFit/>
+          </a:bodyPr>
+          <a:lstStyle/>
+          <a:p>
+            <a:r>
+              <a:rPr lang="en-US" sz="1800" b="1" dirty="0" smtClean="0">
+                <a:latin typeface="Times New Roman" panose="02020603050405020304" pitchFamily="18" charset="0"/>
+                <a:cs typeface="Times New Roman" panose="02020603050405020304" pitchFamily="18" charset="0"/>
+              </a:rPr>
+              <a:t>Table 1</a:t>
+            </a:r>
+            <a:endParaRPr lang="en-US" sz="1800" b="1" dirty="0">
+              <a:latin typeface="Times New Roman" panose="02020603050405020304" pitchFamily="18" charset="0"/>
+              <a:cs typeface="Times New Roman" panose="02020603050405020304" pitchFamily="18" charset="0"/>
+            </a:endParaRPr>
+          </a:p>
+        </p:txBody>
+      </p:sp>
+      <p:sp>
+        <p:nvSpPr>
+          <p:cNvPr id="78" name="Rectangle 77"/>
+          <p:cNvSpPr/>
+          <p:nvPr/>
+        </p:nvSpPr>
+        <p:spPr>
+          <a:xfrm>
+            <a:off x="15014788" y="35238578"/>
+            <a:ext cx="4833551" cy="5478423"/>
+          </a:xfrm>
+          <a:prstGeom prst="rect">
+            <a:avLst/>
+          </a:prstGeom>
+        </p:spPr>
+        <p:txBody>
+          <a:bodyPr wrap="square">
+            <a:spAutoFit/>
+          </a:bodyPr>
+          <a:lstStyle/>
+          <a:p>
+            <a:pPr algn="just"/>
+            <a:r>
+              <a:rPr lang="en-US" sz="2500" dirty="0" smtClean="0">
+                <a:latin typeface="Times New Roman" panose="02020603050405020304" pitchFamily="18" charset="0"/>
+                <a:cs typeface="Times New Roman" panose="02020603050405020304" pitchFamily="18" charset="0"/>
+              </a:rPr>
+              <a:t>Based on this definition, we use 9 sensors data which I have mentioned before then we extracting the features from those data. </a:t>
+            </a:r>
+          </a:p>
+          <a:p>
+            <a:pPr algn="just"/>
+            <a:endParaRPr lang="en-US" sz="2500" dirty="0">
+              <a:latin typeface="Times New Roman" panose="02020603050405020304" pitchFamily="18" charset="0"/>
+              <a:cs typeface="Times New Roman" panose="02020603050405020304" pitchFamily="18" charset="0"/>
+            </a:endParaRPr>
+          </a:p>
+          <a:p>
+            <a:pPr algn="just"/>
+            <a:r>
+              <a:rPr lang="en-US" sz="2500" dirty="0" smtClean="0">
+                <a:latin typeface="Times New Roman" panose="02020603050405020304" pitchFamily="18" charset="0"/>
+                <a:cs typeface="Times New Roman" panose="02020603050405020304" pitchFamily="18" charset="0"/>
+              </a:rPr>
+              <a:t>The output of Preprocessing III (before modeling behavior applied can be seen on Fig. 3). </a:t>
+            </a:r>
+          </a:p>
+          <a:p>
+            <a:pPr algn="just"/>
+            <a:endParaRPr lang="en-US" sz="2500" dirty="0">
+              <a:latin typeface="Times New Roman" panose="02020603050405020304" pitchFamily="18" charset="0"/>
+              <a:cs typeface="Times New Roman" panose="02020603050405020304" pitchFamily="18" charset="0"/>
+            </a:endParaRPr>
+          </a:p>
+          <a:p>
+            <a:pPr algn="just"/>
+            <a:r>
+              <a:rPr lang="en-US" sz="2500" dirty="0" smtClean="0">
+                <a:latin typeface="Times New Roman" panose="02020603050405020304" pitchFamily="18" charset="0"/>
+                <a:cs typeface="Times New Roman" panose="02020603050405020304" pitchFamily="18" charset="0"/>
+              </a:rPr>
+              <a:t>After we got that output, we applied our method to build behavior model using Algorithm 1, and the way for finding similarity pattern can be seen on Fig. 1b.</a:t>
+            </a:r>
+            <a:endParaRPr lang="en-US" sz="2500" dirty="0">
+              <a:latin typeface="Times New Roman" panose="02020603050405020304" pitchFamily="18" charset="0"/>
+              <a:cs typeface="Times New Roman" panose="02020603050405020304" pitchFamily="18" charset="0"/>
             </a:endParaRPr>
           </a:p>
         </p:txBody>

--- a/poster.pptx
+++ b/poster.pptx
@@ -3990,7 +3990,35 @@
                 <a:latin typeface="Times New Roman" pitchFamily="18" charset="0"/>
                 <a:cs typeface="Times New Roman" pitchFamily="18" charset="0"/>
               </a:rPr>
-              <a:t>In this paper, we proposed approach that can used for user identification by building human behavior model. We use and combine of many sensors instead only focus on one sensors because we realize that sometimes user does not has data from one or more sensors. Based on our result, we can see that our approach is good enough for user identification. </a:t>
+              <a:t>In this paper, we proposed </a:t>
+            </a:r>
+            <a:r>
+              <a:rPr lang="en-US" altLang="ko-KR" sz="2600" dirty="0" smtClean="0">
+                <a:latin typeface="Times New Roman" pitchFamily="18" charset="0"/>
+                <a:cs typeface="Times New Roman" pitchFamily="18" charset="0"/>
+              </a:rPr>
+              <a:t>an approach </a:t>
+            </a:r>
+            <a:r>
+              <a:rPr lang="en-US" altLang="ko-KR" sz="2600" dirty="0">
+                <a:latin typeface="Times New Roman" pitchFamily="18" charset="0"/>
+                <a:cs typeface="Times New Roman" pitchFamily="18" charset="0"/>
+              </a:rPr>
+              <a:t>that can used for user identification by building human behavior model. We use and combine </a:t>
+            </a:r>
+            <a:r>
+              <a:rPr lang="en-US" altLang="ko-KR" sz="2600" dirty="0" smtClean="0">
+                <a:latin typeface="Times New Roman" pitchFamily="18" charset="0"/>
+                <a:cs typeface="Times New Roman" pitchFamily="18" charset="0"/>
+              </a:rPr>
+              <a:t>many </a:t>
+            </a:r>
+            <a:r>
+              <a:rPr lang="en-US" altLang="ko-KR" sz="2600" dirty="0">
+                <a:latin typeface="Times New Roman" pitchFamily="18" charset="0"/>
+                <a:cs typeface="Times New Roman" pitchFamily="18" charset="0"/>
+              </a:rPr>
+              <a:t>sensors instead only focus on one sensors because we realize that sometimes user does not has data from one or more sensors. Based on our result, we can see that our approach is good enough for user identification. </a:t>
             </a:r>
             <a:endParaRPr lang="en-US" altLang="ko-KR" sz="2600" dirty="0" smtClean="0">
               <a:latin typeface="Times New Roman" pitchFamily="18" charset="0"/>
@@ -4018,7 +4046,49 @@
                 <a:latin typeface="Times New Roman" pitchFamily="18" charset="0"/>
                 <a:cs typeface="Times New Roman" pitchFamily="18" charset="0"/>
               </a:rPr>
-              <a:t>have tried also to remove one or more features and then observe the accuracy values. The result shows that even one or more features have been removed but our system still can be used for identification. It means our system can handle the problem if one or more data sensors from users smartphone not available. Some of result from our system can achieve up to more than 80 % accuracy but any four of them have less than 30 % accuracy. In this paper, we have explained also why four students have bad accuracy. The reasons are students who have bad accuracy, their dataset are too small and they have different behavior for almost each day which our approach does not capable to handle it. Despite some of accuracy values are under 30 % but those values still can be used for identification because those values are the highest one compared to others. It means that our approach still good enough for identification system</a:t>
+              <a:t>have tried also to remove one or more </a:t>
+            </a:r>
+            <a:r>
+              <a:rPr lang="en-US" altLang="ko-KR" sz="2600" dirty="0" smtClean="0">
+                <a:latin typeface="Times New Roman" pitchFamily="18" charset="0"/>
+                <a:cs typeface="Times New Roman" pitchFamily="18" charset="0"/>
+              </a:rPr>
+              <a:t>data sensors and </a:t>
+            </a:r>
+            <a:r>
+              <a:rPr lang="en-US" altLang="ko-KR" sz="2600" dirty="0">
+                <a:latin typeface="Times New Roman" pitchFamily="18" charset="0"/>
+                <a:cs typeface="Times New Roman" pitchFamily="18" charset="0"/>
+              </a:rPr>
+              <a:t>then observe the accuracy values. The result shows that even one or more </a:t>
+            </a:r>
+            <a:r>
+              <a:rPr lang="en-US" altLang="ko-KR" sz="2600" dirty="0" smtClean="0">
+                <a:latin typeface="Times New Roman" pitchFamily="18" charset="0"/>
+                <a:cs typeface="Times New Roman" pitchFamily="18" charset="0"/>
+              </a:rPr>
+              <a:t>data sensors have </a:t>
+            </a:r>
+            <a:r>
+              <a:rPr lang="en-US" altLang="ko-KR" sz="2600" dirty="0">
+                <a:latin typeface="Times New Roman" pitchFamily="18" charset="0"/>
+                <a:cs typeface="Times New Roman" pitchFamily="18" charset="0"/>
+              </a:rPr>
+              <a:t>been removed but our system still can be used for identification. It means our system can handle the problem if one or more data sensors from users smartphone not available. Some of result from our system can achieve up to more than 80 % accuracy but </a:t>
+            </a:r>
+            <a:r>
+              <a:rPr lang="en-US" altLang="ko-KR" sz="2600" dirty="0" smtClean="0">
+                <a:latin typeface="Times New Roman" pitchFamily="18" charset="0"/>
+                <a:cs typeface="Times New Roman" pitchFamily="18" charset="0"/>
+              </a:rPr>
+              <a:t>four </a:t>
+            </a:r>
+            <a:r>
+              <a:rPr lang="en-US" altLang="ko-KR" sz="2600" dirty="0">
+                <a:latin typeface="Times New Roman" pitchFamily="18" charset="0"/>
+                <a:cs typeface="Times New Roman" pitchFamily="18" charset="0"/>
+              </a:rPr>
+              <a:t>of them have less than 30 % accuracy. In this paper, we have explained also why four students have bad accuracy. The reasons are students who have bad accuracy, their dataset are too small and they have different behavior for almost each day which our approach does not capable to handle it. Despite some of accuracy values are under 30 % but those values still can be used for identification because those values are the highest one compared to others. It means that our approach still good enough for identification system</a:t>
             </a:r>
             <a:r>
               <a:rPr lang="en-US" altLang="ko-KR" sz="2600" dirty="0" smtClean="0">
@@ -4732,7 +4802,7 @@
         <p:spPr bwMode="auto">
           <a:xfrm>
             <a:off x="10094592" y="6040110"/>
-            <a:ext cx="19284819" cy="1692771"/>
+            <a:ext cx="19284819" cy="2092881"/>
           </a:xfrm>
           <a:prstGeom prst="rect">
             <a:avLst/>
@@ -4797,17 +4867,7 @@
                 <a:latin typeface="Times New Roman" pitchFamily="18" charset="0"/>
                 <a:cs typeface="Times New Roman" pitchFamily="18" charset="0"/>
               </a:rPr>
-              <a:t>First, we process those data, we explain in Data Processing section, then we applied our method to build human behavior model. In this research, we tried to looking the similarity pattern between human activities data by comparing between days. Fig. 1a shows that we use static window size (w=2), means we compare between two days, and find the similarity data. The way to find the similarity pattern can be seen on Fig. 1b and the details of our Algorithm can be seen on Algorithm 1.  </a:t>
-            </a:r>
-            <a:r>
-              <a:rPr lang="en-US" altLang="ko-KR" sz="2600" dirty="0" smtClean="0">
-                <a:solidFill>
-                  <a:schemeClr val="tx1"/>
-                </a:solidFill>
-                <a:latin typeface="Times New Roman" pitchFamily="18" charset="0"/>
-                <a:cs typeface="Times New Roman" pitchFamily="18" charset="0"/>
-              </a:rPr>
-              <a:t> </a:t>
+              <a:t>First, we process those data, we explain in Data Processing section, then we applied our method to build human behavior model. In this research, we tried to find the similarity pattern between human activities data by comparing between days. Fig. 1a shows that we use static window size (w=2), means we compare between two days, and find the similar data. The way to find the similarity pattern can be seen on Fig. 1b and the details of our Algorithm can be seen on Algorithm 1. To build human behavior model, we collect all of intersection data between all groups, and mark those data as the human behavior.</a:t>
             </a:r>
             <a:endParaRPr lang="ko-KR" altLang="ko-KR" sz="2600" dirty="0">
               <a:solidFill>
@@ -5216,7 +5276,21 @@
                 <a:latin typeface="Times New Roman" pitchFamily="18" charset="0"/>
                 <a:cs typeface="Times New Roman" pitchFamily="18" charset="0"/>
               </a:rPr>
-              <a:t>Based on the result, we </a:t>
+              <a:t>We can see the result on Fig. </a:t>
+            </a:r>
+            <a:r>
+              <a:rPr lang="en-US" altLang="ko-KR" sz="2600" smtClean="0">
+                <a:latin typeface="Times New Roman" pitchFamily="18" charset="0"/>
+                <a:cs typeface="Times New Roman" pitchFamily="18" charset="0"/>
+              </a:rPr>
+              <a:t>4a,4b. Based </a:t>
+            </a:r>
+            <a:r>
+              <a:rPr lang="en-US" altLang="ko-KR" sz="2600" dirty="0" smtClean="0">
+                <a:latin typeface="Times New Roman" pitchFamily="18" charset="0"/>
+                <a:cs typeface="Times New Roman" pitchFamily="18" charset="0"/>
+              </a:rPr>
+              <a:t>on the result, we </a:t>
             </a:r>
             <a:r>
               <a:rPr lang="en-US" altLang="ko-KR" sz="2600" dirty="0">
@@ -5464,14 +5538,28 @@
                 <a:latin typeface="Times New Roman" pitchFamily="18" charset="0"/>
                 <a:cs typeface="Times New Roman" pitchFamily="18" charset="0"/>
               </a:rPr>
-              <a:t>We have developed a new approach to build human behavior model which can deal with those situations</a:t>
+              <a:t>We have developed a new approach to build human behavior model which can deal with those situations (realistic dataset). </a:t>
             </a:r>
             <a:r>
               <a:rPr lang="en-US" altLang="ko-KR" sz="2600" dirty="0">
                 <a:latin typeface="Times New Roman" pitchFamily="18" charset="0"/>
                 <a:cs typeface="Times New Roman" pitchFamily="18" charset="0"/>
               </a:rPr>
-              <a:t>. Our contribution in this work are: </a:t>
+              <a:t>Our </a:t>
+            </a:r>
+            <a:r>
+              <a:rPr lang="en-US" altLang="ko-KR" sz="2600" dirty="0" smtClean="0">
+                <a:latin typeface="Times New Roman" pitchFamily="18" charset="0"/>
+                <a:cs typeface="Times New Roman" pitchFamily="18" charset="0"/>
+              </a:rPr>
+              <a:t>contributions </a:t>
+            </a:r>
+            <a:r>
+              <a:rPr lang="en-US" altLang="ko-KR" sz="2600" dirty="0">
+                <a:latin typeface="Times New Roman" pitchFamily="18" charset="0"/>
+                <a:cs typeface="Times New Roman" pitchFamily="18" charset="0"/>
+              </a:rPr>
+              <a:t>in this work are: </a:t>
             </a:r>
             <a:endParaRPr lang="en-US" altLang="ko-KR" sz="2600" dirty="0" smtClean="0">
               <a:latin typeface="Times New Roman" pitchFamily="18" charset="0"/>
@@ -5994,7 +6082,7 @@
         <p:spPr>
           <a:xfrm>
             <a:off x="10158232" y="18887655"/>
-            <a:ext cx="9908394" cy="2785378"/>
+            <a:ext cx="9908394" cy="3554819"/>
           </a:xfrm>
           <a:prstGeom prst="rect">
             <a:avLst/>
@@ -6054,7 +6142,21 @@
                 <a:latin typeface="Times New Roman" panose="02020603050405020304" pitchFamily="18" charset="0"/>
                 <a:cs typeface="Times New Roman" panose="02020603050405020304" pitchFamily="18" charset="0"/>
               </a:rPr>
-              <a:t>. This application is following opportunistic sensing, means it does not need user intervention. User only install this application and everything is done, this application will automatically collected all of their sensor data. This application collected 19 types of sensor data, but in this research, we only use nine sensors data are activity, GPS, Nearby Bluetooth, Nearby Wi-Fi, call, SMS, Battery, Current Run Apps, Phone Screen. </a:t>
+              <a:t>. This application is following opportunistic sensing, means it does not need user intervention. User only install this application and everything is done, this application will automatically collected all of their sensor data. We choose opportunistic method to collect </a:t>
+            </a:r>
+            <a:r>
+              <a:rPr lang="en-US" sz="2500" dirty="0" smtClean="0">
+                <a:latin typeface="Times New Roman" panose="02020603050405020304" pitchFamily="18" charset="0"/>
+                <a:cs typeface="Times New Roman" panose="02020603050405020304" pitchFamily="18" charset="0"/>
+              </a:rPr>
+              <a:t>user data because we want to collect realistic dataset. </a:t>
+            </a:r>
+            <a:r>
+              <a:rPr lang="en-US" sz="2500" dirty="0" smtClean="0">
+                <a:latin typeface="Times New Roman" panose="02020603050405020304" pitchFamily="18" charset="0"/>
+                <a:cs typeface="Times New Roman" panose="02020603050405020304" pitchFamily="18" charset="0"/>
+              </a:rPr>
+              <a:t>This application collected 19 types of sensor data, but in this research, we only use nine sensors data are activity, GPS, Nearby Bluetooth, Nearby Wi-Fi, call, SMS, Battery, Current Run Apps, Phone Screen. </a:t>
             </a:r>
             <a:endParaRPr lang="en-US" sz="2500" dirty="0">
               <a:latin typeface="Times New Roman" panose="02020603050405020304" pitchFamily="18" charset="0"/>
@@ -6331,7 +6433,7 @@
         </p:nvSpPr>
         <p:spPr bwMode="auto">
           <a:xfrm>
-            <a:off x="10208179" y="22028345"/>
+            <a:off x="10208179" y="22104935"/>
             <a:ext cx="3193068" cy="615553"/>
           </a:xfrm>
           <a:prstGeom prst="rect">
@@ -8183,7 +8285,7 @@
                 <a:latin typeface="Times New Roman" panose="02020603050405020304" pitchFamily="18" charset="0"/>
                 <a:cs typeface="Times New Roman" panose="02020603050405020304" pitchFamily="18" charset="0"/>
               </a:rPr>
-              <a:t>After we got that output, we applied our method to build behavior model using Algorithm 1, and the way for finding similarity pattern can be seen on Fig. 1b.</a:t>
+              <a:t>After we got that output, we applied our method to build behavior model using Algorithm 1, and the way to find similarity pattern can be seen on Fig. 1b.</a:t>
             </a:r>
             <a:endParaRPr lang="en-US" sz="2500" dirty="0">
               <a:latin typeface="Times New Roman" panose="02020603050405020304" pitchFamily="18" charset="0"/>
